--- a/Week 2/Week2Presentation.pptx
+++ b/Week 2/Week2Presentation.pptx
@@ -5,21 +5,28 @@
     <p:sldMasterId id="2147483648" r:id="rId1"/>
   </p:sldMasterIdLst>
   <p:notesMasterIdLst>
-    <p:notesMasterId r:id="rId14"/>
+    <p:notesMasterId r:id="rId21"/>
   </p:notesMasterIdLst>
   <p:sldIdLst>
     <p:sldId id="256" r:id="rId2"/>
-    <p:sldId id="259" r:id="rId3"/>
-    <p:sldId id="260" r:id="rId4"/>
-    <p:sldId id="261" r:id="rId5"/>
-    <p:sldId id="257" r:id="rId6"/>
-    <p:sldId id="265" r:id="rId7"/>
-    <p:sldId id="258" r:id="rId8"/>
-    <p:sldId id="262" r:id="rId9"/>
-    <p:sldId id="266" r:id="rId10"/>
-    <p:sldId id="267" r:id="rId11"/>
-    <p:sldId id="263" r:id="rId12"/>
-    <p:sldId id="264" r:id="rId13"/>
+    <p:sldId id="257" r:id="rId3"/>
+    <p:sldId id="268" r:id="rId4"/>
+    <p:sldId id="269" r:id="rId5"/>
+    <p:sldId id="265" r:id="rId6"/>
+    <p:sldId id="258" r:id="rId7"/>
+    <p:sldId id="262" r:id="rId8"/>
+    <p:sldId id="266" r:id="rId9"/>
+    <p:sldId id="267" r:id="rId10"/>
+    <p:sldId id="263" r:id="rId11"/>
+    <p:sldId id="264" r:id="rId12"/>
+    <p:sldId id="270" r:id="rId13"/>
+    <p:sldId id="271" r:id="rId14"/>
+    <p:sldId id="272" r:id="rId15"/>
+    <p:sldId id="273" r:id="rId16"/>
+    <p:sldId id="274" r:id="rId17"/>
+    <p:sldId id="275" r:id="rId18"/>
+    <p:sldId id="276" r:id="rId19"/>
+    <p:sldId id="277" r:id="rId20"/>
   </p:sldIdLst>
   <p:sldSz cx="12192000" cy="6858000"/>
   <p:notesSz cx="6858000" cy="9144000"/>
@@ -118,6 +125,11 @@
       </a:defRPr>
     </a:lvl9pPr>
   </p:defaultTextStyle>
+  <p:extLst>
+    <p:ext uri="{EFAFB233-063F-42B5-8137-9DF3F51BA10A}">
+      <p15:sldGuideLst xmlns:p15="http://schemas.microsoft.com/office/powerpoint/2012/main"/>
+    </p:ext>
+  </p:extLst>
 </p:presentation>
 </file>
 
@@ -203,7 +215,7 @@
           <a:p>
             <a:fld id="{5BBD3310-70C8-514F-8DE2-4EFC0A6CF0C9}" type="datetimeFigureOut">
               <a:rPr lang="en-US" smtClean="0"/>
-              <a:t>10/19/18</a:t>
+              <a:t>10/24/18</a:t>
             </a:fld>
             <a:endParaRPr lang="en-US"/>
           </a:p>
@@ -602,7 +614,7 @@
           <a:p>
             <a:fld id="{6F639747-3BA0-1F48-8FDC-EC6A58363C22}" type="datetimeFigureOut">
               <a:rPr lang="en-US" smtClean="0"/>
-              <a:t>10/19/18</a:t>
+              <a:t>10/24/18</a:t>
             </a:fld>
             <a:endParaRPr lang="en-US"/>
           </a:p>
@@ -772,7 +784,7 @@
           <a:p>
             <a:fld id="{6F639747-3BA0-1F48-8FDC-EC6A58363C22}" type="datetimeFigureOut">
               <a:rPr lang="en-US" smtClean="0"/>
-              <a:t>10/19/18</a:t>
+              <a:t>10/24/18</a:t>
             </a:fld>
             <a:endParaRPr lang="en-US"/>
           </a:p>
@@ -952,7 +964,7 @@
           <a:p>
             <a:fld id="{6F639747-3BA0-1F48-8FDC-EC6A58363C22}" type="datetimeFigureOut">
               <a:rPr lang="en-US" smtClean="0"/>
-              <a:t>10/19/18</a:t>
+              <a:t>10/24/18</a:t>
             </a:fld>
             <a:endParaRPr lang="en-US"/>
           </a:p>
@@ -1122,7 +1134,7 @@
           <a:p>
             <a:fld id="{6F639747-3BA0-1F48-8FDC-EC6A58363C22}" type="datetimeFigureOut">
               <a:rPr lang="en-US" smtClean="0"/>
-              <a:t>10/19/18</a:t>
+              <a:t>10/24/18</a:t>
             </a:fld>
             <a:endParaRPr lang="en-US"/>
           </a:p>
@@ -1368,7 +1380,7 @@
           <a:p>
             <a:fld id="{6F639747-3BA0-1F48-8FDC-EC6A58363C22}" type="datetimeFigureOut">
               <a:rPr lang="en-US" smtClean="0"/>
-              <a:t>10/19/18</a:t>
+              <a:t>10/24/18</a:t>
             </a:fld>
             <a:endParaRPr lang="en-US"/>
           </a:p>
@@ -1600,7 +1612,7 @@
           <a:p>
             <a:fld id="{6F639747-3BA0-1F48-8FDC-EC6A58363C22}" type="datetimeFigureOut">
               <a:rPr lang="en-US" smtClean="0"/>
-              <a:t>10/19/18</a:t>
+              <a:t>10/24/18</a:t>
             </a:fld>
             <a:endParaRPr lang="en-US"/>
           </a:p>
@@ -1967,7 +1979,7 @@
           <a:p>
             <a:fld id="{6F639747-3BA0-1F48-8FDC-EC6A58363C22}" type="datetimeFigureOut">
               <a:rPr lang="en-US" smtClean="0"/>
-              <a:t>10/19/18</a:t>
+              <a:t>10/24/18</a:t>
             </a:fld>
             <a:endParaRPr lang="en-US"/>
           </a:p>
@@ -2085,7 +2097,7 @@
           <a:p>
             <a:fld id="{6F639747-3BA0-1F48-8FDC-EC6A58363C22}" type="datetimeFigureOut">
               <a:rPr lang="en-US" smtClean="0"/>
-              <a:t>10/19/18</a:t>
+              <a:t>10/24/18</a:t>
             </a:fld>
             <a:endParaRPr lang="en-US"/>
           </a:p>
@@ -2180,7 +2192,7 @@
           <a:p>
             <a:fld id="{6F639747-3BA0-1F48-8FDC-EC6A58363C22}" type="datetimeFigureOut">
               <a:rPr lang="en-US" smtClean="0"/>
-              <a:t>10/19/18</a:t>
+              <a:t>10/24/18</a:t>
             </a:fld>
             <a:endParaRPr lang="en-US"/>
           </a:p>
@@ -2457,7 +2469,7 @@
           <a:p>
             <a:fld id="{6F639747-3BA0-1F48-8FDC-EC6A58363C22}" type="datetimeFigureOut">
               <a:rPr lang="en-US" smtClean="0"/>
-              <a:t>10/19/18</a:t>
+              <a:t>10/24/18</a:t>
             </a:fld>
             <a:endParaRPr lang="en-US"/>
           </a:p>
@@ -2710,7 +2722,7 @@
           <a:p>
             <a:fld id="{6F639747-3BA0-1F48-8FDC-EC6A58363C22}" type="datetimeFigureOut">
               <a:rPr lang="en-US" smtClean="0"/>
-              <a:t>10/19/18</a:t>
+              <a:t>10/24/18</a:t>
             </a:fld>
             <a:endParaRPr lang="en-US"/>
           </a:p>
@@ -2951,7 +2963,7 @@
           <a:p>
             <a:fld id="{6F639747-3BA0-1F48-8FDC-EC6A58363C22}" type="datetimeFigureOut">
               <a:rPr lang="en-US" smtClean="0"/>
-              <a:t>10/19/18</a:t>
+              <a:t>10/24/18</a:t>
             </a:fld>
             <a:endParaRPr lang="en-US"/>
           </a:p>
@@ -3394,6 +3406,36 @@
           </a:p>
         </p:txBody>
       </p:sp>
+      <p:pic>
+        <p:nvPicPr>
+          <p:cNvPr id="2" name="Picture 1"/>
+          <p:cNvPicPr>
+            <a:picLocks noChangeAspect="1"/>
+          </p:cNvPicPr>
+          <p:nvPr/>
+        </p:nvPicPr>
+        <p:blipFill>
+          <a:blip r:embed="rId2">
+            <a:extLst>
+              <a:ext uri="{28A0092B-C50C-407E-A947-70E740481C1C}">
+                <a14:useLocalDpi xmlns:a14="http://schemas.microsoft.com/office/drawing/2010/main" val="0"/>
+              </a:ext>
+            </a:extLst>
+          </a:blip>
+          <a:stretch>
+            <a:fillRect/>
+          </a:stretch>
+        </p:blipFill>
+        <p:spPr>
+          <a:xfrm>
+            <a:off x="509909" y="3200877"/>
+            <a:ext cx="11211765" cy="3657123"/>
+          </a:xfrm>
+          <a:prstGeom prst="rect">
+            <a:avLst/>
+          </a:prstGeom>
+        </p:spPr>
+      </p:pic>
     </p:spTree>
     <p:extLst>
       <p:ext uri="{BB962C8B-B14F-4D97-AF65-F5344CB8AC3E}">
@@ -3408,6 +3450,2528 @@
 </file>
 
 <file path=ppt/slides/slide10.xml><?xml version="1.0" encoding="utf-8"?>
+<p:sld xmlns:a="http://schemas.openxmlformats.org/drawingml/2006/main" xmlns:r="http://schemas.openxmlformats.org/officeDocument/2006/relationships" xmlns:p="http://schemas.openxmlformats.org/presentationml/2006/main">
+  <p:cSld>
+    <p:spTree>
+      <p:nvGrpSpPr>
+        <p:cNvPr id="1" name=""/>
+        <p:cNvGrpSpPr/>
+        <p:nvPr/>
+      </p:nvGrpSpPr>
+      <p:grpSpPr>
+        <a:xfrm>
+          <a:off x="0" y="0"/>
+          <a:ext cx="0" cy="0"/>
+          <a:chOff x="0" y="0"/>
+          <a:chExt cx="0" cy="0"/>
+        </a:xfrm>
+      </p:grpSpPr>
+      <p:pic>
+        <p:nvPicPr>
+          <p:cNvPr id="2" name="Picture 1"/>
+          <p:cNvPicPr>
+            <a:picLocks noChangeAspect="1"/>
+          </p:cNvPicPr>
+          <p:nvPr/>
+        </p:nvPicPr>
+        <p:blipFill>
+          <a:blip r:embed="rId2">
+            <a:extLst>
+              <a:ext uri="{28A0092B-C50C-407E-A947-70E740481C1C}">
+                <a14:useLocalDpi xmlns:a14="http://schemas.microsoft.com/office/drawing/2010/main" val="0"/>
+              </a:ext>
+            </a:extLst>
+          </a:blip>
+          <a:stretch>
+            <a:fillRect/>
+          </a:stretch>
+        </p:blipFill>
+        <p:spPr>
+          <a:xfrm rot="10800000" flipH="1" flipV="1">
+            <a:off x="0" y="1357870"/>
+            <a:ext cx="12182884" cy="3190234"/>
+          </a:xfrm>
+          <a:prstGeom prst="rect">
+            <a:avLst/>
+          </a:prstGeom>
+        </p:spPr>
+      </p:pic>
+      <p:sp>
+        <p:nvSpPr>
+          <p:cNvPr id="4" name="TextBox 3"/>
+          <p:cNvSpPr txBox="1"/>
+          <p:nvPr/>
+        </p:nvSpPr>
+        <p:spPr>
+          <a:xfrm>
+            <a:off x="985052" y="0"/>
+            <a:ext cx="10212780" cy="1200329"/>
+          </a:xfrm>
+          <a:prstGeom prst="rect">
+            <a:avLst/>
+          </a:prstGeom>
+          <a:noFill/>
+        </p:spPr>
+        <p:txBody>
+          <a:bodyPr wrap="square" rtlCol="0">
+            <a:spAutoFit/>
+          </a:bodyPr>
+          <a:lstStyle/>
+          <a:p>
+            <a:pPr algn="ctr"/>
+            <a:r>
+              <a:rPr lang="en-US" sz="7200" b="1" smtClean="0">
+                <a:solidFill>
+                  <a:schemeClr val="bg1"/>
+                </a:solidFill>
+              </a:rPr>
+              <a:t>String Indexing</a:t>
+            </a:r>
+            <a:endParaRPr lang="en-US" sz="7200" b="1" dirty="0" smtClean="0">
+              <a:solidFill>
+                <a:schemeClr val="bg1"/>
+              </a:solidFill>
+            </a:endParaRPr>
+          </a:p>
+        </p:txBody>
+      </p:sp>
+    </p:spTree>
+    <p:extLst>
+      <p:ext uri="{BB962C8B-B14F-4D97-AF65-F5344CB8AC3E}">
+        <p14:creationId xmlns:p14="http://schemas.microsoft.com/office/powerpoint/2010/main" val="395425702"/>
+      </p:ext>
+    </p:extLst>
+  </p:cSld>
+  <p:clrMapOvr>
+    <a:masterClrMapping/>
+  </p:clrMapOvr>
+</p:sld>
+</file>
+
+<file path=ppt/slides/slide11.xml><?xml version="1.0" encoding="utf-8"?>
+<p:sld xmlns:a="http://schemas.openxmlformats.org/drawingml/2006/main" xmlns:r="http://schemas.openxmlformats.org/officeDocument/2006/relationships" xmlns:p="http://schemas.openxmlformats.org/presentationml/2006/main">
+  <p:cSld>
+    <p:spTree>
+      <p:nvGrpSpPr>
+        <p:cNvPr id="1" name=""/>
+        <p:cNvGrpSpPr/>
+        <p:nvPr/>
+      </p:nvGrpSpPr>
+      <p:grpSpPr>
+        <a:xfrm>
+          <a:off x="0" y="0"/>
+          <a:ext cx="0" cy="0"/>
+          <a:chOff x="0" y="0"/>
+          <a:chExt cx="0" cy="0"/>
+        </a:xfrm>
+      </p:grpSpPr>
+      <p:pic>
+        <p:nvPicPr>
+          <p:cNvPr id="3" name="Picture 2"/>
+          <p:cNvPicPr>
+            <a:picLocks noChangeAspect="1"/>
+          </p:cNvPicPr>
+          <p:nvPr/>
+        </p:nvPicPr>
+        <p:blipFill>
+          <a:blip r:embed="rId2">
+            <a:extLst>
+              <a:ext uri="{28A0092B-C50C-407E-A947-70E740481C1C}">
+                <a14:useLocalDpi xmlns:a14="http://schemas.microsoft.com/office/drawing/2010/main" val="0"/>
+              </a:ext>
+            </a:extLst>
+          </a:blip>
+          <a:stretch>
+            <a:fillRect/>
+          </a:stretch>
+        </p:blipFill>
+        <p:spPr>
+          <a:xfrm>
+            <a:off x="0" y="2209867"/>
+            <a:ext cx="12192000" cy="2162255"/>
+          </a:xfrm>
+          <a:prstGeom prst="rect">
+            <a:avLst/>
+          </a:prstGeom>
+        </p:spPr>
+      </p:pic>
+      <p:sp>
+        <p:nvSpPr>
+          <p:cNvPr id="4" name="TextBox 3"/>
+          <p:cNvSpPr txBox="1"/>
+          <p:nvPr/>
+        </p:nvSpPr>
+        <p:spPr>
+          <a:xfrm>
+            <a:off x="985052" y="0"/>
+            <a:ext cx="10212780" cy="1200329"/>
+          </a:xfrm>
+          <a:prstGeom prst="rect">
+            <a:avLst/>
+          </a:prstGeom>
+          <a:noFill/>
+        </p:spPr>
+        <p:txBody>
+          <a:bodyPr wrap="square" rtlCol="0">
+            <a:spAutoFit/>
+          </a:bodyPr>
+          <a:lstStyle/>
+          <a:p>
+            <a:pPr algn="ctr"/>
+            <a:r>
+              <a:rPr lang="en-US" sz="7200" b="1" dirty="0" smtClean="0">
+                <a:solidFill>
+                  <a:schemeClr val="bg1"/>
+                </a:solidFill>
+              </a:rPr>
+              <a:t>Buggy Recursion</a:t>
+            </a:r>
+            <a:endParaRPr lang="en-US" sz="7200" b="1" dirty="0" smtClean="0">
+              <a:solidFill>
+                <a:schemeClr val="bg1"/>
+              </a:solidFill>
+            </a:endParaRPr>
+          </a:p>
+        </p:txBody>
+      </p:sp>
+    </p:spTree>
+    <p:extLst>
+      <p:ext uri="{BB962C8B-B14F-4D97-AF65-F5344CB8AC3E}">
+        <p14:creationId xmlns:p14="http://schemas.microsoft.com/office/powerpoint/2010/main" val="1605369696"/>
+      </p:ext>
+    </p:extLst>
+  </p:cSld>
+  <p:clrMapOvr>
+    <a:masterClrMapping/>
+  </p:clrMapOvr>
+</p:sld>
+</file>
+
+<file path=ppt/slides/slide12.xml><?xml version="1.0" encoding="utf-8"?>
+<p:sld xmlns:a="http://schemas.openxmlformats.org/drawingml/2006/main" xmlns:r="http://schemas.openxmlformats.org/officeDocument/2006/relationships" xmlns:p="http://schemas.openxmlformats.org/presentationml/2006/main">
+  <p:cSld>
+    <p:spTree>
+      <p:nvGrpSpPr>
+        <p:cNvPr id="1" name=""/>
+        <p:cNvGrpSpPr/>
+        <p:nvPr/>
+      </p:nvGrpSpPr>
+      <p:grpSpPr>
+        <a:xfrm>
+          <a:off x="0" y="0"/>
+          <a:ext cx="0" cy="0"/>
+          <a:chOff x="0" y="0"/>
+          <a:chExt cx="0" cy="0"/>
+        </a:xfrm>
+      </p:grpSpPr>
+      <p:sp>
+        <p:nvSpPr>
+          <p:cNvPr id="4" name="TextBox 3"/>
+          <p:cNvSpPr txBox="1"/>
+          <p:nvPr/>
+        </p:nvSpPr>
+        <p:spPr>
+          <a:xfrm>
+            <a:off x="989610" y="2090665"/>
+            <a:ext cx="10212780" cy="1200329"/>
+          </a:xfrm>
+          <a:prstGeom prst="rect">
+            <a:avLst/>
+          </a:prstGeom>
+          <a:noFill/>
+        </p:spPr>
+        <p:txBody>
+          <a:bodyPr wrap="square" rtlCol="0">
+            <a:spAutoFit/>
+          </a:bodyPr>
+          <a:lstStyle/>
+          <a:p>
+            <a:pPr algn="ctr"/>
+            <a:r>
+              <a:rPr lang="en-US" sz="7200" b="1" dirty="0" smtClean="0">
+                <a:solidFill>
+                  <a:schemeClr val="bg1"/>
+                </a:solidFill>
+              </a:rPr>
+              <a:t>Any Questions?</a:t>
+            </a:r>
+            <a:endParaRPr lang="en-US" sz="7200" b="1" dirty="0" smtClean="0">
+              <a:solidFill>
+                <a:schemeClr val="bg1"/>
+              </a:solidFill>
+            </a:endParaRPr>
+          </a:p>
+        </p:txBody>
+      </p:sp>
+    </p:spTree>
+    <p:extLst>
+      <p:ext uri="{BB962C8B-B14F-4D97-AF65-F5344CB8AC3E}">
+        <p14:creationId xmlns:p14="http://schemas.microsoft.com/office/powerpoint/2010/main" val="121929778"/>
+      </p:ext>
+    </p:extLst>
+  </p:cSld>
+  <p:clrMapOvr>
+    <a:masterClrMapping/>
+  </p:clrMapOvr>
+</p:sld>
+</file>
+
+<file path=ppt/slides/slide13.xml><?xml version="1.0" encoding="utf-8"?>
+<p:sld xmlns:a="http://schemas.openxmlformats.org/drawingml/2006/main" xmlns:r="http://schemas.openxmlformats.org/officeDocument/2006/relationships" xmlns:p="http://schemas.openxmlformats.org/presentationml/2006/main">
+  <p:cSld>
+    <p:spTree>
+      <p:nvGrpSpPr>
+        <p:cNvPr id="1" name=""/>
+        <p:cNvGrpSpPr/>
+        <p:nvPr/>
+      </p:nvGrpSpPr>
+      <p:grpSpPr>
+        <a:xfrm>
+          <a:off x="0" y="0"/>
+          <a:ext cx="0" cy="0"/>
+          <a:chOff x="0" y="0"/>
+          <a:chExt cx="0" cy="0"/>
+        </a:xfrm>
+      </p:grpSpPr>
+      <p:sp>
+        <p:nvSpPr>
+          <p:cNvPr id="4" name="TextBox 3"/>
+          <p:cNvSpPr txBox="1"/>
+          <p:nvPr/>
+        </p:nvSpPr>
+        <p:spPr>
+          <a:xfrm>
+            <a:off x="0" y="0"/>
+            <a:ext cx="12192000" cy="1938992"/>
+          </a:xfrm>
+          <a:prstGeom prst="rect">
+            <a:avLst/>
+          </a:prstGeom>
+          <a:noFill/>
+        </p:spPr>
+        <p:txBody>
+          <a:bodyPr wrap="square" rtlCol="0">
+            <a:spAutoFit/>
+          </a:bodyPr>
+          <a:lstStyle/>
+          <a:p>
+            <a:pPr algn="ctr"/>
+            <a:r>
+              <a:rPr lang="en-US" sz="6000" b="1" dirty="0">
+                <a:solidFill>
+                  <a:schemeClr val="bg1"/>
+                </a:solidFill>
+              </a:rPr>
+              <a:t>https://</a:t>
+            </a:r>
+            <a:r>
+              <a:rPr lang="en-US" sz="6000" b="1" dirty="0" err="1">
+                <a:solidFill>
+                  <a:schemeClr val="bg1"/>
+                </a:solidFill>
+              </a:rPr>
+              <a:t>github.com</a:t>
+            </a:r>
+            <a:r>
+              <a:rPr lang="en-US" sz="6000" b="1" dirty="0">
+                <a:solidFill>
+                  <a:schemeClr val="bg1"/>
+                </a:solidFill>
+              </a:rPr>
+              <a:t>/</a:t>
+            </a:r>
+            <a:r>
+              <a:rPr lang="en-US" sz="6000" b="1" dirty="0" err="1">
+                <a:solidFill>
+                  <a:schemeClr val="bg1"/>
+                </a:solidFill>
+              </a:rPr>
+              <a:t>OxCodeLaborate</a:t>
+            </a:r>
+            <a:r>
+              <a:rPr lang="en-US" sz="6000" b="1" dirty="0">
+                <a:solidFill>
+                  <a:schemeClr val="bg1"/>
+                </a:solidFill>
+              </a:rPr>
+              <a:t>/</a:t>
+            </a:r>
+            <a:r>
+              <a:rPr lang="en-US" sz="6000" b="1" dirty="0" err="1">
+                <a:solidFill>
+                  <a:schemeClr val="bg1"/>
+                </a:solidFill>
+              </a:rPr>
+              <a:t>IntroToPython</a:t>
+            </a:r>
+            <a:endParaRPr lang="en-US" sz="6000" b="1" dirty="0" smtClean="0">
+              <a:solidFill>
+                <a:schemeClr val="bg1"/>
+              </a:solidFill>
+            </a:endParaRPr>
+          </a:p>
+        </p:txBody>
+      </p:sp>
+    </p:spTree>
+    <p:extLst>
+      <p:ext uri="{BB962C8B-B14F-4D97-AF65-F5344CB8AC3E}">
+        <p14:creationId xmlns:p14="http://schemas.microsoft.com/office/powerpoint/2010/main" val="291473376"/>
+      </p:ext>
+    </p:extLst>
+  </p:cSld>
+  <p:clrMapOvr>
+    <a:masterClrMapping/>
+  </p:clrMapOvr>
+</p:sld>
+</file>
+
+<file path=ppt/slides/slide14.xml><?xml version="1.0" encoding="utf-8"?>
+<p:sld xmlns:a="http://schemas.openxmlformats.org/drawingml/2006/main" xmlns:r="http://schemas.openxmlformats.org/officeDocument/2006/relationships" xmlns:p="http://schemas.openxmlformats.org/presentationml/2006/main">
+  <p:cSld>
+    <p:spTree>
+      <p:nvGrpSpPr>
+        <p:cNvPr id="1" name=""/>
+        <p:cNvGrpSpPr/>
+        <p:nvPr/>
+      </p:nvGrpSpPr>
+      <p:grpSpPr>
+        <a:xfrm>
+          <a:off x="0" y="0"/>
+          <a:ext cx="0" cy="0"/>
+          <a:chOff x="0" y="0"/>
+          <a:chExt cx="0" cy="0"/>
+        </a:xfrm>
+      </p:grpSpPr>
+      <p:sp>
+        <p:nvSpPr>
+          <p:cNvPr id="4" name="TextBox 3"/>
+          <p:cNvSpPr txBox="1"/>
+          <p:nvPr/>
+        </p:nvSpPr>
+        <p:spPr>
+          <a:xfrm>
+            <a:off x="0" y="0"/>
+            <a:ext cx="12192000" cy="1938992"/>
+          </a:xfrm>
+          <a:prstGeom prst="rect">
+            <a:avLst/>
+          </a:prstGeom>
+          <a:noFill/>
+        </p:spPr>
+        <p:txBody>
+          <a:bodyPr wrap="square" rtlCol="0">
+            <a:spAutoFit/>
+          </a:bodyPr>
+          <a:lstStyle/>
+          <a:p>
+            <a:pPr algn="ctr"/>
+            <a:r>
+              <a:rPr lang="en-US" sz="6000" b="1" dirty="0">
+                <a:solidFill>
+                  <a:schemeClr val="bg1"/>
+                </a:solidFill>
+              </a:rPr>
+              <a:t>https://</a:t>
+            </a:r>
+            <a:r>
+              <a:rPr lang="en-US" sz="6000" b="1" dirty="0" err="1">
+                <a:solidFill>
+                  <a:schemeClr val="bg1"/>
+                </a:solidFill>
+              </a:rPr>
+              <a:t>github.com</a:t>
+            </a:r>
+            <a:r>
+              <a:rPr lang="en-US" sz="6000" b="1" dirty="0">
+                <a:solidFill>
+                  <a:schemeClr val="bg1"/>
+                </a:solidFill>
+              </a:rPr>
+              <a:t>/</a:t>
+            </a:r>
+            <a:r>
+              <a:rPr lang="en-US" sz="6000" b="1" dirty="0" err="1">
+                <a:solidFill>
+                  <a:schemeClr val="bg1"/>
+                </a:solidFill>
+              </a:rPr>
+              <a:t>OxCodeLaborate</a:t>
+            </a:r>
+            <a:r>
+              <a:rPr lang="en-US" sz="6000" b="1" dirty="0">
+                <a:solidFill>
+                  <a:schemeClr val="bg1"/>
+                </a:solidFill>
+              </a:rPr>
+              <a:t>/</a:t>
+            </a:r>
+            <a:r>
+              <a:rPr lang="en-US" sz="6000" b="1" dirty="0" err="1">
+                <a:solidFill>
+                  <a:schemeClr val="bg1"/>
+                </a:solidFill>
+              </a:rPr>
+              <a:t>IntroToPython</a:t>
+            </a:r>
+            <a:endParaRPr lang="en-US" sz="6000" b="1" dirty="0" smtClean="0">
+              <a:solidFill>
+                <a:schemeClr val="bg1"/>
+              </a:solidFill>
+            </a:endParaRPr>
+          </a:p>
+        </p:txBody>
+      </p:sp>
+      <p:pic>
+        <p:nvPicPr>
+          <p:cNvPr id="2" name="Picture 1"/>
+          <p:cNvPicPr>
+            <a:picLocks noChangeAspect="1"/>
+          </p:cNvPicPr>
+          <p:nvPr/>
+        </p:nvPicPr>
+        <p:blipFill>
+          <a:blip r:embed="rId2">
+            <a:extLst>
+              <a:ext uri="{28A0092B-C50C-407E-A947-70E740481C1C}">
+                <a14:useLocalDpi xmlns:a14="http://schemas.microsoft.com/office/drawing/2010/main" val="0"/>
+              </a:ext>
+            </a:extLst>
+          </a:blip>
+          <a:stretch>
+            <a:fillRect/>
+          </a:stretch>
+        </p:blipFill>
+        <p:spPr>
+          <a:xfrm>
+            <a:off x="1935480" y="2128315"/>
+            <a:ext cx="8321040" cy="4729685"/>
+          </a:xfrm>
+          <a:prstGeom prst="rect">
+            <a:avLst/>
+          </a:prstGeom>
+        </p:spPr>
+      </p:pic>
+    </p:spTree>
+    <p:extLst>
+      <p:ext uri="{BB962C8B-B14F-4D97-AF65-F5344CB8AC3E}">
+        <p14:creationId xmlns:p14="http://schemas.microsoft.com/office/powerpoint/2010/main" val="667262825"/>
+      </p:ext>
+    </p:extLst>
+  </p:cSld>
+  <p:clrMapOvr>
+    <a:masterClrMapping/>
+  </p:clrMapOvr>
+</p:sld>
+</file>
+
+<file path=ppt/slides/slide15.xml><?xml version="1.0" encoding="utf-8"?>
+<p:sld xmlns:a="http://schemas.openxmlformats.org/drawingml/2006/main" xmlns:r="http://schemas.openxmlformats.org/officeDocument/2006/relationships" xmlns:p="http://schemas.openxmlformats.org/presentationml/2006/main">
+  <p:cSld>
+    <p:spTree>
+      <p:nvGrpSpPr>
+        <p:cNvPr id="1" name=""/>
+        <p:cNvGrpSpPr/>
+        <p:nvPr/>
+      </p:nvGrpSpPr>
+      <p:grpSpPr>
+        <a:xfrm>
+          <a:off x="0" y="0"/>
+          <a:ext cx="0" cy="0"/>
+          <a:chOff x="0" y="0"/>
+          <a:chExt cx="0" cy="0"/>
+        </a:xfrm>
+      </p:grpSpPr>
+      <p:sp>
+        <p:nvSpPr>
+          <p:cNvPr id="4" name="TextBox 3"/>
+          <p:cNvSpPr txBox="1"/>
+          <p:nvPr/>
+        </p:nvSpPr>
+        <p:spPr>
+          <a:xfrm>
+            <a:off x="0" y="0"/>
+            <a:ext cx="12192000" cy="1938992"/>
+          </a:xfrm>
+          <a:prstGeom prst="rect">
+            <a:avLst/>
+          </a:prstGeom>
+          <a:noFill/>
+        </p:spPr>
+        <p:txBody>
+          <a:bodyPr wrap="square" rtlCol="0">
+            <a:spAutoFit/>
+          </a:bodyPr>
+          <a:lstStyle/>
+          <a:p>
+            <a:pPr algn="ctr"/>
+            <a:r>
+              <a:rPr lang="en-US" sz="6000" b="1" dirty="0">
+                <a:solidFill>
+                  <a:schemeClr val="bg1"/>
+                </a:solidFill>
+              </a:rPr>
+              <a:t>https://</a:t>
+            </a:r>
+            <a:r>
+              <a:rPr lang="en-US" sz="6000" b="1" dirty="0" err="1">
+                <a:solidFill>
+                  <a:schemeClr val="bg1"/>
+                </a:solidFill>
+              </a:rPr>
+              <a:t>github.com</a:t>
+            </a:r>
+            <a:r>
+              <a:rPr lang="en-US" sz="6000" b="1" dirty="0">
+                <a:solidFill>
+                  <a:schemeClr val="bg1"/>
+                </a:solidFill>
+              </a:rPr>
+              <a:t>/</a:t>
+            </a:r>
+            <a:r>
+              <a:rPr lang="en-US" sz="6000" b="1" dirty="0" err="1">
+                <a:solidFill>
+                  <a:schemeClr val="bg1"/>
+                </a:solidFill>
+              </a:rPr>
+              <a:t>OxCodeLaborate</a:t>
+            </a:r>
+            <a:r>
+              <a:rPr lang="en-US" sz="6000" b="1" dirty="0">
+                <a:solidFill>
+                  <a:schemeClr val="bg1"/>
+                </a:solidFill>
+              </a:rPr>
+              <a:t>/</a:t>
+            </a:r>
+            <a:r>
+              <a:rPr lang="en-US" sz="6000" b="1" dirty="0" err="1">
+                <a:solidFill>
+                  <a:schemeClr val="bg1"/>
+                </a:solidFill>
+              </a:rPr>
+              <a:t>IntroToPython</a:t>
+            </a:r>
+            <a:endParaRPr lang="en-US" sz="6000" b="1" dirty="0" smtClean="0">
+              <a:solidFill>
+                <a:schemeClr val="bg1"/>
+              </a:solidFill>
+            </a:endParaRPr>
+          </a:p>
+        </p:txBody>
+      </p:sp>
+      <p:pic>
+        <p:nvPicPr>
+          <p:cNvPr id="2" name="Picture 1"/>
+          <p:cNvPicPr>
+            <a:picLocks noChangeAspect="1"/>
+          </p:cNvPicPr>
+          <p:nvPr/>
+        </p:nvPicPr>
+        <p:blipFill>
+          <a:blip r:embed="rId2">
+            <a:extLst>
+              <a:ext uri="{28A0092B-C50C-407E-A947-70E740481C1C}">
+                <a14:useLocalDpi xmlns:a14="http://schemas.microsoft.com/office/drawing/2010/main" val="0"/>
+              </a:ext>
+            </a:extLst>
+          </a:blip>
+          <a:stretch>
+            <a:fillRect/>
+          </a:stretch>
+        </p:blipFill>
+        <p:spPr>
+          <a:xfrm>
+            <a:off x="0" y="-71941"/>
+            <a:ext cx="12192000" cy="6929941"/>
+          </a:xfrm>
+          <a:prstGeom prst="rect">
+            <a:avLst/>
+          </a:prstGeom>
+        </p:spPr>
+      </p:pic>
+      <p:sp>
+        <p:nvSpPr>
+          <p:cNvPr id="5" name="Freeform 4"/>
+          <p:cNvSpPr/>
+          <p:nvPr/>
+        </p:nvSpPr>
+        <p:spPr>
+          <a:xfrm rot="9185778">
+            <a:off x="10073211" y="1999226"/>
+            <a:ext cx="1911675" cy="1372687"/>
+          </a:xfrm>
+          <a:custGeom>
+            <a:avLst/>
+            <a:gdLst>
+              <a:gd name="connsiteX0" fmla="*/ 0 w 5372100"/>
+              <a:gd name="connsiteY0" fmla="*/ 514350 h 2514600"/>
+              <a:gd name="connsiteX1" fmla="*/ 128588 w 5372100"/>
+              <a:gd name="connsiteY1" fmla="*/ 685800 h 2514600"/>
+              <a:gd name="connsiteX2" fmla="*/ 214313 w 5372100"/>
+              <a:gd name="connsiteY2" fmla="*/ 757237 h 2514600"/>
+              <a:gd name="connsiteX3" fmla="*/ 314325 w 5372100"/>
+              <a:gd name="connsiteY3" fmla="*/ 871537 h 2514600"/>
+              <a:gd name="connsiteX4" fmla="*/ 471488 w 5372100"/>
+              <a:gd name="connsiteY4" fmla="*/ 985837 h 2514600"/>
+              <a:gd name="connsiteX5" fmla="*/ 514350 w 5372100"/>
+              <a:gd name="connsiteY5" fmla="*/ 1042987 h 2514600"/>
+              <a:gd name="connsiteX6" fmla="*/ 785813 w 5372100"/>
+              <a:gd name="connsiteY6" fmla="*/ 1243012 h 2514600"/>
+              <a:gd name="connsiteX7" fmla="*/ 914400 w 5372100"/>
+              <a:gd name="connsiteY7" fmla="*/ 1343025 h 2514600"/>
+              <a:gd name="connsiteX8" fmla="*/ 1057275 w 5372100"/>
+              <a:gd name="connsiteY8" fmla="*/ 1414462 h 2514600"/>
+              <a:gd name="connsiteX9" fmla="*/ 1457325 w 5372100"/>
+              <a:gd name="connsiteY9" fmla="*/ 1657350 h 2514600"/>
+              <a:gd name="connsiteX10" fmla="*/ 1543050 w 5372100"/>
+              <a:gd name="connsiteY10" fmla="*/ 1671637 h 2514600"/>
+              <a:gd name="connsiteX11" fmla="*/ 2000250 w 5372100"/>
+              <a:gd name="connsiteY11" fmla="*/ 1857375 h 2514600"/>
+              <a:gd name="connsiteX12" fmla="*/ 2771775 w 5372100"/>
+              <a:gd name="connsiteY12" fmla="*/ 2157412 h 2514600"/>
+              <a:gd name="connsiteX13" fmla="*/ 3157538 w 5372100"/>
+              <a:gd name="connsiteY13" fmla="*/ 2328862 h 2514600"/>
+              <a:gd name="connsiteX14" fmla="*/ 3243263 w 5372100"/>
+              <a:gd name="connsiteY14" fmla="*/ 2357437 h 2514600"/>
+              <a:gd name="connsiteX15" fmla="*/ 3314700 w 5372100"/>
+              <a:gd name="connsiteY15" fmla="*/ 2386012 h 2514600"/>
+              <a:gd name="connsiteX16" fmla="*/ 3386138 w 5372100"/>
+              <a:gd name="connsiteY16" fmla="*/ 2400300 h 2514600"/>
+              <a:gd name="connsiteX17" fmla="*/ 3457575 w 5372100"/>
+              <a:gd name="connsiteY17" fmla="*/ 2428875 h 2514600"/>
+              <a:gd name="connsiteX18" fmla="*/ 3629025 w 5372100"/>
+              <a:gd name="connsiteY18" fmla="*/ 2457450 h 2514600"/>
+              <a:gd name="connsiteX19" fmla="*/ 3743325 w 5372100"/>
+              <a:gd name="connsiteY19" fmla="*/ 2486025 h 2514600"/>
+              <a:gd name="connsiteX20" fmla="*/ 3829050 w 5372100"/>
+              <a:gd name="connsiteY20" fmla="*/ 2500312 h 2514600"/>
+              <a:gd name="connsiteX21" fmla="*/ 3900488 w 5372100"/>
+              <a:gd name="connsiteY21" fmla="*/ 2514600 h 2514600"/>
+              <a:gd name="connsiteX22" fmla="*/ 4886325 w 5372100"/>
+              <a:gd name="connsiteY22" fmla="*/ 2500312 h 2514600"/>
+              <a:gd name="connsiteX23" fmla="*/ 5014913 w 5372100"/>
+              <a:gd name="connsiteY23" fmla="*/ 2457450 h 2514600"/>
+              <a:gd name="connsiteX24" fmla="*/ 5086350 w 5372100"/>
+              <a:gd name="connsiteY24" fmla="*/ 2428875 h 2514600"/>
+              <a:gd name="connsiteX25" fmla="*/ 5229225 w 5372100"/>
+              <a:gd name="connsiteY25" fmla="*/ 2371725 h 2514600"/>
+              <a:gd name="connsiteX26" fmla="*/ 5314950 w 5372100"/>
+              <a:gd name="connsiteY26" fmla="*/ 2286000 h 2514600"/>
+              <a:gd name="connsiteX27" fmla="*/ 5357813 w 5372100"/>
+              <a:gd name="connsiteY27" fmla="*/ 2243137 h 2514600"/>
+              <a:gd name="connsiteX28" fmla="*/ 5372100 w 5372100"/>
+              <a:gd name="connsiteY28" fmla="*/ 2200275 h 2514600"/>
+              <a:gd name="connsiteX29" fmla="*/ 5286375 w 5372100"/>
+              <a:gd name="connsiteY29" fmla="*/ 1928812 h 2514600"/>
+              <a:gd name="connsiteX30" fmla="*/ 5114925 w 5372100"/>
+              <a:gd name="connsiteY30" fmla="*/ 1657350 h 2514600"/>
+              <a:gd name="connsiteX31" fmla="*/ 5057775 w 5372100"/>
+              <a:gd name="connsiteY31" fmla="*/ 1557337 h 2514600"/>
+              <a:gd name="connsiteX32" fmla="*/ 4943475 w 5372100"/>
+              <a:gd name="connsiteY32" fmla="*/ 1414462 h 2514600"/>
+              <a:gd name="connsiteX33" fmla="*/ 4843463 w 5372100"/>
+              <a:gd name="connsiteY33" fmla="*/ 1228725 h 2514600"/>
+              <a:gd name="connsiteX34" fmla="*/ 4757738 w 5372100"/>
+              <a:gd name="connsiteY34" fmla="*/ 1114425 h 2514600"/>
+              <a:gd name="connsiteX35" fmla="*/ 4729163 w 5372100"/>
+              <a:gd name="connsiteY35" fmla="*/ 1057275 h 2514600"/>
+              <a:gd name="connsiteX36" fmla="*/ 4672013 w 5372100"/>
+              <a:gd name="connsiteY36" fmla="*/ 985837 h 2514600"/>
+              <a:gd name="connsiteX37" fmla="*/ 4629150 w 5372100"/>
+              <a:gd name="connsiteY37" fmla="*/ 900112 h 2514600"/>
+              <a:gd name="connsiteX38" fmla="*/ 4500563 w 5372100"/>
+              <a:gd name="connsiteY38" fmla="*/ 757237 h 2514600"/>
+              <a:gd name="connsiteX39" fmla="*/ 4457700 w 5372100"/>
+              <a:gd name="connsiteY39" fmla="*/ 714375 h 2514600"/>
+              <a:gd name="connsiteX40" fmla="*/ 4357688 w 5372100"/>
+              <a:gd name="connsiteY40" fmla="*/ 657225 h 2514600"/>
+              <a:gd name="connsiteX41" fmla="*/ 4229100 w 5372100"/>
+              <a:gd name="connsiteY41" fmla="*/ 628650 h 2514600"/>
+              <a:gd name="connsiteX42" fmla="*/ 4100513 w 5372100"/>
+              <a:gd name="connsiteY42" fmla="*/ 571500 h 2514600"/>
+              <a:gd name="connsiteX43" fmla="*/ 4014788 w 5372100"/>
+              <a:gd name="connsiteY43" fmla="*/ 557212 h 2514600"/>
+              <a:gd name="connsiteX44" fmla="*/ 3814763 w 5372100"/>
+              <a:gd name="connsiteY44" fmla="*/ 514350 h 2514600"/>
+              <a:gd name="connsiteX45" fmla="*/ 3500438 w 5372100"/>
+              <a:gd name="connsiteY45" fmla="*/ 457200 h 2514600"/>
+              <a:gd name="connsiteX46" fmla="*/ 3414713 w 5372100"/>
+              <a:gd name="connsiteY46" fmla="*/ 442912 h 2514600"/>
+              <a:gd name="connsiteX47" fmla="*/ 3086100 w 5372100"/>
+              <a:gd name="connsiteY47" fmla="*/ 414337 h 2514600"/>
+              <a:gd name="connsiteX48" fmla="*/ 2728913 w 5372100"/>
+              <a:gd name="connsiteY48" fmla="*/ 371475 h 2514600"/>
+              <a:gd name="connsiteX49" fmla="*/ 2371725 w 5372100"/>
+              <a:gd name="connsiteY49" fmla="*/ 328612 h 2514600"/>
+              <a:gd name="connsiteX50" fmla="*/ 2071688 w 5372100"/>
+              <a:gd name="connsiteY50" fmla="*/ 271462 h 2514600"/>
+              <a:gd name="connsiteX51" fmla="*/ 1943100 w 5372100"/>
+              <a:gd name="connsiteY51" fmla="*/ 257175 h 2514600"/>
+              <a:gd name="connsiteX52" fmla="*/ 1814513 w 5372100"/>
+              <a:gd name="connsiteY52" fmla="*/ 214312 h 2514600"/>
+              <a:gd name="connsiteX53" fmla="*/ 1714500 w 5372100"/>
+              <a:gd name="connsiteY53" fmla="*/ 200025 h 2514600"/>
+              <a:gd name="connsiteX54" fmla="*/ 1457325 w 5372100"/>
+              <a:gd name="connsiteY54" fmla="*/ 142875 h 2514600"/>
+              <a:gd name="connsiteX55" fmla="*/ 1243013 w 5372100"/>
+              <a:gd name="connsiteY55" fmla="*/ 100012 h 2514600"/>
+              <a:gd name="connsiteX56" fmla="*/ 1185863 w 5372100"/>
+              <a:gd name="connsiteY56" fmla="*/ 85725 h 2514600"/>
+              <a:gd name="connsiteX57" fmla="*/ 1100138 w 5372100"/>
+              <a:gd name="connsiteY57" fmla="*/ 57150 h 2514600"/>
+              <a:gd name="connsiteX58" fmla="*/ 971550 w 5372100"/>
+              <a:gd name="connsiteY58" fmla="*/ 42862 h 2514600"/>
+              <a:gd name="connsiteX59" fmla="*/ 914400 w 5372100"/>
+              <a:gd name="connsiteY59" fmla="*/ 28575 h 2514600"/>
+              <a:gd name="connsiteX60" fmla="*/ 871538 w 5372100"/>
+              <a:gd name="connsiteY60" fmla="*/ 14287 h 2514600"/>
+              <a:gd name="connsiteX61" fmla="*/ 800100 w 5372100"/>
+              <a:gd name="connsiteY61" fmla="*/ 0 h 2514600"/>
+              <a:gd name="connsiteX62" fmla="*/ 571500 w 5372100"/>
+              <a:gd name="connsiteY62" fmla="*/ 28575 h 2514600"/>
+              <a:gd name="connsiteX63" fmla="*/ 457200 w 5372100"/>
+              <a:gd name="connsiteY63" fmla="*/ 157162 h 2514600"/>
+              <a:gd name="connsiteX64" fmla="*/ 342900 w 5372100"/>
+              <a:gd name="connsiteY64" fmla="*/ 257175 h 2514600"/>
+              <a:gd name="connsiteX65" fmla="*/ 271463 w 5372100"/>
+              <a:gd name="connsiteY65" fmla="*/ 357187 h 2514600"/>
+              <a:gd name="connsiteX66" fmla="*/ 242888 w 5372100"/>
+              <a:gd name="connsiteY66" fmla="*/ 400050 h 2514600"/>
+              <a:gd name="connsiteX67" fmla="*/ 200025 w 5372100"/>
+              <a:gd name="connsiteY67" fmla="*/ 428625 h 2514600"/>
+              <a:gd name="connsiteX68" fmla="*/ 171450 w 5372100"/>
+              <a:gd name="connsiteY68" fmla="*/ 457200 h 2514600"/>
+            </a:gdLst>
+            <a:ahLst/>
+            <a:cxnLst>
+              <a:cxn ang="0">
+                <a:pos x="connsiteX0" y="connsiteY0"/>
+              </a:cxn>
+              <a:cxn ang="0">
+                <a:pos x="connsiteX1" y="connsiteY1"/>
+              </a:cxn>
+              <a:cxn ang="0">
+                <a:pos x="connsiteX2" y="connsiteY2"/>
+              </a:cxn>
+              <a:cxn ang="0">
+                <a:pos x="connsiteX3" y="connsiteY3"/>
+              </a:cxn>
+              <a:cxn ang="0">
+                <a:pos x="connsiteX4" y="connsiteY4"/>
+              </a:cxn>
+              <a:cxn ang="0">
+                <a:pos x="connsiteX5" y="connsiteY5"/>
+              </a:cxn>
+              <a:cxn ang="0">
+                <a:pos x="connsiteX6" y="connsiteY6"/>
+              </a:cxn>
+              <a:cxn ang="0">
+                <a:pos x="connsiteX7" y="connsiteY7"/>
+              </a:cxn>
+              <a:cxn ang="0">
+                <a:pos x="connsiteX8" y="connsiteY8"/>
+              </a:cxn>
+              <a:cxn ang="0">
+                <a:pos x="connsiteX9" y="connsiteY9"/>
+              </a:cxn>
+              <a:cxn ang="0">
+                <a:pos x="connsiteX10" y="connsiteY10"/>
+              </a:cxn>
+              <a:cxn ang="0">
+                <a:pos x="connsiteX11" y="connsiteY11"/>
+              </a:cxn>
+              <a:cxn ang="0">
+                <a:pos x="connsiteX12" y="connsiteY12"/>
+              </a:cxn>
+              <a:cxn ang="0">
+                <a:pos x="connsiteX13" y="connsiteY13"/>
+              </a:cxn>
+              <a:cxn ang="0">
+                <a:pos x="connsiteX14" y="connsiteY14"/>
+              </a:cxn>
+              <a:cxn ang="0">
+                <a:pos x="connsiteX15" y="connsiteY15"/>
+              </a:cxn>
+              <a:cxn ang="0">
+                <a:pos x="connsiteX16" y="connsiteY16"/>
+              </a:cxn>
+              <a:cxn ang="0">
+                <a:pos x="connsiteX17" y="connsiteY17"/>
+              </a:cxn>
+              <a:cxn ang="0">
+                <a:pos x="connsiteX18" y="connsiteY18"/>
+              </a:cxn>
+              <a:cxn ang="0">
+                <a:pos x="connsiteX19" y="connsiteY19"/>
+              </a:cxn>
+              <a:cxn ang="0">
+                <a:pos x="connsiteX20" y="connsiteY20"/>
+              </a:cxn>
+              <a:cxn ang="0">
+                <a:pos x="connsiteX21" y="connsiteY21"/>
+              </a:cxn>
+              <a:cxn ang="0">
+                <a:pos x="connsiteX22" y="connsiteY22"/>
+              </a:cxn>
+              <a:cxn ang="0">
+                <a:pos x="connsiteX23" y="connsiteY23"/>
+              </a:cxn>
+              <a:cxn ang="0">
+                <a:pos x="connsiteX24" y="connsiteY24"/>
+              </a:cxn>
+              <a:cxn ang="0">
+                <a:pos x="connsiteX25" y="connsiteY25"/>
+              </a:cxn>
+              <a:cxn ang="0">
+                <a:pos x="connsiteX26" y="connsiteY26"/>
+              </a:cxn>
+              <a:cxn ang="0">
+                <a:pos x="connsiteX27" y="connsiteY27"/>
+              </a:cxn>
+              <a:cxn ang="0">
+                <a:pos x="connsiteX28" y="connsiteY28"/>
+              </a:cxn>
+              <a:cxn ang="0">
+                <a:pos x="connsiteX29" y="connsiteY29"/>
+              </a:cxn>
+              <a:cxn ang="0">
+                <a:pos x="connsiteX30" y="connsiteY30"/>
+              </a:cxn>
+              <a:cxn ang="0">
+                <a:pos x="connsiteX31" y="connsiteY31"/>
+              </a:cxn>
+              <a:cxn ang="0">
+                <a:pos x="connsiteX32" y="connsiteY32"/>
+              </a:cxn>
+              <a:cxn ang="0">
+                <a:pos x="connsiteX33" y="connsiteY33"/>
+              </a:cxn>
+              <a:cxn ang="0">
+                <a:pos x="connsiteX34" y="connsiteY34"/>
+              </a:cxn>
+              <a:cxn ang="0">
+                <a:pos x="connsiteX35" y="connsiteY35"/>
+              </a:cxn>
+              <a:cxn ang="0">
+                <a:pos x="connsiteX36" y="connsiteY36"/>
+              </a:cxn>
+              <a:cxn ang="0">
+                <a:pos x="connsiteX37" y="connsiteY37"/>
+              </a:cxn>
+              <a:cxn ang="0">
+                <a:pos x="connsiteX38" y="connsiteY38"/>
+              </a:cxn>
+              <a:cxn ang="0">
+                <a:pos x="connsiteX39" y="connsiteY39"/>
+              </a:cxn>
+              <a:cxn ang="0">
+                <a:pos x="connsiteX40" y="connsiteY40"/>
+              </a:cxn>
+              <a:cxn ang="0">
+                <a:pos x="connsiteX41" y="connsiteY41"/>
+              </a:cxn>
+              <a:cxn ang="0">
+                <a:pos x="connsiteX42" y="connsiteY42"/>
+              </a:cxn>
+              <a:cxn ang="0">
+                <a:pos x="connsiteX43" y="connsiteY43"/>
+              </a:cxn>
+              <a:cxn ang="0">
+                <a:pos x="connsiteX44" y="connsiteY44"/>
+              </a:cxn>
+              <a:cxn ang="0">
+                <a:pos x="connsiteX45" y="connsiteY45"/>
+              </a:cxn>
+              <a:cxn ang="0">
+                <a:pos x="connsiteX46" y="connsiteY46"/>
+              </a:cxn>
+              <a:cxn ang="0">
+                <a:pos x="connsiteX47" y="connsiteY47"/>
+              </a:cxn>
+              <a:cxn ang="0">
+                <a:pos x="connsiteX48" y="connsiteY48"/>
+              </a:cxn>
+              <a:cxn ang="0">
+                <a:pos x="connsiteX49" y="connsiteY49"/>
+              </a:cxn>
+              <a:cxn ang="0">
+                <a:pos x="connsiteX50" y="connsiteY50"/>
+              </a:cxn>
+              <a:cxn ang="0">
+                <a:pos x="connsiteX51" y="connsiteY51"/>
+              </a:cxn>
+              <a:cxn ang="0">
+                <a:pos x="connsiteX52" y="connsiteY52"/>
+              </a:cxn>
+              <a:cxn ang="0">
+                <a:pos x="connsiteX53" y="connsiteY53"/>
+              </a:cxn>
+              <a:cxn ang="0">
+                <a:pos x="connsiteX54" y="connsiteY54"/>
+              </a:cxn>
+              <a:cxn ang="0">
+                <a:pos x="connsiteX55" y="connsiteY55"/>
+              </a:cxn>
+              <a:cxn ang="0">
+                <a:pos x="connsiteX56" y="connsiteY56"/>
+              </a:cxn>
+              <a:cxn ang="0">
+                <a:pos x="connsiteX57" y="connsiteY57"/>
+              </a:cxn>
+              <a:cxn ang="0">
+                <a:pos x="connsiteX58" y="connsiteY58"/>
+              </a:cxn>
+              <a:cxn ang="0">
+                <a:pos x="connsiteX59" y="connsiteY59"/>
+              </a:cxn>
+              <a:cxn ang="0">
+                <a:pos x="connsiteX60" y="connsiteY60"/>
+              </a:cxn>
+              <a:cxn ang="0">
+                <a:pos x="connsiteX61" y="connsiteY61"/>
+              </a:cxn>
+              <a:cxn ang="0">
+                <a:pos x="connsiteX62" y="connsiteY62"/>
+              </a:cxn>
+              <a:cxn ang="0">
+                <a:pos x="connsiteX63" y="connsiteY63"/>
+              </a:cxn>
+              <a:cxn ang="0">
+                <a:pos x="connsiteX64" y="connsiteY64"/>
+              </a:cxn>
+              <a:cxn ang="0">
+                <a:pos x="connsiteX65" y="connsiteY65"/>
+              </a:cxn>
+              <a:cxn ang="0">
+                <a:pos x="connsiteX66" y="connsiteY66"/>
+              </a:cxn>
+              <a:cxn ang="0">
+                <a:pos x="connsiteX67" y="connsiteY67"/>
+              </a:cxn>
+              <a:cxn ang="0">
+                <a:pos x="connsiteX68" y="connsiteY68"/>
+              </a:cxn>
+            </a:cxnLst>
+            <a:rect l="l" t="t" r="r" b="b"/>
+            <a:pathLst>
+              <a:path w="5372100" h="2514600">
+                <a:moveTo>
+                  <a:pt x="0" y="514350"/>
+                </a:moveTo>
+                <a:cubicBezTo>
+                  <a:pt x="43281" y="579271"/>
+                  <a:pt x="72533" y="629745"/>
+                  <a:pt x="128588" y="685800"/>
+                </a:cubicBezTo>
+                <a:cubicBezTo>
+                  <a:pt x="154890" y="712102"/>
+                  <a:pt x="188011" y="730935"/>
+                  <a:pt x="214313" y="757237"/>
+                </a:cubicBezTo>
+                <a:cubicBezTo>
+                  <a:pt x="250111" y="793035"/>
+                  <a:pt x="276487" y="837903"/>
+                  <a:pt x="314325" y="871537"/>
+                </a:cubicBezTo>
+                <a:cubicBezTo>
+                  <a:pt x="362740" y="914573"/>
+                  <a:pt x="422306" y="943681"/>
+                  <a:pt x="471488" y="985837"/>
+                </a:cubicBezTo>
+                <a:cubicBezTo>
+                  <a:pt x="489568" y="1001334"/>
+                  <a:pt x="496797" y="1026896"/>
+                  <a:pt x="514350" y="1042987"/>
+                </a:cubicBezTo>
+                <a:cubicBezTo>
+                  <a:pt x="589927" y="1112266"/>
+                  <a:pt x="704332" y="1182973"/>
+                  <a:pt x="785813" y="1243012"/>
+                </a:cubicBezTo>
+                <a:cubicBezTo>
+                  <a:pt x="829528" y="1275223"/>
+                  <a:pt x="868489" y="1314029"/>
+                  <a:pt x="914400" y="1343025"/>
+                </a:cubicBezTo>
+                <a:cubicBezTo>
+                  <a:pt x="959419" y="1371458"/>
+                  <a:pt x="1011194" y="1387784"/>
+                  <a:pt x="1057275" y="1414462"/>
+                </a:cubicBezTo>
+                <a:cubicBezTo>
+                  <a:pt x="1308271" y="1559775"/>
+                  <a:pt x="1069410" y="1471150"/>
+                  <a:pt x="1457325" y="1657350"/>
+                </a:cubicBezTo>
+                <a:cubicBezTo>
+                  <a:pt x="1483441" y="1669886"/>
+                  <a:pt x="1514475" y="1666875"/>
+                  <a:pt x="1543050" y="1671637"/>
+                </a:cubicBezTo>
+                <a:cubicBezTo>
+                  <a:pt x="1813656" y="1794640"/>
+                  <a:pt x="1616658" y="1709053"/>
+                  <a:pt x="2000250" y="1857375"/>
+                </a:cubicBezTo>
+                <a:lnTo>
+                  <a:pt x="2771775" y="2157412"/>
+                </a:lnTo>
+                <a:cubicBezTo>
+                  <a:pt x="3089315" y="2282504"/>
+                  <a:pt x="2793761" y="2172958"/>
+                  <a:pt x="3157538" y="2328862"/>
+                </a:cubicBezTo>
+                <a:cubicBezTo>
+                  <a:pt x="3185223" y="2340727"/>
+                  <a:pt x="3214956" y="2347143"/>
+                  <a:pt x="3243263" y="2357437"/>
+                </a:cubicBezTo>
+                <a:cubicBezTo>
+                  <a:pt x="3267366" y="2366202"/>
+                  <a:pt x="3290135" y="2378642"/>
+                  <a:pt x="3314700" y="2386012"/>
+                </a:cubicBezTo>
+                <a:cubicBezTo>
+                  <a:pt x="3337960" y="2392990"/>
+                  <a:pt x="3362878" y="2393322"/>
+                  <a:pt x="3386138" y="2400300"/>
+                </a:cubicBezTo>
+                <a:cubicBezTo>
+                  <a:pt x="3410703" y="2407670"/>
+                  <a:pt x="3433010" y="2421506"/>
+                  <a:pt x="3457575" y="2428875"/>
+                </a:cubicBezTo>
+                <a:cubicBezTo>
+                  <a:pt x="3508682" y="2444207"/>
+                  <a:pt x="3578960" y="2447437"/>
+                  <a:pt x="3629025" y="2457450"/>
+                </a:cubicBezTo>
+                <a:cubicBezTo>
+                  <a:pt x="3667535" y="2465152"/>
+                  <a:pt x="3704924" y="2477796"/>
+                  <a:pt x="3743325" y="2486025"/>
+                </a:cubicBezTo>
+                <a:cubicBezTo>
+                  <a:pt x="3771651" y="2492095"/>
+                  <a:pt x="3800548" y="2495130"/>
+                  <a:pt x="3829050" y="2500312"/>
+                </a:cubicBezTo>
+                <a:cubicBezTo>
+                  <a:pt x="3852943" y="2504656"/>
+                  <a:pt x="3876675" y="2509837"/>
+                  <a:pt x="3900488" y="2514600"/>
+                </a:cubicBezTo>
+                <a:cubicBezTo>
+                  <a:pt x="4229100" y="2509837"/>
+                  <a:pt x="4558109" y="2517144"/>
+                  <a:pt x="4886325" y="2500312"/>
+                </a:cubicBezTo>
+                <a:cubicBezTo>
+                  <a:pt x="4931447" y="2497998"/>
+                  <a:pt x="4972364" y="2472646"/>
+                  <a:pt x="5014913" y="2457450"/>
+                </a:cubicBezTo>
+                <a:cubicBezTo>
+                  <a:pt x="5039066" y="2448824"/>
+                  <a:pt x="5062247" y="2437640"/>
+                  <a:pt x="5086350" y="2428875"/>
+                </a:cubicBezTo>
+                <a:cubicBezTo>
+                  <a:pt x="5117878" y="2417410"/>
+                  <a:pt x="5197745" y="2396909"/>
+                  <a:pt x="5229225" y="2371725"/>
+                </a:cubicBezTo>
+                <a:cubicBezTo>
+                  <a:pt x="5260781" y="2346480"/>
+                  <a:pt x="5286375" y="2314575"/>
+                  <a:pt x="5314950" y="2286000"/>
+                </a:cubicBezTo>
+                <a:lnTo>
+                  <a:pt x="5357813" y="2243137"/>
+                </a:lnTo>
+                <a:cubicBezTo>
+                  <a:pt x="5362575" y="2228850"/>
+                  <a:pt x="5372100" y="2215335"/>
+                  <a:pt x="5372100" y="2200275"/>
+                </a:cubicBezTo>
+                <a:cubicBezTo>
+                  <a:pt x="5372100" y="2074780"/>
+                  <a:pt x="5352201" y="2041102"/>
+                  <a:pt x="5286375" y="1928812"/>
+                </a:cubicBezTo>
+                <a:cubicBezTo>
+                  <a:pt x="5232251" y="1836483"/>
+                  <a:pt x="5168023" y="1750273"/>
+                  <a:pt x="5114925" y="1657350"/>
+                </a:cubicBezTo>
+                <a:cubicBezTo>
+                  <a:pt x="5095875" y="1624012"/>
+                  <a:pt x="5079918" y="1588706"/>
+                  <a:pt x="5057775" y="1557337"/>
+                </a:cubicBezTo>
+                <a:cubicBezTo>
+                  <a:pt x="5022603" y="1507510"/>
+                  <a:pt x="4976792" y="1465548"/>
+                  <a:pt x="4943475" y="1414462"/>
+                </a:cubicBezTo>
+                <a:cubicBezTo>
+                  <a:pt x="4905063" y="1355564"/>
+                  <a:pt x="4880475" y="1288513"/>
+                  <a:pt x="4843463" y="1228725"/>
+                </a:cubicBezTo>
+                <a:cubicBezTo>
+                  <a:pt x="4818395" y="1188231"/>
+                  <a:pt x="4784156" y="1154051"/>
+                  <a:pt x="4757738" y="1114425"/>
+                </a:cubicBezTo>
+                <a:cubicBezTo>
+                  <a:pt x="4745924" y="1096704"/>
+                  <a:pt x="4740977" y="1074996"/>
+                  <a:pt x="4729163" y="1057275"/>
+                </a:cubicBezTo>
+                <a:cubicBezTo>
+                  <a:pt x="4712247" y="1031902"/>
+                  <a:pt x="4688385" y="1011564"/>
+                  <a:pt x="4672013" y="985837"/>
+                </a:cubicBezTo>
+                <a:cubicBezTo>
+                  <a:pt x="4654861" y="958884"/>
+                  <a:pt x="4645587" y="927507"/>
+                  <a:pt x="4629150" y="900112"/>
+                </a:cubicBezTo>
+                <a:cubicBezTo>
+                  <a:pt x="4595594" y="844186"/>
+                  <a:pt x="4546184" y="802858"/>
+                  <a:pt x="4500563" y="757237"/>
+                </a:cubicBezTo>
+                <a:cubicBezTo>
+                  <a:pt x="4486275" y="742950"/>
+                  <a:pt x="4474512" y="725583"/>
+                  <a:pt x="4457700" y="714375"/>
+                </a:cubicBezTo>
+                <a:cubicBezTo>
+                  <a:pt x="4422169" y="690687"/>
+                  <a:pt x="4399123" y="672763"/>
+                  <a:pt x="4357688" y="657225"/>
+                </a:cubicBezTo>
+                <a:cubicBezTo>
+                  <a:pt x="4334622" y="648575"/>
+                  <a:pt x="4248506" y="632531"/>
+                  <a:pt x="4229100" y="628650"/>
+                </a:cubicBezTo>
+                <a:cubicBezTo>
+                  <a:pt x="4191430" y="609815"/>
+                  <a:pt x="4140646" y="582446"/>
+                  <a:pt x="4100513" y="571500"/>
+                </a:cubicBezTo>
+                <a:cubicBezTo>
+                  <a:pt x="4072565" y="563878"/>
+                  <a:pt x="4042892" y="564238"/>
+                  <a:pt x="4014788" y="557212"/>
+                </a:cubicBezTo>
+                <a:cubicBezTo>
+                  <a:pt x="3811210" y="506317"/>
+                  <a:pt x="4062750" y="545347"/>
+                  <a:pt x="3814763" y="514350"/>
+                </a:cubicBezTo>
+                <a:cubicBezTo>
+                  <a:pt x="3637476" y="463697"/>
+                  <a:pt x="3765699" y="495095"/>
+                  <a:pt x="3500438" y="457200"/>
+                </a:cubicBezTo>
+                <a:cubicBezTo>
+                  <a:pt x="3471760" y="453103"/>
+                  <a:pt x="3443528" y="445893"/>
+                  <a:pt x="3414713" y="442912"/>
+                </a:cubicBezTo>
+                <a:cubicBezTo>
+                  <a:pt x="3305346" y="431598"/>
+                  <a:pt x="3194555" y="432413"/>
+                  <a:pt x="3086100" y="414337"/>
+                </a:cubicBezTo>
+                <a:cubicBezTo>
+                  <a:pt x="2853400" y="375554"/>
+                  <a:pt x="2972418" y="390206"/>
+                  <a:pt x="2728913" y="371475"/>
+                </a:cubicBezTo>
+                <a:cubicBezTo>
+                  <a:pt x="2286487" y="297737"/>
+                  <a:pt x="2840004" y="384806"/>
+                  <a:pt x="2371725" y="328612"/>
+                </a:cubicBezTo>
+                <a:cubicBezTo>
+                  <a:pt x="2080857" y="293708"/>
+                  <a:pt x="2314511" y="311932"/>
+                  <a:pt x="2071688" y="271462"/>
+                </a:cubicBezTo>
+                <a:cubicBezTo>
+                  <a:pt x="2029148" y="264372"/>
+                  <a:pt x="1985963" y="261937"/>
+                  <a:pt x="1943100" y="257175"/>
+                </a:cubicBezTo>
+                <a:cubicBezTo>
+                  <a:pt x="1900238" y="242887"/>
+                  <a:pt x="1858345" y="225270"/>
+                  <a:pt x="1814513" y="214312"/>
+                </a:cubicBezTo>
+                <a:cubicBezTo>
+                  <a:pt x="1781842" y="206144"/>
+                  <a:pt x="1747522" y="206629"/>
+                  <a:pt x="1714500" y="200025"/>
+                </a:cubicBezTo>
+                <a:cubicBezTo>
+                  <a:pt x="1628389" y="182803"/>
+                  <a:pt x="1542519" y="164174"/>
+                  <a:pt x="1457325" y="142875"/>
+                </a:cubicBezTo>
+                <a:cubicBezTo>
+                  <a:pt x="1217810" y="82996"/>
+                  <a:pt x="1461259" y="139693"/>
+                  <a:pt x="1243013" y="100012"/>
+                </a:cubicBezTo>
+                <a:cubicBezTo>
+                  <a:pt x="1223693" y="96499"/>
+                  <a:pt x="1204671" y="91367"/>
+                  <a:pt x="1185863" y="85725"/>
+                </a:cubicBezTo>
+                <a:cubicBezTo>
+                  <a:pt x="1157013" y="77070"/>
+                  <a:pt x="1129674" y="63057"/>
+                  <a:pt x="1100138" y="57150"/>
+                </a:cubicBezTo>
+                <a:cubicBezTo>
+                  <a:pt x="1057849" y="48692"/>
+                  <a:pt x="1014413" y="47625"/>
+                  <a:pt x="971550" y="42862"/>
+                </a:cubicBezTo>
+                <a:cubicBezTo>
+                  <a:pt x="952500" y="38100"/>
+                  <a:pt x="933281" y="33970"/>
+                  <a:pt x="914400" y="28575"/>
+                </a:cubicBezTo>
+                <a:cubicBezTo>
+                  <a:pt x="899919" y="24438"/>
+                  <a:pt x="886149" y="17940"/>
+                  <a:pt x="871538" y="14287"/>
+                </a:cubicBezTo>
+                <a:cubicBezTo>
+                  <a:pt x="847979" y="8397"/>
+                  <a:pt x="823913" y="4762"/>
+                  <a:pt x="800100" y="0"/>
+                </a:cubicBezTo>
+                <a:cubicBezTo>
+                  <a:pt x="723900" y="9525"/>
+                  <a:pt x="643670" y="2332"/>
+                  <a:pt x="571500" y="28575"/>
+                </a:cubicBezTo>
+                <a:cubicBezTo>
+                  <a:pt x="501377" y="54074"/>
+                  <a:pt x="496402" y="111426"/>
+                  <a:pt x="457200" y="157162"/>
+                </a:cubicBezTo>
+                <a:cubicBezTo>
+                  <a:pt x="412807" y="208953"/>
+                  <a:pt x="395444" y="217767"/>
+                  <a:pt x="342900" y="257175"/>
+                </a:cubicBezTo>
+                <a:cubicBezTo>
+                  <a:pt x="316648" y="335932"/>
+                  <a:pt x="345426" y="270897"/>
+                  <a:pt x="271463" y="357187"/>
+                </a:cubicBezTo>
+                <a:cubicBezTo>
+                  <a:pt x="260288" y="370225"/>
+                  <a:pt x="255030" y="387908"/>
+                  <a:pt x="242888" y="400050"/>
+                </a:cubicBezTo>
+                <a:cubicBezTo>
+                  <a:pt x="230746" y="412192"/>
+                  <a:pt x="213434" y="417898"/>
+                  <a:pt x="200025" y="428625"/>
+                </a:cubicBezTo>
+                <a:cubicBezTo>
+                  <a:pt x="189506" y="437040"/>
+                  <a:pt x="180975" y="447675"/>
+                  <a:pt x="171450" y="457200"/>
+                </a:cubicBezTo>
+              </a:path>
+            </a:pathLst>
+          </a:custGeom>
+          <a:noFill/>
+          <a:ln w="60325">
+            <a:solidFill>
+              <a:srgbClr val="FF0000"/>
+            </a:solidFill>
+          </a:ln>
+        </p:spPr>
+        <p:style>
+          <a:lnRef idx="2">
+            <a:schemeClr val="accent1">
+              <a:shade val="50000"/>
+            </a:schemeClr>
+          </a:lnRef>
+          <a:fillRef idx="1">
+            <a:schemeClr val="accent1"/>
+          </a:fillRef>
+          <a:effectRef idx="0">
+            <a:schemeClr val="accent1"/>
+          </a:effectRef>
+          <a:fontRef idx="minor">
+            <a:schemeClr val="lt1"/>
+          </a:fontRef>
+        </p:style>
+        <p:txBody>
+          <a:bodyPr rtlCol="0" anchor="ctr"/>
+          <a:lstStyle/>
+          <a:p>
+            <a:pPr algn="ctr"/>
+            <a:endParaRPr lang="en-US"/>
+          </a:p>
+        </p:txBody>
+      </p:sp>
+    </p:spTree>
+    <p:extLst>
+      <p:ext uri="{BB962C8B-B14F-4D97-AF65-F5344CB8AC3E}">
+        <p14:creationId xmlns:p14="http://schemas.microsoft.com/office/powerpoint/2010/main" val="526695141"/>
+      </p:ext>
+    </p:extLst>
+  </p:cSld>
+  <p:clrMapOvr>
+    <a:masterClrMapping/>
+  </p:clrMapOvr>
+</p:sld>
+</file>
+
+<file path=ppt/slides/slide16.xml><?xml version="1.0" encoding="utf-8"?>
+<p:sld xmlns:a="http://schemas.openxmlformats.org/drawingml/2006/main" xmlns:r="http://schemas.openxmlformats.org/officeDocument/2006/relationships" xmlns:p="http://schemas.openxmlformats.org/presentationml/2006/main">
+  <p:cSld>
+    <p:spTree>
+      <p:nvGrpSpPr>
+        <p:cNvPr id="1" name=""/>
+        <p:cNvGrpSpPr/>
+        <p:nvPr/>
+      </p:nvGrpSpPr>
+      <p:grpSpPr>
+        <a:xfrm>
+          <a:off x="0" y="0"/>
+          <a:ext cx="0" cy="0"/>
+          <a:chOff x="0" y="0"/>
+          <a:chExt cx="0" cy="0"/>
+        </a:xfrm>
+      </p:grpSpPr>
+      <p:sp>
+        <p:nvSpPr>
+          <p:cNvPr id="6" name="TextBox 5"/>
+          <p:cNvSpPr txBox="1"/>
+          <p:nvPr/>
+        </p:nvSpPr>
+        <p:spPr>
+          <a:xfrm>
+            <a:off x="0" y="0"/>
+            <a:ext cx="6141720" cy="1400383"/>
+          </a:xfrm>
+          <a:prstGeom prst="rect">
+            <a:avLst/>
+          </a:prstGeom>
+          <a:noFill/>
+        </p:spPr>
+        <p:txBody>
+          <a:bodyPr wrap="square" rtlCol="0">
+            <a:spAutoFit/>
+          </a:bodyPr>
+          <a:lstStyle/>
+          <a:p>
+            <a:pPr algn="ctr"/>
+            <a:r>
+              <a:rPr lang="en-US" sz="6000" b="1" dirty="0" smtClean="0">
+                <a:solidFill>
+                  <a:schemeClr val="bg1"/>
+                </a:solidFill>
+              </a:rPr>
+              <a:t>On Windows</a:t>
+            </a:r>
+          </a:p>
+          <a:p>
+            <a:pPr algn="ctr"/>
+            <a:r>
+              <a:rPr lang="en-US" sz="2500" b="1" dirty="0" smtClean="0">
+                <a:solidFill>
+                  <a:schemeClr val="bg1"/>
+                </a:solidFill>
+              </a:rPr>
+              <a:t>-Open Anaconda Command Prompt</a:t>
+            </a:r>
+            <a:endParaRPr lang="en-US" sz="2500" b="1" dirty="0" smtClean="0">
+              <a:solidFill>
+                <a:schemeClr val="bg1"/>
+              </a:solidFill>
+            </a:endParaRPr>
+          </a:p>
+        </p:txBody>
+      </p:sp>
+      <p:sp>
+        <p:nvSpPr>
+          <p:cNvPr id="7" name="TextBox 6"/>
+          <p:cNvSpPr txBox="1"/>
+          <p:nvPr/>
+        </p:nvSpPr>
+        <p:spPr>
+          <a:xfrm>
+            <a:off x="6050280" y="0"/>
+            <a:ext cx="6141720" cy="2246769"/>
+          </a:xfrm>
+          <a:prstGeom prst="rect">
+            <a:avLst/>
+          </a:prstGeom>
+          <a:noFill/>
+        </p:spPr>
+        <p:txBody>
+          <a:bodyPr wrap="square" rtlCol="0">
+            <a:spAutoFit/>
+          </a:bodyPr>
+          <a:lstStyle/>
+          <a:p>
+            <a:pPr algn="ctr"/>
+            <a:r>
+              <a:rPr lang="en-US" sz="6000" b="1" dirty="0" err="1" smtClean="0">
+                <a:solidFill>
+                  <a:schemeClr val="bg1"/>
+                </a:solidFill>
+              </a:rPr>
+              <a:t>MacOS</a:t>
+            </a:r>
+            <a:endParaRPr lang="en-US" sz="6000" b="1" dirty="0" smtClean="0">
+              <a:solidFill>
+                <a:schemeClr val="bg1"/>
+              </a:solidFill>
+            </a:endParaRPr>
+          </a:p>
+          <a:p>
+            <a:pPr algn="ctr"/>
+            <a:r>
+              <a:rPr lang="en-US" sz="2000" b="1" dirty="0">
+                <a:solidFill>
+                  <a:schemeClr val="bg1"/>
+                </a:solidFill>
+              </a:rPr>
+              <a:t>-Open </a:t>
+            </a:r>
+            <a:r>
+              <a:rPr lang="en-US" sz="2000" b="1" dirty="0" smtClean="0">
+                <a:solidFill>
+                  <a:schemeClr val="bg1"/>
+                </a:solidFill>
+              </a:rPr>
+              <a:t>Terminal</a:t>
+            </a:r>
+            <a:endParaRPr lang="en-US" sz="2000" b="1" dirty="0">
+              <a:solidFill>
+                <a:schemeClr val="bg1"/>
+              </a:solidFill>
+            </a:endParaRPr>
+          </a:p>
+          <a:p>
+            <a:pPr algn="ctr"/>
+            <a:endParaRPr lang="en-US" sz="6000" b="1" dirty="0" smtClean="0">
+              <a:solidFill>
+                <a:schemeClr val="bg1"/>
+              </a:solidFill>
+            </a:endParaRPr>
+          </a:p>
+        </p:txBody>
+      </p:sp>
+    </p:spTree>
+    <p:extLst>
+      <p:ext uri="{BB962C8B-B14F-4D97-AF65-F5344CB8AC3E}">
+        <p14:creationId xmlns:p14="http://schemas.microsoft.com/office/powerpoint/2010/main" val="1533010096"/>
+      </p:ext>
+    </p:extLst>
+  </p:cSld>
+  <p:clrMapOvr>
+    <a:masterClrMapping/>
+  </p:clrMapOvr>
+</p:sld>
+</file>
+
+<file path=ppt/slides/slide17.xml><?xml version="1.0" encoding="utf-8"?>
+<p:sld xmlns:a="http://schemas.openxmlformats.org/drawingml/2006/main" xmlns:r="http://schemas.openxmlformats.org/officeDocument/2006/relationships" xmlns:p="http://schemas.openxmlformats.org/presentationml/2006/main">
+  <p:cSld>
+    <p:spTree>
+      <p:nvGrpSpPr>
+        <p:cNvPr id="1" name=""/>
+        <p:cNvGrpSpPr/>
+        <p:nvPr/>
+      </p:nvGrpSpPr>
+      <p:grpSpPr>
+        <a:xfrm>
+          <a:off x="0" y="0"/>
+          <a:ext cx="0" cy="0"/>
+          <a:chOff x="0" y="0"/>
+          <a:chExt cx="0" cy="0"/>
+        </a:xfrm>
+      </p:grpSpPr>
+      <p:sp>
+        <p:nvSpPr>
+          <p:cNvPr id="6" name="TextBox 5"/>
+          <p:cNvSpPr txBox="1"/>
+          <p:nvPr/>
+        </p:nvSpPr>
+        <p:spPr>
+          <a:xfrm>
+            <a:off x="0" y="0"/>
+            <a:ext cx="6141720" cy="1400383"/>
+          </a:xfrm>
+          <a:prstGeom prst="rect">
+            <a:avLst/>
+          </a:prstGeom>
+          <a:noFill/>
+        </p:spPr>
+        <p:txBody>
+          <a:bodyPr wrap="square" rtlCol="0">
+            <a:spAutoFit/>
+          </a:bodyPr>
+          <a:lstStyle/>
+          <a:p>
+            <a:pPr algn="ctr"/>
+            <a:r>
+              <a:rPr lang="en-US" sz="6000" b="1" dirty="0" smtClean="0">
+                <a:solidFill>
+                  <a:schemeClr val="bg1"/>
+                </a:solidFill>
+              </a:rPr>
+              <a:t>On Windows</a:t>
+            </a:r>
+          </a:p>
+          <a:p>
+            <a:pPr algn="ctr"/>
+            <a:r>
+              <a:rPr lang="en-US" sz="2500" b="1" dirty="0" smtClean="0">
+                <a:solidFill>
+                  <a:schemeClr val="bg1"/>
+                </a:solidFill>
+              </a:rPr>
+              <a:t>-Open Anaconda Command Prompt</a:t>
+            </a:r>
+            <a:endParaRPr lang="en-US" sz="2500" b="1" dirty="0" smtClean="0">
+              <a:solidFill>
+                <a:schemeClr val="bg1"/>
+              </a:solidFill>
+            </a:endParaRPr>
+          </a:p>
+        </p:txBody>
+      </p:sp>
+      <p:sp>
+        <p:nvSpPr>
+          <p:cNvPr id="7" name="TextBox 6"/>
+          <p:cNvSpPr txBox="1"/>
+          <p:nvPr/>
+        </p:nvSpPr>
+        <p:spPr>
+          <a:xfrm>
+            <a:off x="6050280" y="0"/>
+            <a:ext cx="6141720" cy="2246769"/>
+          </a:xfrm>
+          <a:prstGeom prst="rect">
+            <a:avLst/>
+          </a:prstGeom>
+          <a:noFill/>
+        </p:spPr>
+        <p:txBody>
+          <a:bodyPr wrap="square" rtlCol="0">
+            <a:spAutoFit/>
+          </a:bodyPr>
+          <a:lstStyle/>
+          <a:p>
+            <a:pPr algn="ctr"/>
+            <a:r>
+              <a:rPr lang="en-US" sz="6000" b="1" dirty="0" err="1" smtClean="0">
+                <a:solidFill>
+                  <a:schemeClr val="bg1"/>
+                </a:solidFill>
+              </a:rPr>
+              <a:t>MacOS</a:t>
+            </a:r>
+            <a:endParaRPr lang="en-US" sz="6000" b="1" dirty="0" smtClean="0">
+              <a:solidFill>
+                <a:schemeClr val="bg1"/>
+              </a:solidFill>
+            </a:endParaRPr>
+          </a:p>
+          <a:p>
+            <a:pPr algn="ctr"/>
+            <a:r>
+              <a:rPr lang="en-US" sz="2000" b="1" dirty="0">
+                <a:solidFill>
+                  <a:schemeClr val="bg1"/>
+                </a:solidFill>
+              </a:rPr>
+              <a:t>-Open </a:t>
+            </a:r>
+            <a:r>
+              <a:rPr lang="en-US" sz="2000" b="1" dirty="0" smtClean="0">
+                <a:solidFill>
+                  <a:schemeClr val="bg1"/>
+                </a:solidFill>
+              </a:rPr>
+              <a:t>Terminal</a:t>
+            </a:r>
+            <a:endParaRPr lang="en-US" sz="2000" b="1" dirty="0">
+              <a:solidFill>
+                <a:schemeClr val="bg1"/>
+              </a:solidFill>
+            </a:endParaRPr>
+          </a:p>
+          <a:p>
+            <a:pPr algn="ctr"/>
+            <a:endParaRPr lang="en-US" sz="6000" b="1" dirty="0" smtClean="0">
+              <a:solidFill>
+                <a:schemeClr val="bg1"/>
+              </a:solidFill>
+            </a:endParaRPr>
+          </a:p>
+        </p:txBody>
+      </p:sp>
+      <p:pic>
+        <p:nvPicPr>
+          <p:cNvPr id="2" name="Picture 1"/>
+          <p:cNvPicPr>
+            <a:picLocks noChangeAspect="1"/>
+          </p:cNvPicPr>
+          <p:nvPr/>
+        </p:nvPicPr>
+        <p:blipFill>
+          <a:blip r:embed="rId2">
+            <a:extLst>
+              <a:ext uri="{28A0092B-C50C-407E-A947-70E740481C1C}">
+                <a14:useLocalDpi xmlns:a14="http://schemas.microsoft.com/office/drawing/2010/main" val="0"/>
+              </a:ext>
+            </a:extLst>
+          </a:blip>
+          <a:stretch>
+            <a:fillRect/>
+          </a:stretch>
+        </p:blipFill>
+        <p:spPr>
+          <a:xfrm>
+            <a:off x="632856" y="2246769"/>
+            <a:ext cx="11017728" cy="3959860"/>
+          </a:xfrm>
+          <a:prstGeom prst="rect">
+            <a:avLst/>
+          </a:prstGeom>
+        </p:spPr>
+      </p:pic>
+    </p:spTree>
+    <p:extLst>
+      <p:ext uri="{BB962C8B-B14F-4D97-AF65-F5344CB8AC3E}">
+        <p14:creationId xmlns:p14="http://schemas.microsoft.com/office/powerpoint/2010/main" val="1256671232"/>
+      </p:ext>
+    </p:extLst>
+  </p:cSld>
+  <p:clrMapOvr>
+    <a:masterClrMapping/>
+  </p:clrMapOvr>
+</p:sld>
+</file>
+
+<file path=ppt/slides/slide18.xml><?xml version="1.0" encoding="utf-8"?>
+<p:sld xmlns:a="http://schemas.openxmlformats.org/drawingml/2006/main" xmlns:r="http://schemas.openxmlformats.org/officeDocument/2006/relationships" xmlns:p="http://schemas.openxmlformats.org/presentationml/2006/main">
+  <p:cSld>
+    <p:spTree>
+      <p:nvGrpSpPr>
+        <p:cNvPr id="1" name=""/>
+        <p:cNvGrpSpPr/>
+        <p:nvPr/>
+      </p:nvGrpSpPr>
+      <p:grpSpPr>
+        <a:xfrm>
+          <a:off x="0" y="0"/>
+          <a:ext cx="0" cy="0"/>
+          <a:chOff x="0" y="0"/>
+          <a:chExt cx="0" cy="0"/>
+        </a:xfrm>
+      </p:grpSpPr>
+      <p:sp>
+        <p:nvSpPr>
+          <p:cNvPr id="3" name="Rectangle 2"/>
+          <p:cNvSpPr/>
+          <p:nvPr/>
+        </p:nvSpPr>
+        <p:spPr>
+          <a:xfrm>
+            <a:off x="884903" y="884902"/>
+            <a:ext cx="10825316" cy="2769989"/>
+          </a:xfrm>
+          <a:prstGeom prst="rect">
+            <a:avLst/>
+          </a:prstGeom>
+        </p:spPr>
+        <p:txBody>
+          <a:bodyPr wrap="square">
+            <a:spAutoFit/>
+          </a:bodyPr>
+          <a:lstStyle/>
+          <a:p>
+            <a:r>
+              <a:rPr lang="en-US" sz="5800" b="1" dirty="0" smtClean="0">
+                <a:solidFill>
+                  <a:schemeClr val="bg1"/>
+                </a:solidFill>
+              </a:rPr>
+              <a:t>Week 2 Warmup Quiz</a:t>
+            </a:r>
+          </a:p>
+          <a:p>
+            <a:endParaRPr lang="en-US" sz="5800" b="1" dirty="0">
+              <a:solidFill>
+                <a:schemeClr val="bg1"/>
+              </a:solidFill>
+            </a:endParaRPr>
+          </a:p>
+          <a:p>
+            <a:r>
+              <a:rPr lang="en-US" sz="5800" b="1" dirty="0" smtClean="0">
+                <a:solidFill>
+                  <a:schemeClr val="bg1"/>
+                </a:solidFill>
+              </a:rPr>
+              <a:t>https</a:t>
+            </a:r>
+            <a:r>
+              <a:rPr lang="en-US" sz="5800" b="1" dirty="0">
+                <a:solidFill>
+                  <a:schemeClr val="bg1"/>
+                </a:solidFill>
+              </a:rPr>
+              <a:t>://</a:t>
+            </a:r>
+            <a:r>
+              <a:rPr lang="en-US" sz="5800" b="1" dirty="0" err="1">
+                <a:solidFill>
+                  <a:schemeClr val="bg1"/>
+                </a:solidFill>
+              </a:rPr>
+              <a:t>tinyurl.com</a:t>
+            </a:r>
+            <a:r>
+              <a:rPr lang="en-US" sz="5800" b="1" dirty="0">
+                <a:solidFill>
+                  <a:schemeClr val="bg1"/>
+                </a:solidFill>
+              </a:rPr>
+              <a:t>/y73w28at</a:t>
+            </a:r>
+            <a:endParaRPr lang="en-US" sz="5800" dirty="0">
+              <a:solidFill>
+                <a:schemeClr val="bg1"/>
+              </a:solidFill>
+            </a:endParaRPr>
+          </a:p>
+        </p:txBody>
+      </p:sp>
+    </p:spTree>
+    <p:extLst>
+      <p:ext uri="{BB962C8B-B14F-4D97-AF65-F5344CB8AC3E}">
+        <p14:creationId xmlns:p14="http://schemas.microsoft.com/office/powerpoint/2010/main" val="371727979"/>
+      </p:ext>
+    </p:extLst>
+  </p:cSld>
+  <p:clrMapOvr>
+    <a:masterClrMapping/>
+  </p:clrMapOvr>
+</p:sld>
+</file>
+
+<file path=ppt/slides/slide19.xml><?xml version="1.0" encoding="utf-8"?>
+<p:sld xmlns:a="http://schemas.openxmlformats.org/drawingml/2006/main" xmlns:r="http://schemas.openxmlformats.org/officeDocument/2006/relationships" xmlns:p="http://schemas.openxmlformats.org/presentationml/2006/main">
+  <p:cSld>
+    <p:spTree>
+      <p:nvGrpSpPr>
+        <p:cNvPr id="1" name=""/>
+        <p:cNvGrpSpPr/>
+        <p:nvPr/>
+      </p:nvGrpSpPr>
+      <p:grpSpPr>
+        <a:xfrm>
+          <a:off x="0" y="0"/>
+          <a:ext cx="0" cy="0"/>
+          <a:chOff x="0" y="0"/>
+          <a:chExt cx="0" cy="0"/>
+        </a:xfrm>
+      </p:grpSpPr>
+      <p:sp>
+        <p:nvSpPr>
+          <p:cNvPr id="3" name="Rectangle 2"/>
+          <p:cNvSpPr/>
+          <p:nvPr/>
+        </p:nvSpPr>
+        <p:spPr>
+          <a:xfrm>
+            <a:off x="1260370" y="1091069"/>
+            <a:ext cx="9755556" cy="2862322"/>
+          </a:xfrm>
+          <a:prstGeom prst="rect">
+            <a:avLst/>
+          </a:prstGeom>
+        </p:spPr>
+        <p:txBody>
+          <a:bodyPr wrap="none">
+            <a:spAutoFit/>
+          </a:bodyPr>
+          <a:lstStyle/>
+          <a:p>
+            <a:r>
+              <a:rPr lang="en-US" sz="6000" b="1" dirty="0" smtClean="0">
+                <a:solidFill>
+                  <a:schemeClr val="bg1"/>
+                </a:solidFill>
+              </a:rPr>
+              <a:t>End Quiz</a:t>
+            </a:r>
+          </a:p>
+          <a:p>
+            <a:endParaRPr lang="en-US" sz="6000" b="1" dirty="0">
+              <a:solidFill>
+                <a:schemeClr val="bg1"/>
+              </a:solidFill>
+            </a:endParaRPr>
+          </a:p>
+          <a:p>
+            <a:r>
+              <a:rPr lang="en-US" sz="6000" b="1" dirty="0">
+                <a:solidFill>
+                  <a:schemeClr val="bg1"/>
+                </a:solidFill>
+              </a:rPr>
+              <a:t>https://</a:t>
+            </a:r>
+            <a:r>
+              <a:rPr lang="en-US" sz="6000" b="1" dirty="0" err="1">
+                <a:solidFill>
+                  <a:schemeClr val="bg1"/>
+                </a:solidFill>
+              </a:rPr>
+              <a:t>tinyurl.com</a:t>
+            </a:r>
+            <a:r>
+              <a:rPr lang="en-US" sz="6000" b="1" dirty="0">
+                <a:solidFill>
+                  <a:schemeClr val="bg1"/>
+                </a:solidFill>
+              </a:rPr>
+              <a:t>/y8n4xuag</a:t>
+            </a:r>
+            <a:endParaRPr lang="en-US" sz="6000" dirty="0">
+              <a:solidFill>
+                <a:schemeClr val="bg1"/>
+              </a:solidFill>
+            </a:endParaRPr>
+          </a:p>
+        </p:txBody>
+      </p:sp>
+    </p:spTree>
+    <p:extLst>
+      <p:ext uri="{BB962C8B-B14F-4D97-AF65-F5344CB8AC3E}">
+        <p14:creationId xmlns:p14="http://schemas.microsoft.com/office/powerpoint/2010/main" val="1678912849"/>
+      </p:ext>
+    </p:extLst>
+  </p:cSld>
+  <p:clrMapOvr>
+    <a:masterClrMapping/>
+  </p:clrMapOvr>
+</p:sld>
+</file>
+
+<file path=ppt/slides/slide2.xml><?xml version="1.0" encoding="utf-8"?>
+<p:sld xmlns:a="http://schemas.openxmlformats.org/drawingml/2006/main" xmlns:r="http://schemas.openxmlformats.org/officeDocument/2006/relationships" xmlns:p="http://schemas.openxmlformats.org/presentationml/2006/main">
+  <p:cSld>
+    <p:spTree>
+      <p:nvGrpSpPr>
+        <p:cNvPr id="1" name=""/>
+        <p:cNvGrpSpPr/>
+        <p:nvPr/>
+      </p:nvGrpSpPr>
+      <p:grpSpPr>
+        <a:xfrm>
+          <a:off x="0" y="0"/>
+          <a:ext cx="0" cy="0"/>
+          <a:chOff x="0" y="0"/>
+          <a:chExt cx="0" cy="0"/>
+        </a:xfrm>
+      </p:grpSpPr>
+      <p:pic>
+        <p:nvPicPr>
+          <p:cNvPr id="2" name="Picture 1"/>
+          <p:cNvPicPr>
+            <a:picLocks noChangeAspect="1"/>
+          </p:cNvPicPr>
+          <p:nvPr/>
+        </p:nvPicPr>
+        <p:blipFill>
+          <a:blip r:embed="rId2">
+            <a:extLst>
+              <a:ext uri="{28A0092B-C50C-407E-A947-70E740481C1C}">
+                <a14:useLocalDpi xmlns:a14="http://schemas.microsoft.com/office/drawing/2010/main" val="0"/>
+              </a:ext>
+            </a:extLst>
+          </a:blip>
+          <a:stretch>
+            <a:fillRect/>
+          </a:stretch>
+        </p:blipFill>
+        <p:spPr>
+          <a:xfrm>
+            <a:off x="-885827" y="0"/>
+            <a:ext cx="13894435" cy="6858000"/>
+          </a:xfrm>
+          <a:prstGeom prst="rect">
+            <a:avLst/>
+          </a:prstGeom>
+        </p:spPr>
+      </p:pic>
+    </p:spTree>
+    <p:extLst>
+      <p:ext uri="{BB962C8B-B14F-4D97-AF65-F5344CB8AC3E}">
+        <p14:creationId xmlns:p14="http://schemas.microsoft.com/office/powerpoint/2010/main" val="815725002"/>
+      </p:ext>
+    </p:extLst>
+  </p:cSld>
+  <p:clrMapOvr>
+    <a:masterClrMapping/>
+  </p:clrMapOvr>
+</p:sld>
+</file>
+
+<file path=ppt/slides/slide3.xml><?xml version="1.0" encoding="utf-8"?>
+<p:sld xmlns:a="http://schemas.openxmlformats.org/drawingml/2006/main" xmlns:r="http://schemas.openxmlformats.org/officeDocument/2006/relationships" xmlns:p="http://schemas.openxmlformats.org/presentationml/2006/main">
+  <p:cSld>
+    <p:spTree>
+      <p:nvGrpSpPr>
+        <p:cNvPr id="1" name=""/>
+        <p:cNvGrpSpPr/>
+        <p:nvPr/>
+      </p:nvGrpSpPr>
+      <p:grpSpPr>
+        <a:xfrm>
+          <a:off x="0" y="0"/>
+          <a:ext cx="0" cy="0"/>
+          <a:chOff x="0" y="0"/>
+          <a:chExt cx="0" cy="0"/>
+        </a:xfrm>
+      </p:grpSpPr>
+      <p:pic>
+        <p:nvPicPr>
+          <p:cNvPr id="4" name="Picture 3"/>
+          <p:cNvPicPr>
+            <a:picLocks noChangeAspect="1"/>
+          </p:cNvPicPr>
+          <p:nvPr/>
+        </p:nvPicPr>
+        <p:blipFill>
+          <a:blip r:embed="rId2">
+            <a:extLst>
+              <a:ext uri="{28A0092B-C50C-407E-A947-70E740481C1C}">
+                <a14:useLocalDpi xmlns:a14="http://schemas.microsoft.com/office/drawing/2010/main" val="0"/>
+              </a:ext>
+            </a:extLst>
+          </a:blip>
+          <a:stretch>
+            <a:fillRect/>
+          </a:stretch>
+        </p:blipFill>
+        <p:spPr>
+          <a:xfrm>
+            <a:off x="0" y="586741"/>
+            <a:ext cx="12192000" cy="6271259"/>
+          </a:xfrm>
+          <a:prstGeom prst="rect">
+            <a:avLst/>
+          </a:prstGeom>
+        </p:spPr>
+      </p:pic>
+    </p:spTree>
+    <p:extLst>
+      <p:ext uri="{BB962C8B-B14F-4D97-AF65-F5344CB8AC3E}">
+        <p14:creationId xmlns:p14="http://schemas.microsoft.com/office/powerpoint/2010/main" val="180034952"/>
+      </p:ext>
+    </p:extLst>
+  </p:cSld>
+  <p:clrMapOvr>
+    <a:masterClrMapping/>
+  </p:clrMapOvr>
+</p:sld>
+</file>
+
+<file path=ppt/slides/slide4.xml><?xml version="1.0" encoding="utf-8"?>
+<p:sld xmlns:a="http://schemas.openxmlformats.org/drawingml/2006/main" xmlns:r="http://schemas.openxmlformats.org/officeDocument/2006/relationships" xmlns:p="http://schemas.openxmlformats.org/presentationml/2006/main">
+  <p:cSld>
+    <p:spTree>
+      <p:nvGrpSpPr>
+        <p:cNvPr id="1" name=""/>
+        <p:cNvGrpSpPr/>
+        <p:nvPr/>
+      </p:nvGrpSpPr>
+      <p:grpSpPr>
+        <a:xfrm>
+          <a:off x="0" y="0"/>
+          <a:ext cx="0" cy="0"/>
+          <a:chOff x="0" y="0"/>
+          <a:chExt cx="0" cy="0"/>
+        </a:xfrm>
+      </p:grpSpPr>
+      <p:pic>
+        <p:nvPicPr>
+          <p:cNvPr id="4" name="Picture 3"/>
+          <p:cNvPicPr>
+            <a:picLocks noChangeAspect="1"/>
+          </p:cNvPicPr>
+          <p:nvPr/>
+        </p:nvPicPr>
+        <p:blipFill>
+          <a:blip r:embed="rId2">
+            <a:extLst>
+              <a:ext uri="{28A0092B-C50C-407E-A947-70E740481C1C}">
+                <a14:useLocalDpi xmlns:a14="http://schemas.microsoft.com/office/drawing/2010/main" val="0"/>
+              </a:ext>
+            </a:extLst>
+          </a:blip>
+          <a:stretch>
+            <a:fillRect/>
+          </a:stretch>
+        </p:blipFill>
+        <p:spPr>
+          <a:xfrm>
+            <a:off x="0" y="586741"/>
+            <a:ext cx="12192000" cy="6271259"/>
+          </a:xfrm>
+          <a:prstGeom prst="rect">
+            <a:avLst/>
+          </a:prstGeom>
+        </p:spPr>
+      </p:pic>
+    </p:spTree>
+    <p:extLst>
+      <p:ext uri="{BB962C8B-B14F-4D97-AF65-F5344CB8AC3E}">
+        <p14:creationId xmlns:p14="http://schemas.microsoft.com/office/powerpoint/2010/main" val="31508932"/>
+      </p:ext>
+    </p:extLst>
+  </p:cSld>
+  <p:clrMapOvr>
+    <a:masterClrMapping/>
+  </p:clrMapOvr>
+</p:sld>
+</file>
+
+<file path=ppt/slides/slide5.xml><?xml version="1.0" encoding="utf-8"?>
+<p:sld xmlns:a="http://schemas.openxmlformats.org/drawingml/2006/main" xmlns:r="http://schemas.openxmlformats.org/officeDocument/2006/relationships" xmlns:p="http://schemas.openxmlformats.org/presentationml/2006/main">
+  <p:cSld>
+    <p:spTree>
+      <p:nvGrpSpPr>
+        <p:cNvPr id="1" name=""/>
+        <p:cNvGrpSpPr/>
+        <p:nvPr/>
+      </p:nvGrpSpPr>
+      <p:grpSpPr>
+        <a:xfrm>
+          <a:off x="0" y="0"/>
+          <a:ext cx="0" cy="0"/>
+          <a:chOff x="0" y="0"/>
+          <a:chExt cx="0" cy="0"/>
+        </a:xfrm>
+      </p:grpSpPr>
+      <p:pic>
+        <p:nvPicPr>
+          <p:cNvPr id="3" name="Picture 2"/>
+          <p:cNvPicPr>
+            <a:picLocks noChangeAspect="1"/>
+          </p:cNvPicPr>
+          <p:nvPr/>
+        </p:nvPicPr>
+        <p:blipFill>
+          <a:blip r:embed="rId2">
+            <a:extLst>
+              <a:ext uri="{28A0092B-C50C-407E-A947-70E740481C1C}">
+                <a14:useLocalDpi xmlns:a14="http://schemas.microsoft.com/office/drawing/2010/main" val="0"/>
+              </a:ext>
+            </a:extLst>
+          </a:blip>
+          <a:stretch>
+            <a:fillRect/>
+          </a:stretch>
+        </p:blipFill>
+        <p:spPr>
+          <a:xfrm>
+            <a:off x="1397000" y="0"/>
+            <a:ext cx="9378290" cy="6858000"/>
+          </a:xfrm>
+          <a:prstGeom prst="rect">
+            <a:avLst/>
+          </a:prstGeom>
+        </p:spPr>
+      </p:pic>
+    </p:spTree>
+    <p:extLst>
+      <p:ext uri="{BB962C8B-B14F-4D97-AF65-F5344CB8AC3E}">
+        <p14:creationId xmlns:p14="http://schemas.microsoft.com/office/powerpoint/2010/main" val="463939764"/>
+      </p:ext>
+    </p:extLst>
+  </p:cSld>
+  <p:clrMapOvr>
+    <a:masterClrMapping/>
+  </p:clrMapOvr>
+</p:sld>
+</file>
+
+<file path=ppt/slides/slide6.xml><?xml version="1.0" encoding="utf-8"?>
+<p:sld xmlns:a="http://schemas.openxmlformats.org/drawingml/2006/main" xmlns:r="http://schemas.openxmlformats.org/officeDocument/2006/relationships" xmlns:p="http://schemas.openxmlformats.org/presentationml/2006/main">
+  <p:cSld>
+    <p:spTree>
+      <p:nvGrpSpPr>
+        <p:cNvPr id="1" name=""/>
+        <p:cNvGrpSpPr/>
+        <p:nvPr/>
+      </p:nvGrpSpPr>
+      <p:grpSpPr>
+        <a:xfrm>
+          <a:off x="0" y="0"/>
+          <a:ext cx="0" cy="0"/>
+          <a:chOff x="0" y="0"/>
+          <a:chExt cx="0" cy="0"/>
+        </a:xfrm>
+      </p:grpSpPr>
+      <p:pic>
+        <p:nvPicPr>
+          <p:cNvPr id="2" name="Picture 1"/>
+          <p:cNvPicPr>
+            <a:picLocks noChangeAspect="1"/>
+          </p:cNvPicPr>
+          <p:nvPr/>
+        </p:nvPicPr>
+        <p:blipFill>
+          <a:blip r:embed="rId2">
+            <a:extLst>
+              <a:ext uri="{28A0092B-C50C-407E-A947-70E740481C1C}">
+                <a14:useLocalDpi xmlns:a14="http://schemas.microsoft.com/office/drawing/2010/main" val="0"/>
+              </a:ext>
+            </a:extLst>
+          </a:blip>
+          <a:stretch>
+            <a:fillRect/>
+          </a:stretch>
+        </p:blipFill>
+        <p:spPr>
+          <a:xfrm>
+            <a:off x="0" y="1357313"/>
+            <a:ext cx="12215019" cy="4441825"/>
+          </a:xfrm>
+          <a:prstGeom prst="rect">
+            <a:avLst/>
+          </a:prstGeom>
+        </p:spPr>
+      </p:pic>
+    </p:spTree>
+    <p:extLst>
+      <p:ext uri="{BB962C8B-B14F-4D97-AF65-F5344CB8AC3E}">
+        <p14:creationId xmlns:p14="http://schemas.microsoft.com/office/powerpoint/2010/main" val="354506166"/>
+      </p:ext>
+    </p:extLst>
+  </p:cSld>
+  <p:clrMapOvr>
+    <a:masterClrMapping/>
+  </p:clrMapOvr>
+</p:sld>
+</file>
+
+<file path=ppt/slides/slide7.xml><?xml version="1.0" encoding="utf-8"?>
+<p:sld xmlns:a="http://schemas.openxmlformats.org/drawingml/2006/main" xmlns:r="http://schemas.openxmlformats.org/officeDocument/2006/relationships" xmlns:p="http://schemas.openxmlformats.org/presentationml/2006/main">
+  <p:cSld>
+    <p:spTree>
+      <p:nvGrpSpPr>
+        <p:cNvPr id="1" name=""/>
+        <p:cNvGrpSpPr/>
+        <p:nvPr/>
+      </p:nvGrpSpPr>
+      <p:grpSpPr>
+        <a:xfrm>
+          <a:off x="0" y="0"/>
+          <a:ext cx="0" cy="0"/>
+          <a:chOff x="0" y="0"/>
+          <a:chExt cx="0" cy="0"/>
+        </a:xfrm>
+      </p:grpSpPr>
+      <p:sp>
+        <p:nvSpPr>
+          <p:cNvPr id="2" name="TextBox 1"/>
+          <p:cNvSpPr txBox="1"/>
+          <p:nvPr/>
+        </p:nvSpPr>
+        <p:spPr>
+          <a:xfrm>
+            <a:off x="1009402" y="403760"/>
+            <a:ext cx="10212780" cy="1200329"/>
+          </a:xfrm>
+          <a:prstGeom prst="rect">
+            <a:avLst/>
+          </a:prstGeom>
+          <a:noFill/>
+        </p:spPr>
+        <p:txBody>
+          <a:bodyPr wrap="square" rtlCol="0">
+            <a:spAutoFit/>
+          </a:bodyPr>
+          <a:lstStyle/>
+          <a:p>
+            <a:pPr algn="ctr"/>
+            <a:r>
+              <a:rPr lang="en-US" sz="7200" b="1" dirty="0" smtClean="0">
+                <a:solidFill>
+                  <a:schemeClr val="bg1"/>
+                </a:solidFill>
+              </a:rPr>
+              <a:t>Data Types</a:t>
+            </a:r>
+          </a:p>
+        </p:txBody>
+      </p:sp>
+      <p:sp>
+        <p:nvSpPr>
+          <p:cNvPr id="3" name="TextBox 2"/>
+          <p:cNvSpPr txBox="1"/>
+          <p:nvPr/>
+        </p:nvSpPr>
+        <p:spPr>
+          <a:xfrm>
+            <a:off x="5403096" y="4270594"/>
+            <a:ext cx="1076577" cy="646331"/>
+          </a:xfrm>
+          <a:prstGeom prst="rect">
+            <a:avLst/>
+          </a:prstGeom>
+          <a:noFill/>
+        </p:spPr>
+        <p:txBody>
+          <a:bodyPr wrap="none" rtlCol="0">
+            <a:spAutoFit/>
+          </a:bodyPr>
+          <a:lstStyle/>
+          <a:p>
+            <a:r>
+              <a:rPr lang="en-US" sz="3600" b="1" dirty="0" smtClean="0">
+                <a:solidFill>
+                  <a:schemeClr val="bg1"/>
+                </a:solidFill>
+              </a:rPr>
+              <a:t>float</a:t>
+            </a:r>
+            <a:endParaRPr lang="en-US" sz="3600" b="1" dirty="0">
+              <a:solidFill>
+                <a:schemeClr val="bg1"/>
+              </a:solidFill>
+            </a:endParaRPr>
+          </a:p>
+        </p:txBody>
+      </p:sp>
+      <p:sp>
+        <p:nvSpPr>
+          <p:cNvPr id="5" name="TextBox 4"/>
+          <p:cNvSpPr txBox="1"/>
+          <p:nvPr/>
+        </p:nvSpPr>
+        <p:spPr>
+          <a:xfrm>
+            <a:off x="2190502" y="3095625"/>
+            <a:ext cx="712696" cy="646331"/>
+          </a:xfrm>
+          <a:prstGeom prst="rect">
+            <a:avLst/>
+          </a:prstGeom>
+          <a:noFill/>
+        </p:spPr>
+        <p:txBody>
+          <a:bodyPr wrap="none" rtlCol="0">
+            <a:spAutoFit/>
+          </a:bodyPr>
+          <a:lstStyle/>
+          <a:p>
+            <a:r>
+              <a:rPr lang="en-US" sz="3600" b="1" smtClean="0">
+                <a:solidFill>
+                  <a:schemeClr val="bg1"/>
+                </a:solidFill>
+              </a:rPr>
+              <a:t>Int</a:t>
+            </a:r>
+            <a:endParaRPr lang="en-US" sz="3600" b="1" dirty="0">
+              <a:solidFill>
+                <a:schemeClr val="bg1"/>
+              </a:solidFill>
+            </a:endParaRPr>
+          </a:p>
+        </p:txBody>
+      </p:sp>
+      <p:sp>
+        <p:nvSpPr>
+          <p:cNvPr id="6" name="TextBox 5"/>
+          <p:cNvSpPr txBox="1"/>
+          <p:nvPr/>
+        </p:nvSpPr>
+        <p:spPr>
+          <a:xfrm>
+            <a:off x="9284534" y="2977932"/>
+            <a:ext cx="687752" cy="646331"/>
+          </a:xfrm>
+          <a:prstGeom prst="rect">
+            <a:avLst/>
+          </a:prstGeom>
+          <a:noFill/>
+        </p:spPr>
+        <p:txBody>
+          <a:bodyPr wrap="none" rtlCol="0">
+            <a:spAutoFit/>
+          </a:bodyPr>
+          <a:lstStyle/>
+          <a:p>
+            <a:r>
+              <a:rPr lang="en-US" sz="3600" b="1" dirty="0" err="1" smtClean="0">
+                <a:solidFill>
+                  <a:schemeClr val="bg1"/>
+                </a:solidFill>
+              </a:rPr>
+              <a:t>str</a:t>
+            </a:r>
+            <a:endParaRPr lang="en-US" sz="3600" b="1" dirty="0">
+              <a:solidFill>
+                <a:schemeClr val="bg1"/>
+              </a:solidFill>
+            </a:endParaRPr>
+          </a:p>
+        </p:txBody>
+      </p:sp>
+      <p:cxnSp>
+        <p:nvCxnSpPr>
+          <p:cNvPr id="8" name="Straight Arrow Connector 7"/>
+          <p:cNvCxnSpPr/>
+          <p:nvPr/>
+        </p:nvCxnSpPr>
+        <p:spPr>
+          <a:xfrm flipH="1">
+            <a:off x="2903198" y="1604089"/>
+            <a:ext cx="2126002" cy="1491536"/>
+          </a:xfrm>
+          <a:prstGeom prst="straightConnector1">
+            <a:avLst/>
+          </a:prstGeom>
+          <a:ln w="50800">
+            <a:solidFill>
+              <a:schemeClr val="bg1"/>
+            </a:solidFill>
+            <a:tailEnd type="triangle"/>
+          </a:ln>
+        </p:spPr>
+        <p:style>
+          <a:lnRef idx="1">
+            <a:schemeClr val="accent1"/>
+          </a:lnRef>
+          <a:fillRef idx="0">
+            <a:schemeClr val="accent1"/>
+          </a:fillRef>
+          <a:effectRef idx="0">
+            <a:schemeClr val="accent1"/>
+          </a:effectRef>
+          <a:fontRef idx="minor">
+            <a:schemeClr val="tx1"/>
+          </a:fontRef>
+        </p:style>
+      </p:cxnSp>
+      <p:cxnSp>
+        <p:nvCxnSpPr>
+          <p:cNvPr id="9" name="Straight Arrow Connector 8"/>
+          <p:cNvCxnSpPr>
+            <a:endCxn id="3" idx="0"/>
+          </p:cNvCxnSpPr>
+          <p:nvPr/>
+        </p:nvCxnSpPr>
+        <p:spPr>
+          <a:xfrm flipH="1">
+            <a:off x="5941385" y="1604089"/>
+            <a:ext cx="340352" cy="2666505"/>
+          </a:xfrm>
+          <a:prstGeom prst="straightConnector1">
+            <a:avLst/>
+          </a:prstGeom>
+          <a:ln w="50800">
+            <a:solidFill>
+              <a:schemeClr val="bg1"/>
+            </a:solidFill>
+            <a:tailEnd type="triangle"/>
+          </a:ln>
+        </p:spPr>
+        <p:style>
+          <a:lnRef idx="1">
+            <a:schemeClr val="accent1"/>
+          </a:lnRef>
+          <a:fillRef idx="0">
+            <a:schemeClr val="accent1"/>
+          </a:fillRef>
+          <a:effectRef idx="0">
+            <a:schemeClr val="accent1"/>
+          </a:effectRef>
+          <a:fontRef idx="minor">
+            <a:schemeClr val="tx1"/>
+          </a:fontRef>
+        </p:style>
+      </p:cxnSp>
+      <p:cxnSp>
+        <p:nvCxnSpPr>
+          <p:cNvPr id="11" name="Straight Arrow Connector 10"/>
+          <p:cNvCxnSpPr/>
+          <p:nvPr/>
+        </p:nvCxnSpPr>
+        <p:spPr>
+          <a:xfrm>
+            <a:off x="7783135" y="1542176"/>
+            <a:ext cx="1536789" cy="1435756"/>
+          </a:xfrm>
+          <a:prstGeom prst="straightConnector1">
+            <a:avLst/>
+          </a:prstGeom>
+          <a:ln w="50800">
+            <a:solidFill>
+              <a:schemeClr val="bg1"/>
+            </a:solidFill>
+            <a:tailEnd type="triangle"/>
+          </a:ln>
+        </p:spPr>
+        <p:style>
+          <a:lnRef idx="1">
+            <a:schemeClr val="accent1"/>
+          </a:lnRef>
+          <a:fillRef idx="0">
+            <a:schemeClr val="accent1"/>
+          </a:fillRef>
+          <a:effectRef idx="0">
+            <a:schemeClr val="accent1"/>
+          </a:effectRef>
+          <a:fontRef idx="minor">
+            <a:schemeClr val="tx1"/>
+          </a:fontRef>
+        </p:style>
+      </p:cxnSp>
+    </p:spTree>
+    <p:extLst>
+      <p:ext uri="{BB962C8B-B14F-4D97-AF65-F5344CB8AC3E}">
+        <p14:creationId xmlns:p14="http://schemas.microsoft.com/office/powerpoint/2010/main" val="486583754"/>
+      </p:ext>
+    </p:extLst>
+  </p:cSld>
+  <p:clrMapOvr>
+    <a:masterClrMapping/>
+  </p:clrMapOvr>
+</p:sld>
+</file>
+
+<file path=ppt/slides/slide8.xml><?xml version="1.0" encoding="utf-8"?>
 <p:sld xmlns:a="http://schemas.openxmlformats.org/drawingml/2006/main" xmlns:r="http://schemas.openxmlformats.org/officeDocument/2006/relationships" xmlns:p="http://schemas.openxmlformats.org/presentationml/2006/main">
   <p:cSld>
     <p:spTree>
@@ -4424,6 +6988,1072 @@
       </p:sp>
       <p:sp>
         <p:nvSpPr>
+          <p:cNvPr id="12" name="TextBox 11"/>
+          <p:cNvSpPr txBox="1"/>
+          <p:nvPr/>
+        </p:nvSpPr>
+        <p:spPr>
+          <a:xfrm>
+            <a:off x="2243632" y="5329238"/>
+            <a:ext cx="2902398" cy="830997"/>
+          </a:xfrm>
+          <a:prstGeom prst="rect">
+            <a:avLst/>
+          </a:prstGeom>
+          <a:noFill/>
+        </p:spPr>
+        <p:txBody>
+          <a:bodyPr wrap="none" rtlCol="0">
+            <a:spAutoFit/>
+          </a:bodyPr>
+          <a:lstStyle/>
+          <a:p>
+            <a:r>
+              <a:rPr lang="en-US" sz="4800" b="1" dirty="0" smtClean="0">
+                <a:solidFill>
+                  <a:srgbClr val="FF0000"/>
+                </a:solidFill>
+              </a:rPr>
+              <a:t>(Numbers)</a:t>
+            </a:r>
+            <a:endParaRPr lang="en-US" sz="4800" b="1" dirty="0">
+              <a:solidFill>
+                <a:srgbClr val="FF0000"/>
+              </a:solidFill>
+            </a:endParaRPr>
+          </a:p>
+        </p:txBody>
+      </p:sp>
+    </p:spTree>
+    <p:extLst>
+      <p:ext uri="{BB962C8B-B14F-4D97-AF65-F5344CB8AC3E}">
+        <p14:creationId xmlns:p14="http://schemas.microsoft.com/office/powerpoint/2010/main" val="838255315"/>
+      </p:ext>
+    </p:extLst>
+  </p:cSld>
+  <p:clrMapOvr>
+    <a:masterClrMapping/>
+  </p:clrMapOvr>
+</p:sld>
+</file>
+
+<file path=ppt/slides/slide9.xml><?xml version="1.0" encoding="utf-8"?>
+<p:sld xmlns:a="http://schemas.openxmlformats.org/drawingml/2006/main" xmlns:r="http://schemas.openxmlformats.org/officeDocument/2006/relationships" xmlns:p="http://schemas.openxmlformats.org/presentationml/2006/main">
+  <p:cSld>
+    <p:spTree>
+      <p:nvGrpSpPr>
+        <p:cNvPr id="1" name=""/>
+        <p:cNvGrpSpPr/>
+        <p:nvPr/>
+      </p:nvGrpSpPr>
+      <p:grpSpPr>
+        <a:xfrm>
+          <a:off x="0" y="0"/>
+          <a:ext cx="0" cy="0"/>
+          <a:chOff x="0" y="0"/>
+          <a:chExt cx="0" cy="0"/>
+        </a:xfrm>
+      </p:grpSpPr>
+      <p:sp>
+        <p:nvSpPr>
+          <p:cNvPr id="2" name="TextBox 1"/>
+          <p:cNvSpPr txBox="1"/>
+          <p:nvPr/>
+        </p:nvSpPr>
+        <p:spPr>
+          <a:xfrm>
+            <a:off x="1009402" y="403760"/>
+            <a:ext cx="10212780" cy="1200329"/>
+          </a:xfrm>
+          <a:prstGeom prst="rect">
+            <a:avLst/>
+          </a:prstGeom>
+          <a:noFill/>
+        </p:spPr>
+        <p:txBody>
+          <a:bodyPr wrap="square" rtlCol="0">
+            <a:spAutoFit/>
+          </a:bodyPr>
+          <a:lstStyle/>
+          <a:p>
+            <a:pPr algn="ctr"/>
+            <a:r>
+              <a:rPr lang="en-US" sz="7200" b="1" dirty="0" smtClean="0">
+                <a:solidFill>
+                  <a:schemeClr val="bg1"/>
+                </a:solidFill>
+              </a:rPr>
+              <a:t>Data Types</a:t>
+            </a:r>
+          </a:p>
+        </p:txBody>
+      </p:sp>
+      <p:sp>
+        <p:nvSpPr>
+          <p:cNvPr id="3" name="TextBox 2"/>
+          <p:cNvSpPr txBox="1"/>
+          <p:nvPr/>
+        </p:nvSpPr>
+        <p:spPr>
+          <a:xfrm>
+            <a:off x="5403096" y="4270594"/>
+            <a:ext cx="1076577" cy="646331"/>
+          </a:xfrm>
+          <a:prstGeom prst="rect">
+            <a:avLst/>
+          </a:prstGeom>
+          <a:noFill/>
+        </p:spPr>
+        <p:txBody>
+          <a:bodyPr wrap="none" rtlCol="0">
+            <a:spAutoFit/>
+          </a:bodyPr>
+          <a:lstStyle/>
+          <a:p>
+            <a:r>
+              <a:rPr lang="en-US" sz="3600" b="1" dirty="0" smtClean="0">
+                <a:solidFill>
+                  <a:schemeClr val="bg1"/>
+                </a:solidFill>
+              </a:rPr>
+              <a:t>float</a:t>
+            </a:r>
+            <a:endParaRPr lang="en-US" sz="3600" b="1" dirty="0">
+              <a:solidFill>
+                <a:schemeClr val="bg1"/>
+              </a:solidFill>
+            </a:endParaRPr>
+          </a:p>
+        </p:txBody>
+      </p:sp>
+      <p:sp>
+        <p:nvSpPr>
+          <p:cNvPr id="5" name="TextBox 4"/>
+          <p:cNvSpPr txBox="1"/>
+          <p:nvPr/>
+        </p:nvSpPr>
+        <p:spPr>
+          <a:xfrm>
+            <a:off x="2190502" y="3095625"/>
+            <a:ext cx="712696" cy="646331"/>
+          </a:xfrm>
+          <a:prstGeom prst="rect">
+            <a:avLst/>
+          </a:prstGeom>
+          <a:noFill/>
+        </p:spPr>
+        <p:txBody>
+          <a:bodyPr wrap="none" rtlCol="0">
+            <a:spAutoFit/>
+          </a:bodyPr>
+          <a:lstStyle/>
+          <a:p>
+            <a:r>
+              <a:rPr lang="en-US" sz="3600" b="1" smtClean="0">
+                <a:solidFill>
+                  <a:schemeClr val="bg1"/>
+                </a:solidFill>
+              </a:rPr>
+              <a:t>Int</a:t>
+            </a:r>
+            <a:endParaRPr lang="en-US" sz="3600" b="1" dirty="0">
+              <a:solidFill>
+                <a:schemeClr val="bg1"/>
+              </a:solidFill>
+            </a:endParaRPr>
+          </a:p>
+        </p:txBody>
+      </p:sp>
+      <p:sp>
+        <p:nvSpPr>
+          <p:cNvPr id="6" name="TextBox 5"/>
+          <p:cNvSpPr txBox="1"/>
+          <p:nvPr/>
+        </p:nvSpPr>
+        <p:spPr>
+          <a:xfrm>
+            <a:off x="9284534" y="2977932"/>
+            <a:ext cx="687752" cy="646331"/>
+          </a:xfrm>
+          <a:prstGeom prst="rect">
+            <a:avLst/>
+          </a:prstGeom>
+          <a:noFill/>
+        </p:spPr>
+        <p:txBody>
+          <a:bodyPr wrap="none" rtlCol="0">
+            <a:spAutoFit/>
+          </a:bodyPr>
+          <a:lstStyle/>
+          <a:p>
+            <a:r>
+              <a:rPr lang="en-US" sz="3600" b="1" dirty="0" err="1" smtClean="0">
+                <a:solidFill>
+                  <a:schemeClr val="bg1"/>
+                </a:solidFill>
+              </a:rPr>
+              <a:t>str</a:t>
+            </a:r>
+            <a:endParaRPr lang="en-US" sz="3600" b="1" dirty="0">
+              <a:solidFill>
+                <a:schemeClr val="bg1"/>
+              </a:solidFill>
+            </a:endParaRPr>
+          </a:p>
+        </p:txBody>
+      </p:sp>
+      <p:cxnSp>
+        <p:nvCxnSpPr>
+          <p:cNvPr id="8" name="Straight Arrow Connector 7"/>
+          <p:cNvCxnSpPr/>
+          <p:nvPr/>
+        </p:nvCxnSpPr>
+        <p:spPr>
+          <a:xfrm flipH="1">
+            <a:off x="2903198" y="1604089"/>
+            <a:ext cx="2126002" cy="1491536"/>
+          </a:xfrm>
+          <a:prstGeom prst="straightConnector1">
+            <a:avLst/>
+          </a:prstGeom>
+          <a:ln w="50800">
+            <a:solidFill>
+              <a:schemeClr val="bg1"/>
+            </a:solidFill>
+            <a:tailEnd type="triangle"/>
+          </a:ln>
+        </p:spPr>
+        <p:style>
+          <a:lnRef idx="1">
+            <a:schemeClr val="accent1"/>
+          </a:lnRef>
+          <a:fillRef idx="0">
+            <a:schemeClr val="accent1"/>
+          </a:fillRef>
+          <a:effectRef idx="0">
+            <a:schemeClr val="accent1"/>
+          </a:effectRef>
+          <a:fontRef idx="minor">
+            <a:schemeClr val="tx1"/>
+          </a:fontRef>
+        </p:style>
+      </p:cxnSp>
+      <p:cxnSp>
+        <p:nvCxnSpPr>
+          <p:cNvPr id="9" name="Straight Arrow Connector 8"/>
+          <p:cNvCxnSpPr>
+            <a:endCxn id="3" idx="0"/>
+          </p:cNvCxnSpPr>
+          <p:nvPr/>
+        </p:nvCxnSpPr>
+        <p:spPr>
+          <a:xfrm flipH="1">
+            <a:off x="5941385" y="1604089"/>
+            <a:ext cx="340352" cy="2666505"/>
+          </a:xfrm>
+          <a:prstGeom prst="straightConnector1">
+            <a:avLst/>
+          </a:prstGeom>
+          <a:ln w="50800">
+            <a:solidFill>
+              <a:schemeClr val="bg1"/>
+            </a:solidFill>
+            <a:tailEnd type="triangle"/>
+          </a:ln>
+        </p:spPr>
+        <p:style>
+          <a:lnRef idx="1">
+            <a:schemeClr val="accent1"/>
+          </a:lnRef>
+          <a:fillRef idx="0">
+            <a:schemeClr val="accent1"/>
+          </a:fillRef>
+          <a:effectRef idx="0">
+            <a:schemeClr val="accent1"/>
+          </a:effectRef>
+          <a:fontRef idx="minor">
+            <a:schemeClr val="tx1"/>
+          </a:fontRef>
+        </p:style>
+      </p:cxnSp>
+      <p:cxnSp>
+        <p:nvCxnSpPr>
+          <p:cNvPr id="11" name="Straight Arrow Connector 10"/>
+          <p:cNvCxnSpPr/>
+          <p:nvPr/>
+        </p:nvCxnSpPr>
+        <p:spPr>
+          <a:xfrm>
+            <a:off x="7783135" y="1542176"/>
+            <a:ext cx="1536789" cy="1435756"/>
+          </a:xfrm>
+          <a:prstGeom prst="straightConnector1">
+            <a:avLst/>
+          </a:prstGeom>
+          <a:ln w="50800">
+            <a:solidFill>
+              <a:schemeClr val="bg1"/>
+            </a:solidFill>
+            <a:tailEnd type="triangle"/>
+          </a:ln>
+        </p:spPr>
+        <p:style>
+          <a:lnRef idx="1">
+            <a:schemeClr val="accent1"/>
+          </a:lnRef>
+          <a:fillRef idx="0">
+            <a:schemeClr val="accent1"/>
+          </a:fillRef>
+          <a:effectRef idx="0">
+            <a:schemeClr val="accent1"/>
+          </a:effectRef>
+          <a:fontRef idx="minor">
+            <a:schemeClr val="tx1"/>
+          </a:fontRef>
+        </p:style>
+      </p:cxnSp>
+      <p:sp>
+        <p:nvSpPr>
+          <p:cNvPr id="4" name="Freeform 3"/>
+          <p:cNvSpPr/>
+          <p:nvPr/>
+        </p:nvSpPr>
+        <p:spPr>
+          <a:xfrm>
+            <a:off x="1485900" y="2814638"/>
+            <a:ext cx="5372100" cy="2514600"/>
+          </a:xfrm>
+          <a:custGeom>
+            <a:avLst/>
+            <a:gdLst>
+              <a:gd name="connsiteX0" fmla="*/ 0 w 5372100"/>
+              <a:gd name="connsiteY0" fmla="*/ 514350 h 2514600"/>
+              <a:gd name="connsiteX1" fmla="*/ 128588 w 5372100"/>
+              <a:gd name="connsiteY1" fmla="*/ 685800 h 2514600"/>
+              <a:gd name="connsiteX2" fmla="*/ 214313 w 5372100"/>
+              <a:gd name="connsiteY2" fmla="*/ 757237 h 2514600"/>
+              <a:gd name="connsiteX3" fmla="*/ 314325 w 5372100"/>
+              <a:gd name="connsiteY3" fmla="*/ 871537 h 2514600"/>
+              <a:gd name="connsiteX4" fmla="*/ 471488 w 5372100"/>
+              <a:gd name="connsiteY4" fmla="*/ 985837 h 2514600"/>
+              <a:gd name="connsiteX5" fmla="*/ 514350 w 5372100"/>
+              <a:gd name="connsiteY5" fmla="*/ 1042987 h 2514600"/>
+              <a:gd name="connsiteX6" fmla="*/ 785813 w 5372100"/>
+              <a:gd name="connsiteY6" fmla="*/ 1243012 h 2514600"/>
+              <a:gd name="connsiteX7" fmla="*/ 914400 w 5372100"/>
+              <a:gd name="connsiteY7" fmla="*/ 1343025 h 2514600"/>
+              <a:gd name="connsiteX8" fmla="*/ 1057275 w 5372100"/>
+              <a:gd name="connsiteY8" fmla="*/ 1414462 h 2514600"/>
+              <a:gd name="connsiteX9" fmla="*/ 1457325 w 5372100"/>
+              <a:gd name="connsiteY9" fmla="*/ 1657350 h 2514600"/>
+              <a:gd name="connsiteX10" fmla="*/ 1543050 w 5372100"/>
+              <a:gd name="connsiteY10" fmla="*/ 1671637 h 2514600"/>
+              <a:gd name="connsiteX11" fmla="*/ 2000250 w 5372100"/>
+              <a:gd name="connsiteY11" fmla="*/ 1857375 h 2514600"/>
+              <a:gd name="connsiteX12" fmla="*/ 2771775 w 5372100"/>
+              <a:gd name="connsiteY12" fmla="*/ 2157412 h 2514600"/>
+              <a:gd name="connsiteX13" fmla="*/ 3157538 w 5372100"/>
+              <a:gd name="connsiteY13" fmla="*/ 2328862 h 2514600"/>
+              <a:gd name="connsiteX14" fmla="*/ 3243263 w 5372100"/>
+              <a:gd name="connsiteY14" fmla="*/ 2357437 h 2514600"/>
+              <a:gd name="connsiteX15" fmla="*/ 3314700 w 5372100"/>
+              <a:gd name="connsiteY15" fmla="*/ 2386012 h 2514600"/>
+              <a:gd name="connsiteX16" fmla="*/ 3386138 w 5372100"/>
+              <a:gd name="connsiteY16" fmla="*/ 2400300 h 2514600"/>
+              <a:gd name="connsiteX17" fmla="*/ 3457575 w 5372100"/>
+              <a:gd name="connsiteY17" fmla="*/ 2428875 h 2514600"/>
+              <a:gd name="connsiteX18" fmla="*/ 3629025 w 5372100"/>
+              <a:gd name="connsiteY18" fmla="*/ 2457450 h 2514600"/>
+              <a:gd name="connsiteX19" fmla="*/ 3743325 w 5372100"/>
+              <a:gd name="connsiteY19" fmla="*/ 2486025 h 2514600"/>
+              <a:gd name="connsiteX20" fmla="*/ 3829050 w 5372100"/>
+              <a:gd name="connsiteY20" fmla="*/ 2500312 h 2514600"/>
+              <a:gd name="connsiteX21" fmla="*/ 3900488 w 5372100"/>
+              <a:gd name="connsiteY21" fmla="*/ 2514600 h 2514600"/>
+              <a:gd name="connsiteX22" fmla="*/ 4886325 w 5372100"/>
+              <a:gd name="connsiteY22" fmla="*/ 2500312 h 2514600"/>
+              <a:gd name="connsiteX23" fmla="*/ 5014913 w 5372100"/>
+              <a:gd name="connsiteY23" fmla="*/ 2457450 h 2514600"/>
+              <a:gd name="connsiteX24" fmla="*/ 5086350 w 5372100"/>
+              <a:gd name="connsiteY24" fmla="*/ 2428875 h 2514600"/>
+              <a:gd name="connsiteX25" fmla="*/ 5229225 w 5372100"/>
+              <a:gd name="connsiteY25" fmla="*/ 2371725 h 2514600"/>
+              <a:gd name="connsiteX26" fmla="*/ 5314950 w 5372100"/>
+              <a:gd name="connsiteY26" fmla="*/ 2286000 h 2514600"/>
+              <a:gd name="connsiteX27" fmla="*/ 5357813 w 5372100"/>
+              <a:gd name="connsiteY27" fmla="*/ 2243137 h 2514600"/>
+              <a:gd name="connsiteX28" fmla="*/ 5372100 w 5372100"/>
+              <a:gd name="connsiteY28" fmla="*/ 2200275 h 2514600"/>
+              <a:gd name="connsiteX29" fmla="*/ 5286375 w 5372100"/>
+              <a:gd name="connsiteY29" fmla="*/ 1928812 h 2514600"/>
+              <a:gd name="connsiteX30" fmla="*/ 5114925 w 5372100"/>
+              <a:gd name="connsiteY30" fmla="*/ 1657350 h 2514600"/>
+              <a:gd name="connsiteX31" fmla="*/ 5057775 w 5372100"/>
+              <a:gd name="connsiteY31" fmla="*/ 1557337 h 2514600"/>
+              <a:gd name="connsiteX32" fmla="*/ 4943475 w 5372100"/>
+              <a:gd name="connsiteY32" fmla="*/ 1414462 h 2514600"/>
+              <a:gd name="connsiteX33" fmla="*/ 4843463 w 5372100"/>
+              <a:gd name="connsiteY33" fmla="*/ 1228725 h 2514600"/>
+              <a:gd name="connsiteX34" fmla="*/ 4757738 w 5372100"/>
+              <a:gd name="connsiteY34" fmla="*/ 1114425 h 2514600"/>
+              <a:gd name="connsiteX35" fmla="*/ 4729163 w 5372100"/>
+              <a:gd name="connsiteY35" fmla="*/ 1057275 h 2514600"/>
+              <a:gd name="connsiteX36" fmla="*/ 4672013 w 5372100"/>
+              <a:gd name="connsiteY36" fmla="*/ 985837 h 2514600"/>
+              <a:gd name="connsiteX37" fmla="*/ 4629150 w 5372100"/>
+              <a:gd name="connsiteY37" fmla="*/ 900112 h 2514600"/>
+              <a:gd name="connsiteX38" fmla="*/ 4500563 w 5372100"/>
+              <a:gd name="connsiteY38" fmla="*/ 757237 h 2514600"/>
+              <a:gd name="connsiteX39" fmla="*/ 4457700 w 5372100"/>
+              <a:gd name="connsiteY39" fmla="*/ 714375 h 2514600"/>
+              <a:gd name="connsiteX40" fmla="*/ 4357688 w 5372100"/>
+              <a:gd name="connsiteY40" fmla="*/ 657225 h 2514600"/>
+              <a:gd name="connsiteX41" fmla="*/ 4229100 w 5372100"/>
+              <a:gd name="connsiteY41" fmla="*/ 628650 h 2514600"/>
+              <a:gd name="connsiteX42" fmla="*/ 4100513 w 5372100"/>
+              <a:gd name="connsiteY42" fmla="*/ 571500 h 2514600"/>
+              <a:gd name="connsiteX43" fmla="*/ 4014788 w 5372100"/>
+              <a:gd name="connsiteY43" fmla="*/ 557212 h 2514600"/>
+              <a:gd name="connsiteX44" fmla="*/ 3814763 w 5372100"/>
+              <a:gd name="connsiteY44" fmla="*/ 514350 h 2514600"/>
+              <a:gd name="connsiteX45" fmla="*/ 3500438 w 5372100"/>
+              <a:gd name="connsiteY45" fmla="*/ 457200 h 2514600"/>
+              <a:gd name="connsiteX46" fmla="*/ 3414713 w 5372100"/>
+              <a:gd name="connsiteY46" fmla="*/ 442912 h 2514600"/>
+              <a:gd name="connsiteX47" fmla="*/ 3086100 w 5372100"/>
+              <a:gd name="connsiteY47" fmla="*/ 414337 h 2514600"/>
+              <a:gd name="connsiteX48" fmla="*/ 2728913 w 5372100"/>
+              <a:gd name="connsiteY48" fmla="*/ 371475 h 2514600"/>
+              <a:gd name="connsiteX49" fmla="*/ 2371725 w 5372100"/>
+              <a:gd name="connsiteY49" fmla="*/ 328612 h 2514600"/>
+              <a:gd name="connsiteX50" fmla="*/ 2071688 w 5372100"/>
+              <a:gd name="connsiteY50" fmla="*/ 271462 h 2514600"/>
+              <a:gd name="connsiteX51" fmla="*/ 1943100 w 5372100"/>
+              <a:gd name="connsiteY51" fmla="*/ 257175 h 2514600"/>
+              <a:gd name="connsiteX52" fmla="*/ 1814513 w 5372100"/>
+              <a:gd name="connsiteY52" fmla="*/ 214312 h 2514600"/>
+              <a:gd name="connsiteX53" fmla="*/ 1714500 w 5372100"/>
+              <a:gd name="connsiteY53" fmla="*/ 200025 h 2514600"/>
+              <a:gd name="connsiteX54" fmla="*/ 1457325 w 5372100"/>
+              <a:gd name="connsiteY54" fmla="*/ 142875 h 2514600"/>
+              <a:gd name="connsiteX55" fmla="*/ 1243013 w 5372100"/>
+              <a:gd name="connsiteY55" fmla="*/ 100012 h 2514600"/>
+              <a:gd name="connsiteX56" fmla="*/ 1185863 w 5372100"/>
+              <a:gd name="connsiteY56" fmla="*/ 85725 h 2514600"/>
+              <a:gd name="connsiteX57" fmla="*/ 1100138 w 5372100"/>
+              <a:gd name="connsiteY57" fmla="*/ 57150 h 2514600"/>
+              <a:gd name="connsiteX58" fmla="*/ 971550 w 5372100"/>
+              <a:gd name="connsiteY58" fmla="*/ 42862 h 2514600"/>
+              <a:gd name="connsiteX59" fmla="*/ 914400 w 5372100"/>
+              <a:gd name="connsiteY59" fmla="*/ 28575 h 2514600"/>
+              <a:gd name="connsiteX60" fmla="*/ 871538 w 5372100"/>
+              <a:gd name="connsiteY60" fmla="*/ 14287 h 2514600"/>
+              <a:gd name="connsiteX61" fmla="*/ 800100 w 5372100"/>
+              <a:gd name="connsiteY61" fmla="*/ 0 h 2514600"/>
+              <a:gd name="connsiteX62" fmla="*/ 571500 w 5372100"/>
+              <a:gd name="connsiteY62" fmla="*/ 28575 h 2514600"/>
+              <a:gd name="connsiteX63" fmla="*/ 457200 w 5372100"/>
+              <a:gd name="connsiteY63" fmla="*/ 157162 h 2514600"/>
+              <a:gd name="connsiteX64" fmla="*/ 342900 w 5372100"/>
+              <a:gd name="connsiteY64" fmla="*/ 257175 h 2514600"/>
+              <a:gd name="connsiteX65" fmla="*/ 271463 w 5372100"/>
+              <a:gd name="connsiteY65" fmla="*/ 357187 h 2514600"/>
+              <a:gd name="connsiteX66" fmla="*/ 242888 w 5372100"/>
+              <a:gd name="connsiteY66" fmla="*/ 400050 h 2514600"/>
+              <a:gd name="connsiteX67" fmla="*/ 200025 w 5372100"/>
+              <a:gd name="connsiteY67" fmla="*/ 428625 h 2514600"/>
+              <a:gd name="connsiteX68" fmla="*/ 171450 w 5372100"/>
+              <a:gd name="connsiteY68" fmla="*/ 457200 h 2514600"/>
+            </a:gdLst>
+            <a:ahLst/>
+            <a:cxnLst>
+              <a:cxn ang="0">
+                <a:pos x="connsiteX0" y="connsiteY0"/>
+              </a:cxn>
+              <a:cxn ang="0">
+                <a:pos x="connsiteX1" y="connsiteY1"/>
+              </a:cxn>
+              <a:cxn ang="0">
+                <a:pos x="connsiteX2" y="connsiteY2"/>
+              </a:cxn>
+              <a:cxn ang="0">
+                <a:pos x="connsiteX3" y="connsiteY3"/>
+              </a:cxn>
+              <a:cxn ang="0">
+                <a:pos x="connsiteX4" y="connsiteY4"/>
+              </a:cxn>
+              <a:cxn ang="0">
+                <a:pos x="connsiteX5" y="connsiteY5"/>
+              </a:cxn>
+              <a:cxn ang="0">
+                <a:pos x="connsiteX6" y="connsiteY6"/>
+              </a:cxn>
+              <a:cxn ang="0">
+                <a:pos x="connsiteX7" y="connsiteY7"/>
+              </a:cxn>
+              <a:cxn ang="0">
+                <a:pos x="connsiteX8" y="connsiteY8"/>
+              </a:cxn>
+              <a:cxn ang="0">
+                <a:pos x="connsiteX9" y="connsiteY9"/>
+              </a:cxn>
+              <a:cxn ang="0">
+                <a:pos x="connsiteX10" y="connsiteY10"/>
+              </a:cxn>
+              <a:cxn ang="0">
+                <a:pos x="connsiteX11" y="connsiteY11"/>
+              </a:cxn>
+              <a:cxn ang="0">
+                <a:pos x="connsiteX12" y="connsiteY12"/>
+              </a:cxn>
+              <a:cxn ang="0">
+                <a:pos x="connsiteX13" y="connsiteY13"/>
+              </a:cxn>
+              <a:cxn ang="0">
+                <a:pos x="connsiteX14" y="connsiteY14"/>
+              </a:cxn>
+              <a:cxn ang="0">
+                <a:pos x="connsiteX15" y="connsiteY15"/>
+              </a:cxn>
+              <a:cxn ang="0">
+                <a:pos x="connsiteX16" y="connsiteY16"/>
+              </a:cxn>
+              <a:cxn ang="0">
+                <a:pos x="connsiteX17" y="connsiteY17"/>
+              </a:cxn>
+              <a:cxn ang="0">
+                <a:pos x="connsiteX18" y="connsiteY18"/>
+              </a:cxn>
+              <a:cxn ang="0">
+                <a:pos x="connsiteX19" y="connsiteY19"/>
+              </a:cxn>
+              <a:cxn ang="0">
+                <a:pos x="connsiteX20" y="connsiteY20"/>
+              </a:cxn>
+              <a:cxn ang="0">
+                <a:pos x="connsiteX21" y="connsiteY21"/>
+              </a:cxn>
+              <a:cxn ang="0">
+                <a:pos x="connsiteX22" y="connsiteY22"/>
+              </a:cxn>
+              <a:cxn ang="0">
+                <a:pos x="connsiteX23" y="connsiteY23"/>
+              </a:cxn>
+              <a:cxn ang="0">
+                <a:pos x="connsiteX24" y="connsiteY24"/>
+              </a:cxn>
+              <a:cxn ang="0">
+                <a:pos x="connsiteX25" y="connsiteY25"/>
+              </a:cxn>
+              <a:cxn ang="0">
+                <a:pos x="connsiteX26" y="connsiteY26"/>
+              </a:cxn>
+              <a:cxn ang="0">
+                <a:pos x="connsiteX27" y="connsiteY27"/>
+              </a:cxn>
+              <a:cxn ang="0">
+                <a:pos x="connsiteX28" y="connsiteY28"/>
+              </a:cxn>
+              <a:cxn ang="0">
+                <a:pos x="connsiteX29" y="connsiteY29"/>
+              </a:cxn>
+              <a:cxn ang="0">
+                <a:pos x="connsiteX30" y="connsiteY30"/>
+              </a:cxn>
+              <a:cxn ang="0">
+                <a:pos x="connsiteX31" y="connsiteY31"/>
+              </a:cxn>
+              <a:cxn ang="0">
+                <a:pos x="connsiteX32" y="connsiteY32"/>
+              </a:cxn>
+              <a:cxn ang="0">
+                <a:pos x="connsiteX33" y="connsiteY33"/>
+              </a:cxn>
+              <a:cxn ang="0">
+                <a:pos x="connsiteX34" y="connsiteY34"/>
+              </a:cxn>
+              <a:cxn ang="0">
+                <a:pos x="connsiteX35" y="connsiteY35"/>
+              </a:cxn>
+              <a:cxn ang="0">
+                <a:pos x="connsiteX36" y="connsiteY36"/>
+              </a:cxn>
+              <a:cxn ang="0">
+                <a:pos x="connsiteX37" y="connsiteY37"/>
+              </a:cxn>
+              <a:cxn ang="0">
+                <a:pos x="connsiteX38" y="connsiteY38"/>
+              </a:cxn>
+              <a:cxn ang="0">
+                <a:pos x="connsiteX39" y="connsiteY39"/>
+              </a:cxn>
+              <a:cxn ang="0">
+                <a:pos x="connsiteX40" y="connsiteY40"/>
+              </a:cxn>
+              <a:cxn ang="0">
+                <a:pos x="connsiteX41" y="connsiteY41"/>
+              </a:cxn>
+              <a:cxn ang="0">
+                <a:pos x="connsiteX42" y="connsiteY42"/>
+              </a:cxn>
+              <a:cxn ang="0">
+                <a:pos x="connsiteX43" y="connsiteY43"/>
+              </a:cxn>
+              <a:cxn ang="0">
+                <a:pos x="connsiteX44" y="connsiteY44"/>
+              </a:cxn>
+              <a:cxn ang="0">
+                <a:pos x="connsiteX45" y="connsiteY45"/>
+              </a:cxn>
+              <a:cxn ang="0">
+                <a:pos x="connsiteX46" y="connsiteY46"/>
+              </a:cxn>
+              <a:cxn ang="0">
+                <a:pos x="connsiteX47" y="connsiteY47"/>
+              </a:cxn>
+              <a:cxn ang="0">
+                <a:pos x="connsiteX48" y="connsiteY48"/>
+              </a:cxn>
+              <a:cxn ang="0">
+                <a:pos x="connsiteX49" y="connsiteY49"/>
+              </a:cxn>
+              <a:cxn ang="0">
+                <a:pos x="connsiteX50" y="connsiteY50"/>
+              </a:cxn>
+              <a:cxn ang="0">
+                <a:pos x="connsiteX51" y="connsiteY51"/>
+              </a:cxn>
+              <a:cxn ang="0">
+                <a:pos x="connsiteX52" y="connsiteY52"/>
+              </a:cxn>
+              <a:cxn ang="0">
+                <a:pos x="connsiteX53" y="connsiteY53"/>
+              </a:cxn>
+              <a:cxn ang="0">
+                <a:pos x="connsiteX54" y="connsiteY54"/>
+              </a:cxn>
+              <a:cxn ang="0">
+                <a:pos x="connsiteX55" y="connsiteY55"/>
+              </a:cxn>
+              <a:cxn ang="0">
+                <a:pos x="connsiteX56" y="connsiteY56"/>
+              </a:cxn>
+              <a:cxn ang="0">
+                <a:pos x="connsiteX57" y="connsiteY57"/>
+              </a:cxn>
+              <a:cxn ang="0">
+                <a:pos x="connsiteX58" y="connsiteY58"/>
+              </a:cxn>
+              <a:cxn ang="0">
+                <a:pos x="connsiteX59" y="connsiteY59"/>
+              </a:cxn>
+              <a:cxn ang="0">
+                <a:pos x="connsiteX60" y="connsiteY60"/>
+              </a:cxn>
+              <a:cxn ang="0">
+                <a:pos x="connsiteX61" y="connsiteY61"/>
+              </a:cxn>
+              <a:cxn ang="0">
+                <a:pos x="connsiteX62" y="connsiteY62"/>
+              </a:cxn>
+              <a:cxn ang="0">
+                <a:pos x="connsiteX63" y="connsiteY63"/>
+              </a:cxn>
+              <a:cxn ang="0">
+                <a:pos x="connsiteX64" y="connsiteY64"/>
+              </a:cxn>
+              <a:cxn ang="0">
+                <a:pos x="connsiteX65" y="connsiteY65"/>
+              </a:cxn>
+              <a:cxn ang="0">
+                <a:pos x="connsiteX66" y="connsiteY66"/>
+              </a:cxn>
+              <a:cxn ang="0">
+                <a:pos x="connsiteX67" y="connsiteY67"/>
+              </a:cxn>
+              <a:cxn ang="0">
+                <a:pos x="connsiteX68" y="connsiteY68"/>
+              </a:cxn>
+            </a:cxnLst>
+            <a:rect l="l" t="t" r="r" b="b"/>
+            <a:pathLst>
+              <a:path w="5372100" h="2514600">
+                <a:moveTo>
+                  <a:pt x="0" y="514350"/>
+                </a:moveTo>
+                <a:cubicBezTo>
+                  <a:pt x="43281" y="579271"/>
+                  <a:pt x="72533" y="629745"/>
+                  <a:pt x="128588" y="685800"/>
+                </a:cubicBezTo>
+                <a:cubicBezTo>
+                  <a:pt x="154890" y="712102"/>
+                  <a:pt x="188011" y="730935"/>
+                  <a:pt x="214313" y="757237"/>
+                </a:cubicBezTo>
+                <a:cubicBezTo>
+                  <a:pt x="250111" y="793035"/>
+                  <a:pt x="276487" y="837903"/>
+                  <a:pt x="314325" y="871537"/>
+                </a:cubicBezTo>
+                <a:cubicBezTo>
+                  <a:pt x="362740" y="914573"/>
+                  <a:pt x="422306" y="943681"/>
+                  <a:pt x="471488" y="985837"/>
+                </a:cubicBezTo>
+                <a:cubicBezTo>
+                  <a:pt x="489568" y="1001334"/>
+                  <a:pt x="496797" y="1026896"/>
+                  <a:pt x="514350" y="1042987"/>
+                </a:cubicBezTo>
+                <a:cubicBezTo>
+                  <a:pt x="589927" y="1112266"/>
+                  <a:pt x="704332" y="1182973"/>
+                  <a:pt x="785813" y="1243012"/>
+                </a:cubicBezTo>
+                <a:cubicBezTo>
+                  <a:pt x="829528" y="1275223"/>
+                  <a:pt x="868489" y="1314029"/>
+                  <a:pt x="914400" y="1343025"/>
+                </a:cubicBezTo>
+                <a:cubicBezTo>
+                  <a:pt x="959419" y="1371458"/>
+                  <a:pt x="1011194" y="1387784"/>
+                  <a:pt x="1057275" y="1414462"/>
+                </a:cubicBezTo>
+                <a:cubicBezTo>
+                  <a:pt x="1308271" y="1559775"/>
+                  <a:pt x="1069410" y="1471150"/>
+                  <a:pt x="1457325" y="1657350"/>
+                </a:cubicBezTo>
+                <a:cubicBezTo>
+                  <a:pt x="1483441" y="1669886"/>
+                  <a:pt x="1514475" y="1666875"/>
+                  <a:pt x="1543050" y="1671637"/>
+                </a:cubicBezTo>
+                <a:cubicBezTo>
+                  <a:pt x="1813656" y="1794640"/>
+                  <a:pt x="1616658" y="1709053"/>
+                  <a:pt x="2000250" y="1857375"/>
+                </a:cubicBezTo>
+                <a:lnTo>
+                  <a:pt x="2771775" y="2157412"/>
+                </a:lnTo>
+                <a:cubicBezTo>
+                  <a:pt x="3089315" y="2282504"/>
+                  <a:pt x="2793761" y="2172958"/>
+                  <a:pt x="3157538" y="2328862"/>
+                </a:cubicBezTo>
+                <a:cubicBezTo>
+                  <a:pt x="3185223" y="2340727"/>
+                  <a:pt x="3214956" y="2347143"/>
+                  <a:pt x="3243263" y="2357437"/>
+                </a:cubicBezTo>
+                <a:cubicBezTo>
+                  <a:pt x="3267366" y="2366202"/>
+                  <a:pt x="3290135" y="2378642"/>
+                  <a:pt x="3314700" y="2386012"/>
+                </a:cubicBezTo>
+                <a:cubicBezTo>
+                  <a:pt x="3337960" y="2392990"/>
+                  <a:pt x="3362878" y="2393322"/>
+                  <a:pt x="3386138" y="2400300"/>
+                </a:cubicBezTo>
+                <a:cubicBezTo>
+                  <a:pt x="3410703" y="2407670"/>
+                  <a:pt x="3433010" y="2421506"/>
+                  <a:pt x="3457575" y="2428875"/>
+                </a:cubicBezTo>
+                <a:cubicBezTo>
+                  <a:pt x="3508682" y="2444207"/>
+                  <a:pt x="3578960" y="2447437"/>
+                  <a:pt x="3629025" y="2457450"/>
+                </a:cubicBezTo>
+                <a:cubicBezTo>
+                  <a:pt x="3667535" y="2465152"/>
+                  <a:pt x="3704924" y="2477796"/>
+                  <a:pt x="3743325" y="2486025"/>
+                </a:cubicBezTo>
+                <a:cubicBezTo>
+                  <a:pt x="3771651" y="2492095"/>
+                  <a:pt x="3800548" y="2495130"/>
+                  <a:pt x="3829050" y="2500312"/>
+                </a:cubicBezTo>
+                <a:cubicBezTo>
+                  <a:pt x="3852943" y="2504656"/>
+                  <a:pt x="3876675" y="2509837"/>
+                  <a:pt x="3900488" y="2514600"/>
+                </a:cubicBezTo>
+                <a:cubicBezTo>
+                  <a:pt x="4229100" y="2509837"/>
+                  <a:pt x="4558109" y="2517144"/>
+                  <a:pt x="4886325" y="2500312"/>
+                </a:cubicBezTo>
+                <a:cubicBezTo>
+                  <a:pt x="4931447" y="2497998"/>
+                  <a:pt x="4972364" y="2472646"/>
+                  <a:pt x="5014913" y="2457450"/>
+                </a:cubicBezTo>
+                <a:cubicBezTo>
+                  <a:pt x="5039066" y="2448824"/>
+                  <a:pt x="5062247" y="2437640"/>
+                  <a:pt x="5086350" y="2428875"/>
+                </a:cubicBezTo>
+                <a:cubicBezTo>
+                  <a:pt x="5117878" y="2417410"/>
+                  <a:pt x="5197745" y="2396909"/>
+                  <a:pt x="5229225" y="2371725"/>
+                </a:cubicBezTo>
+                <a:cubicBezTo>
+                  <a:pt x="5260781" y="2346480"/>
+                  <a:pt x="5286375" y="2314575"/>
+                  <a:pt x="5314950" y="2286000"/>
+                </a:cubicBezTo>
+                <a:lnTo>
+                  <a:pt x="5357813" y="2243137"/>
+                </a:lnTo>
+                <a:cubicBezTo>
+                  <a:pt x="5362575" y="2228850"/>
+                  <a:pt x="5372100" y="2215335"/>
+                  <a:pt x="5372100" y="2200275"/>
+                </a:cubicBezTo>
+                <a:cubicBezTo>
+                  <a:pt x="5372100" y="2074780"/>
+                  <a:pt x="5352201" y="2041102"/>
+                  <a:pt x="5286375" y="1928812"/>
+                </a:cubicBezTo>
+                <a:cubicBezTo>
+                  <a:pt x="5232251" y="1836483"/>
+                  <a:pt x="5168023" y="1750273"/>
+                  <a:pt x="5114925" y="1657350"/>
+                </a:cubicBezTo>
+                <a:cubicBezTo>
+                  <a:pt x="5095875" y="1624012"/>
+                  <a:pt x="5079918" y="1588706"/>
+                  <a:pt x="5057775" y="1557337"/>
+                </a:cubicBezTo>
+                <a:cubicBezTo>
+                  <a:pt x="5022603" y="1507510"/>
+                  <a:pt x="4976792" y="1465548"/>
+                  <a:pt x="4943475" y="1414462"/>
+                </a:cubicBezTo>
+                <a:cubicBezTo>
+                  <a:pt x="4905063" y="1355564"/>
+                  <a:pt x="4880475" y="1288513"/>
+                  <a:pt x="4843463" y="1228725"/>
+                </a:cubicBezTo>
+                <a:cubicBezTo>
+                  <a:pt x="4818395" y="1188231"/>
+                  <a:pt x="4784156" y="1154051"/>
+                  <a:pt x="4757738" y="1114425"/>
+                </a:cubicBezTo>
+                <a:cubicBezTo>
+                  <a:pt x="4745924" y="1096704"/>
+                  <a:pt x="4740977" y="1074996"/>
+                  <a:pt x="4729163" y="1057275"/>
+                </a:cubicBezTo>
+                <a:cubicBezTo>
+                  <a:pt x="4712247" y="1031902"/>
+                  <a:pt x="4688385" y="1011564"/>
+                  <a:pt x="4672013" y="985837"/>
+                </a:cubicBezTo>
+                <a:cubicBezTo>
+                  <a:pt x="4654861" y="958884"/>
+                  <a:pt x="4645587" y="927507"/>
+                  <a:pt x="4629150" y="900112"/>
+                </a:cubicBezTo>
+                <a:cubicBezTo>
+                  <a:pt x="4595594" y="844186"/>
+                  <a:pt x="4546184" y="802858"/>
+                  <a:pt x="4500563" y="757237"/>
+                </a:cubicBezTo>
+                <a:cubicBezTo>
+                  <a:pt x="4486275" y="742950"/>
+                  <a:pt x="4474512" y="725583"/>
+                  <a:pt x="4457700" y="714375"/>
+                </a:cubicBezTo>
+                <a:cubicBezTo>
+                  <a:pt x="4422169" y="690687"/>
+                  <a:pt x="4399123" y="672763"/>
+                  <a:pt x="4357688" y="657225"/>
+                </a:cubicBezTo>
+                <a:cubicBezTo>
+                  <a:pt x="4334622" y="648575"/>
+                  <a:pt x="4248506" y="632531"/>
+                  <a:pt x="4229100" y="628650"/>
+                </a:cubicBezTo>
+                <a:cubicBezTo>
+                  <a:pt x="4191430" y="609815"/>
+                  <a:pt x="4140646" y="582446"/>
+                  <a:pt x="4100513" y="571500"/>
+                </a:cubicBezTo>
+                <a:cubicBezTo>
+                  <a:pt x="4072565" y="563878"/>
+                  <a:pt x="4042892" y="564238"/>
+                  <a:pt x="4014788" y="557212"/>
+                </a:cubicBezTo>
+                <a:cubicBezTo>
+                  <a:pt x="3811210" y="506317"/>
+                  <a:pt x="4062750" y="545347"/>
+                  <a:pt x="3814763" y="514350"/>
+                </a:cubicBezTo>
+                <a:cubicBezTo>
+                  <a:pt x="3637476" y="463697"/>
+                  <a:pt x="3765699" y="495095"/>
+                  <a:pt x="3500438" y="457200"/>
+                </a:cubicBezTo>
+                <a:cubicBezTo>
+                  <a:pt x="3471760" y="453103"/>
+                  <a:pt x="3443528" y="445893"/>
+                  <a:pt x="3414713" y="442912"/>
+                </a:cubicBezTo>
+                <a:cubicBezTo>
+                  <a:pt x="3305346" y="431598"/>
+                  <a:pt x="3194555" y="432413"/>
+                  <a:pt x="3086100" y="414337"/>
+                </a:cubicBezTo>
+                <a:cubicBezTo>
+                  <a:pt x="2853400" y="375554"/>
+                  <a:pt x="2972418" y="390206"/>
+                  <a:pt x="2728913" y="371475"/>
+                </a:cubicBezTo>
+                <a:cubicBezTo>
+                  <a:pt x="2286487" y="297737"/>
+                  <a:pt x="2840004" y="384806"/>
+                  <a:pt x="2371725" y="328612"/>
+                </a:cubicBezTo>
+                <a:cubicBezTo>
+                  <a:pt x="2080857" y="293708"/>
+                  <a:pt x="2314511" y="311932"/>
+                  <a:pt x="2071688" y="271462"/>
+                </a:cubicBezTo>
+                <a:cubicBezTo>
+                  <a:pt x="2029148" y="264372"/>
+                  <a:pt x="1985963" y="261937"/>
+                  <a:pt x="1943100" y="257175"/>
+                </a:cubicBezTo>
+                <a:cubicBezTo>
+                  <a:pt x="1900238" y="242887"/>
+                  <a:pt x="1858345" y="225270"/>
+                  <a:pt x="1814513" y="214312"/>
+                </a:cubicBezTo>
+                <a:cubicBezTo>
+                  <a:pt x="1781842" y="206144"/>
+                  <a:pt x="1747522" y="206629"/>
+                  <a:pt x="1714500" y="200025"/>
+                </a:cubicBezTo>
+                <a:cubicBezTo>
+                  <a:pt x="1628389" y="182803"/>
+                  <a:pt x="1542519" y="164174"/>
+                  <a:pt x="1457325" y="142875"/>
+                </a:cubicBezTo>
+                <a:cubicBezTo>
+                  <a:pt x="1217810" y="82996"/>
+                  <a:pt x="1461259" y="139693"/>
+                  <a:pt x="1243013" y="100012"/>
+                </a:cubicBezTo>
+                <a:cubicBezTo>
+                  <a:pt x="1223693" y="96499"/>
+                  <a:pt x="1204671" y="91367"/>
+                  <a:pt x="1185863" y="85725"/>
+                </a:cubicBezTo>
+                <a:cubicBezTo>
+                  <a:pt x="1157013" y="77070"/>
+                  <a:pt x="1129674" y="63057"/>
+                  <a:pt x="1100138" y="57150"/>
+                </a:cubicBezTo>
+                <a:cubicBezTo>
+                  <a:pt x="1057849" y="48692"/>
+                  <a:pt x="1014413" y="47625"/>
+                  <a:pt x="971550" y="42862"/>
+                </a:cubicBezTo>
+                <a:cubicBezTo>
+                  <a:pt x="952500" y="38100"/>
+                  <a:pt x="933281" y="33970"/>
+                  <a:pt x="914400" y="28575"/>
+                </a:cubicBezTo>
+                <a:cubicBezTo>
+                  <a:pt x="899919" y="24438"/>
+                  <a:pt x="886149" y="17940"/>
+                  <a:pt x="871538" y="14287"/>
+                </a:cubicBezTo>
+                <a:cubicBezTo>
+                  <a:pt x="847979" y="8397"/>
+                  <a:pt x="823913" y="4762"/>
+                  <a:pt x="800100" y="0"/>
+                </a:cubicBezTo>
+                <a:cubicBezTo>
+                  <a:pt x="723900" y="9525"/>
+                  <a:pt x="643670" y="2332"/>
+                  <a:pt x="571500" y="28575"/>
+                </a:cubicBezTo>
+                <a:cubicBezTo>
+                  <a:pt x="501377" y="54074"/>
+                  <a:pt x="496402" y="111426"/>
+                  <a:pt x="457200" y="157162"/>
+                </a:cubicBezTo>
+                <a:cubicBezTo>
+                  <a:pt x="412807" y="208953"/>
+                  <a:pt x="395444" y="217767"/>
+                  <a:pt x="342900" y="257175"/>
+                </a:cubicBezTo>
+                <a:cubicBezTo>
+                  <a:pt x="316648" y="335932"/>
+                  <a:pt x="345426" y="270897"/>
+                  <a:pt x="271463" y="357187"/>
+                </a:cubicBezTo>
+                <a:cubicBezTo>
+                  <a:pt x="260288" y="370225"/>
+                  <a:pt x="255030" y="387908"/>
+                  <a:pt x="242888" y="400050"/>
+                </a:cubicBezTo>
+                <a:cubicBezTo>
+                  <a:pt x="230746" y="412192"/>
+                  <a:pt x="213434" y="417898"/>
+                  <a:pt x="200025" y="428625"/>
+                </a:cubicBezTo>
+                <a:cubicBezTo>
+                  <a:pt x="189506" y="437040"/>
+                  <a:pt x="180975" y="447675"/>
+                  <a:pt x="171450" y="457200"/>
+                </a:cubicBezTo>
+              </a:path>
+            </a:pathLst>
+          </a:custGeom>
+          <a:noFill/>
+          <a:ln w="60325">
+            <a:solidFill>
+              <a:srgbClr val="FF0000"/>
+            </a:solidFill>
+          </a:ln>
+        </p:spPr>
+        <p:style>
+          <a:lnRef idx="2">
+            <a:schemeClr val="accent1">
+              <a:shade val="50000"/>
+            </a:schemeClr>
+          </a:lnRef>
+          <a:fillRef idx="1">
+            <a:schemeClr val="accent1"/>
+          </a:fillRef>
+          <a:effectRef idx="0">
+            <a:schemeClr val="accent1"/>
+          </a:effectRef>
+          <a:fontRef idx="minor">
+            <a:schemeClr val="lt1"/>
+          </a:fontRef>
+        </p:style>
+        <p:txBody>
+          <a:bodyPr rtlCol="0" anchor="ctr"/>
+          <a:lstStyle/>
+          <a:p>
+            <a:pPr algn="ctr"/>
+            <a:endParaRPr lang="en-US"/>
+          </a:p>
+        </p:txBody>
+      </p:sp>
+      <p:sp>
+        <p:nvSpPr>
           <p:cNvPr id="10" name="Freeform 9"/>
           <p:cNvSpPr/>
           <p:nvPr/>
@@ -5242,1840 +8872,6 @@
     <p:extLst>
       <p:ext uri="{BB962C8B-B14F-4D97-AF65-F5344CB8AC3E}">
         <p14:creationId xmlns:p14="http://schemas.microsoft.com/office/powerpoint/2010/main" val="799452476"/>
-      </p:ext>
-    </p:extLst>
-  </p:cSld>
-  <p:clrMapOvr>
-    <a:masterClrMapping/>
-  </p:clrMapOvr>
-</p:sld>
-</file>
-
-<file path=ppt/slides/slide11.xml><?xml version="1.0" encoding="utf-8"?>
-<p:sld xmlns:a="http://schemas.openxmlformats.org/drawingml/2006/main" xmlns:r="http://schemas.openxmlformats.org/officeDocument/2006/relationships" xmlns:p="http://schemas.openxmlformats.org/presentationml/2006/main">
-  <p:cSld>
-    <p:spTree>
-      <p:nvGrpSpPr>
-        <p:cNvPr id="1" name=""/>
-        <p:cNvGrpSpPr/>
-        <p:nvPr/>
-      </p:nvGrpSpPr>
-      <p:grpSpPr>
-        <a:xfrm>
-          <a:off x="0" y="0"/>
-          <a:ext cx="0" cy="0"/>
-          <a:chOff x="0" y="0"/>
-          <a:chExt cx="0" cy="0"/>
-        </a:xfrm>
-      </p:grpSpPr>
-      <p:pic>
-        <p:nvPicPr>
-          <p:cNvPr id="2" name="Picture 1"/>
-          <p:cNvPicPr>
-            <a:picLocks noChangeAspect="1"/>
-          </p:cNvPicPr>
-          <p:nvPr/>
-        </p:nvPicPr>
-        <p:blipFill>
-          <a:blip r:embed="rId2">
-            <a:extLst>
-              <a:ext uri="{28A0092B-C50C-407E-A947-70E740481C1C}">
-                <a14:useLocalDpi xmlns:a14="http://schemas.microsoft.com/office/drawing/2010/main" val="0"/>
-              </a:ext>
-            </a:extLst>
-          </a:blip>
-          <a:stretch>
-            <a:fillRect/>
-          </a:stretch>
-        </p:blipFill>
-        <p:spPr>
-          <a:xfrm rot="10800000" flipH="1" flipV="1">
-            <a:off x="0" y="657226"/>
-            <a:ext cx="12182884" cy="3190234"/>
-          </a:xfrm>
-          <a:prstGeom prst="rect">
-            <a:avLst/>
-          </a:prstGeom>
-        </p:spPr>
-      </p:pic>
-    </p:spTree>
-    <p:extLst>
-      <p:ext uri="{BB962C8B-B14F-4D97-AF65-F5344CB8AC3E}">
-        <p14:creationId xmlns:p14="http://schemas.microsoft.com/office/powerpoint/2010/main" val="395425702"/>
-      </p:ext>
-    </p:extLst>
-  </p:cSld>
-  <p:clrMapOvr>
-    <a:masterClrMapping/>
-  </p:clrMapOvr>
-</p:sld>
-</file>
-
-<file path=ppt/slides/slide12.xml><?xml version="1.0" encoding="utf-8"?>
-<p:sld xmlns:a="http://schemas.openxmlformats.org/drawingml/2006/main" xmlns:r="http://schemas.openxmlformats.org/officeDocument/2006/relationships" xmlns:p="http://schemas.openxmlformats.org/presentationml/2006/main">
-  <p:cSld>
-    <p:spTree>
-      <p:nvGrpSpPr>
-        <p:cNvPr id="1" name=""/>
-        <p:cNvGrpSpPr/>
-        <p:nvPr/>
-      </p:nvGrpSpPr>
-      <p:grpSpPr>
-        <a:xfrm>
-          <a:off x="0" y="0"/>
-          <a:ext cx="0" cy="0"/>
-          <a:chOff x="0" y="0"/>
-          <a:chExt cx="0" cy="0"/>
-        </a:xfrm>
-      </p:grpSpPr>
-    </p:spTree>
-    <p:extLst>
-      <p:ext uri="{BB962C8B-B14F-4D97-AF65-F5344CB8AC3E}">
-        <p14:creationId xmlns:p14="http://schemas.microsoft.com/office/powerpoint/2010/main" val="1605369696"/>
-      </p:ext>
-    </p:extLst>
-  </p:cSld>
-  <p:clrMapOvr>
-    <a:masterClrMapping/>
-  </p:clrMapOvr>
-</p:sld>
-</file>
-
-<file path=ppt/slides/slide2.xml><?xml version="1.0" encoding="utf-8"?>
-<p:sld xmlns:a="http://schemas.openxmlformats.org/drawingml/2006/main" xmlns:r="http://schemas.openxmlformats.org/officeDocument/2006/relationships" xmlns:p="http://schemas.openxmlformats.org/presentationml/2006/main">
-  <p:cSld>
-    <p:spTree>
-      <p:nvGrpSpPr>
-        <p:cNvPr id="1" name=""/>
-        <p:cNvGrpSpPr/>
-        <p:nvPr/>
-      </p:nvGrpSpPr>
-      <p:grpSpPr>
-        <a:xfrm>
-          <a:off x="0" y="0"/>
-          <a:ext cx="0" cy="0"/>
-          <a:chOff x="0" y="0"/>
-          <a:chExt cx="0" cy="0"/>
-        </a:xfrm>
-      </p:grpSpPr>
-      <p:pic>
-        <p:nvPicPr>
-          <p:cNvPr id="2" name="Picture 1"/>
-          <p:cNvPicPr>
-            <a:picLocks noChangeAspect="1"/>
-          </p:cNvPicPr>
-          <p:nvPr/>
-        </p:nvPicPr>
-        <p:blipFill>
-          <a:blip r:embed="rId2">
-            <a:extLst>
-              <a:ext uri="{28A0092B-C50C-407E-A947-70E740481C1C}">
-                <a14:useLocalDpi xmlns:a14="http://schemas.microsoft.com/office/drawing/2010/main" val="0"/>
-              </a:ext>
-            </a:extLst>
-          </a:blip>
-          <a:stretch>
-            <a:fillRect/>
-          </a:stretch>
-        </p:blipFill>
-        <p:spPr>
-          <a:xfrm>
-            <a:off x="1157288" y="1335087"/>
-            <a:ext cx="10058400" cy="4227671"/>
-          </a:xfrm>
-          <a:prstGeom prst="rect">
-            <a:avLst/>
-          </a:prstGeom>
-        </p:spPr>
-      </p:pic>
-    </p:spTree>
-    <p:extLst>
-      <p:ext uri="{BB962C8B-B14F-4D97-AF65-F5344CB8AC3E}">
-        <p14:creationId xmlns:p14="http://schemas.microsoft.com/office/powerpoint/2010/main" val="1065495184"/>
-      </p:ext>
-    </p:extLst>
-  </p:cSld>
-  <p:clrMapOvr>
-    <a:masterClrMapping/>
-  </p:clrMapOvr>
-</p:sld>
-</file>
-
-<file path=ppt/slides/slide3.xml><?xml version="1.0" encoding="utf-8"?>
-<p:sld xmlns:a="http://schemas.openxmlformats.org/drawingml/2006/main" xmlns:r="http://schemas.openxmlformats.org/officeDocument/2006/relationships" xmlns:p="http://schemas.openxmlformats.org/presentationml/2006/main">
-  <p:cSld>
-    <p:spTree>
-      <p:nvGrpSpPr>
-        <p:cNvPr id="1" name=""/>
-        <p:cNvGrpSpPr/>
-        <p:nvPr/>
-      </p:nvGrpSpPr>
-      <p:grpSpPr>
-        <a:xfrm>
-          <a:off x="0" y="0"/>
-          <a:ext cx="0" cy="0"/>
-          <a:chOff x="0" y="0"/>
-          <a:chExt cx="0" cy="0"/>
-        </a:xfrm>
-      </p:grpSpPr>
-      <p:pic>
-        <p:nvPicPr>
-          <p:cNvPr id="2" name="Picture 1"/>
-          <p:cNvPicPr>
-            <a:picLocks noChangeAspect="1"/>
-          </p:cNvPicPr>
-          <p:nvPr/>
-        </p:nvPicPr>
-        <p:blipFill>
-          <a:blip r:embed="rId2">
-            <a:extLst>
-              <a:ext uri="{28A0092B-C50C-407E-A947-70E740481C1C}">
-                <a14:useLocalDpi xmlns:a14="http://schemas.microsoft.com/office/drawing/2010/main" val="0"/>
-              </a:ext>
-            </a:extLst>
-          </a:blip>
-          <a:stretch>
-            <a:fillRect/>
-          </a:stretch>
-        </p:blipFill>
-        <p:spPr>
-          <a:xfrm>
-            <a:off x="1085850" y="528638"/>
-            <a:ext cx="10058400" cy="5657850"/>
-          </a:xfrm>
-          <a:prstGeom prst="rect">
-            <a:avLst/>
-          </a:prstGeom>
-        </p:spPr>
-      </p:pic>
-    </p:spTree>
-    <p:extLst>
-      <p:ext uri="{BB962C8B-B14F-4D97-AF65-F5344CB8AC3E}">
-        <p14:creationId xmlns:p14="http://schemas.microsoft.com/office/powerpoint/2010/main" val="2058908802"/>
-      </p:ext>
-    </p:extLst>
-  </p:cSld>
-  <p:clrMapOvr>
-    <a:masterClrMapping/>
-  </p:clrMapOvr>
-</p:sld>
-</file>
-
-<file path=ppt/slides/slide4.xml><?xml version="1.0" encoding="utf-8"?>
-<p:sld xmlns:a="http://schemas.openxmlformats.org/drawingml/2006/main" xmlns:r="http://schemas.openxmlformats.org/officeDocument/2006/relationships" xmlns:p="http://schemas.openxmlformats.org/presentationml/2006/main">
-  <p:cSld>
-    <p:spTree>
-      <p:nvGrpSpPr>
-        <p:cNvPr id="1" name=""/>
-        <p:cNvGrpSpPr/>
-        <p:nvPr/>
-      </p:nvGrpSpPr>
-      <p:grpSpPr>
-        <a:xfrm>
-          <a:off x="0" y="0"/>
-          <a:ext cx="0" cy="0"/>
-          <a:chOff x="0" y="0"/>
-          <a:chExt cx="0" cy="0"/>
-        </a:xfrm>
-      </p:grpSpPr>
-      <p:pic>
-        <p:nvPicPr>
-          <p:cNvPr id="3" name="Picture 2"/>
-          <p:cNvPicPr>
-            <a:picLocks noChangeAspect="1"/>
-          </p:cNvPicPr>
-          <p:nvPr/>
-        </p:nvPicPr>
-        <p:blipFill>
-          <a:blip r:embed="rId2">
-            <a:extLst>
-              <a:ext uri="{28A0092B-C50C-407E-A947-70E740481C1C}">
-                <a14:useLocalDpi xmlns:a14="http://schemas.microsoft.com/office/drawing/2010/main" val="0"/>
-              </a:ext>
-            </a:extLst>
-          </a:blip>
-          <a:stretch>
-            <a:fillRect/>
-          </a:stretch>
-        </p:blipFill>
-        <p:spPr>
-          <a:xfrm>
-            <a:off x="-1" y="910828"/>
-            <a:ext cx="8411767" cy="5047060"/>
-          </a:xfrm>
-          <a:prstGeom prst="rect">
-            <a:avLst/>
-          </a:prstGeom>
-        </p:spPr>
-      </p:pic>
-      <p:pic>
-        <p:nvPicPr>
-          <p:cNvPr id="2" name="Picture 1"/>
-          <p:cNvPicPr>
-            <a:picLocks noChangeAspect="1"/>
-          </p:cNvPicPr>
-          <p:nvPr/>
-        </p:nvPicPr>
-        <p:blipFill>
-          <a:blip r:embed="rId3">
-            <a:extLst>
-              <a:ext uri="{28A0092B-C50C-407E-A947-70E740481C1C}">
-                <a14:useLocalDpi xmlns:a14="http://schemas.microsoft.com/office/drawing/2010/main" val="0"/>
-              </a:ext>
-            </a:extLst>
-          </a:blip>
-          <a:stretch>
-            <a:fillRect/>
-          </a:stretch>
-        </p:blipFill>
-        <p:spPr>
-          <a:xfrm>
-            <a:off x="5300661" y="910828"/>
-            <a:ext cx="6729413" cy="5047060"/>
-          </a:xfrm>
-          <a:prstGeom prst="rect">
-            <a:avLst/>
-          </a:prstGeom>
-        </p:spPr>
-      </p:pic>
-    </p:spTree>
-    <p:extLst>
-      <p:ext uri="{BB962C8B-B14F-4D97-AF65-F5344CB8AC3E}">
-        <p14:creationId xmlns:p14="http://schemas.microsoft.com/office/powerpoint/2010/main" val="1676231103"/>
-      </p:ext>
-    </p:extLst>
-  </p:cSld>
-  <p:clrMapOvr>
-    <a:masterClrMapping/>
-  </p:clrMapOvr>
-</p:sld>
-</file>
-
-<file path=ppt/slides/slide5.xml><?xml version="1.0" encoding="utf-8"?>
-<p:sld xmlns:a="http://schemas.openxmlformats.org/drawingml/2006/main" xmlns:r="http://schemas.openxmlformats.org/officeDocument/2006/relationships" xmlns:p="http://schemas.openxmlformats.org/presentationml/2006/main">
-  <p:cSld>
-    <p:spTree>
-      <p:nvGrpSpPr>
-        <p:cNvPr id="1" name=""/>
-        <p:cNvGrpSpPr/>
-        <p:nvPr/>
-      </p:nvGrpSpPr>
-      <p:grpSpPr>
-        <a:xfrm>
-          <a:off x="0" y="0"/>
-          <a:ext cx="0" cy="0"/>
-          <a:chOff x="0" y="0"/>
-          <a:chExt cx="0" cy="0"/>
-        </a:xfrm>
-      </p:grpSpPr>
-      <p:pic>
-        <p:nvPicPr>
-          <p:cNvPr id="2" name="Picture 1"/>
-          <p:cNvPicPr>
-            <a:picLocks noChangeAspect="1"/>
-          </p:cNvPicPr>
-          <p:nvPr/>
-        </p:nvPicPr>
-        <p:blipFill>
-          <a:blip r:embed="rId2">
-            <a:extLst>
-              <a:ext uri="{28A0092B-C50C-407E-A947-70E740481C1C}">
-                <a14:useLocalDpi xmlns:a14="http://schemas.microsoft.com/office/drawing/2010/main" val="0"/>
-              </a:ext>
-            </a:extLst>
-          </a:blip>
-          <a:stretch>
-            <a:fillRect/>
-          </a:stretch>
-        </p:blipFill>
-        <p:spPr>
-          <a:xfrm>
-            <a:off x="-885827" y="0"/>
-            <a:ext cx="13894435" cy="6858000"/>
-          </a:xfrm>
-          <a:prstGeom prst="rect">
-            <a:avLst/>
-          </a:prstGeom>
-        </p:spPr>
-      </p:pic>
-    </p:spTree>
-    <p:extLst>
-      <p:ext uri="{BB962C8B-B14F-4D97-AF65-F5344CB8AC3E}">
-        <p14:creationId xmlns:p14="http://schemas.microsoft.com/office/powerpoint/2010/main" val="815725002"/>
-      </p:ext>
-    </p:extLst>
-  </p:cSld>
-  <p:clrMapOvr>
-    <a:masterClrMapping/>
-  </p:clrMapOvr>
-</p:sld>
-</file>
-
-<file path=ppt/slides/slide6.xml><?xml version="1.0" encoding="utf-8"?>
-<p:sld xmlns:a="http://schemas.openxmlformats.org/drawingml/2006/main" xmlns:r="http://schemas.openxmlformats.org/officeDocument/2006/relationships" xmlns:p="http://schemas.openxmlformats.org/presentationml/2006/main">
-  <p:cSld>
-    <p:spTree>
-      <p:nvGrpSpPr>
-        <p:cNvPr id="1" name=""/>
-        <p:cNvGrpSpPr/>
-        <p:nvPr/>
-      </p:nvGrpSpPr>
-      <p:grpSpPr>
-        <a:xfrm>
-          <a:off x="0" y="0"/>
-          <a:ext cx="0" cy="0"/>
-          <a:chOff x="0" y="0"/>
-          <a:chExt cx="0" cy="0"/>
-        </a:xfrm>
-      </p:grpSpPr>
-      <p:pic>
-        <p:nvPicPr>
-          <p:cNvPr id="3" name="Picture 2"/>
-          <p:cNvPicPr>
-            <a:picLocks noChangeAspect="1"/>
-          </p:cNvPicPr>
-          <p:nvPr/>
-        </p:nvPicPr>
-        <p:blipFill>
-          <a:blip r:embed="rId2">
-            <a:extLst>
-              <a:ext uri="{28A0092B-C50C-407E-A947-70E740481C1C}">
-                <a14:useLocalDpi xmlns:a14="http://schemas.microsoft.com/office/drawing/2010/main" val="0"/>
-              </a:ext>
-            </a:extLst>
-          </a:blip>
-          <a:stretch>
-            <a:fillRect/>
-          </a:stretch>
-        </p:blipFill>
-        <p:spPr>
-          <a:xfrm>
-            <a:off x="1397000" y="0"/>
-            <a:ext cx="9378290" cy="6858000"/>
-          </a:xfrm>
-          <a:prstGeom prst="rect">
-            <a:avLst/>
-          </a:prstGeom>
-        </p:spPr>
-      </p:pic>
-    </p:spTree>
-    <p:extLst>
-      <p:ext uri="{BB962C8B-B14F-4D97-AF65-F5344CB8AC3E}">
-        <p14:creationId xmlns:p14="http://schemas.microsoft.com/office/powerpoint/2010/main" val="463939764"/>
-      </p:ext>
-    </p:extLst>
-  </p:cSld>
-  <p:clrMapOvr>
-    <a:masterClrMapping/>
-  </p:clrMapOvr>
-</p:sld>
-</file>
-
-<file path=ppt/slides/slide7.xml><?xml version="1.0" encoding="utf-8"?>
-<p:sld xmlns:a="http://schemas.openxmlformats.org/drawingml/2006/main" xmlns:r="http://schemas.openxmlformats.org/officeDocument/2006/relationships" xmlns:p="http://schemas.openxmlformats.org/presentationml/2006/main">
-  <p:cSld>
-    <p:spTree>
-      <p:nvGrpSpPr>
-        <p:cNvPr id="1" name=""/>
-        <p:cNvGrpSpPr/>
-        <p:nvPr/>
-      </p:nvGrpSpPr>
-      <p:grpSpPr>
-        <a:xfrm>
-          <a:off x="0" y="0"/>
-          <a:ext cx="0" cy="0"/>
-          <a:chOff x="0" y="0"/>
-          <a:chExt cx="0" cy="0"/>
-        </a:xfrm>
-      </p:grpSpPr>
-      <p:pic>
-        <p:nvPicPr>
-          <p:cNvPr id="2" name="Picture 1"/>
-          <p:cNvPicPr>
-            <a:picLocks noChangeAspect="1"/>
-          </p:cNvPicPr>
-          <p:nvPr/>
-        </p:nvPicPr>
-        <p:blipFill>
-          <a:blip r:embed="rId2">
-            <a:extLst>
-              <a:ext uri="{28A0092B-C50C-407E-A947-70E740481C1C}">
-                <a14:useLocalDpi xmlns:a14="http://schemas.microsoft.com/office/drawing/2010/main" val="0"/>
-              </a:ext>
-            </a:extLst>
-          </a:blip>
-          <a:stretch>
-            <a:fillRect/>
-          </a:stretch>
-        </p:blipFill>
-        <p:spPr>
-          <a:xfrm>
-            <a:off x="0" y="1357313"/>
-            <a:ext cx="12215019" cy="4441825"/>
-          </a:xfrm>
-          <a:prstGeom prst="rect">
-            <a:avLst/>
-          </a:prstGeom>
-        </p:spPr>
-      </p:pic>
-    </p:spTree>
-    <p:extLst>
-      <p:ext uri="{BB962C8B-B14F-4D97-AF65-F5344CB8AC3E}">
-        <p14:creationId xmlns:p14="http://schemas.microsoft.com/office/powerpoint/2010/main" val="354506166"/>
-      </p:ext>
-    </p:extLst>
-  </p:cSld>
-  <p:clrMapOvr>
-    <a:masterClrMapping/>
-  </p:clrMapOvr>
-</p:sld>
-</file>
-
-<file path=ppt/slides/slide8.xml><?xml version="1.0" encoding="utf-8"?>
-<p:sld xmlns:a="http://schemas.openxmlformats.org/drawingml/2006/main" xmlns:r="http://schemas.openxmlformats.org/officeDocument/2006/relationships" xmlns:p="http://schemas.openxmlformats.org/presentationml/2006/main">
-  <p:cSld>
-    <p:spTree>
-      <p:nvGrpSpPr>
-        <p:cNvPr id="1" name=""/>
-        <p:cNvGrpSpPr/>
-        <p:nvPr/>
-      </p:nvGrpSpPr>
-      <p:grpSpPr>
-        <a:xfrm>
-          <a:off x="0" y="0"/>
-          <a:ext cx="0" cy="0"/>
-          <a:chOff x="0" y="0"/>
-          <a:chExt cx="0" cy="0"/>
-        </a:xfrm>
-      </p:grpSpPr>
-      <p:sp>
-        <p:nvSpPr>
-          <p:cNvPr id="2" name="TextBox 1"/>
-          <p:cNvSpPr txBox="1"/>
-          <p:nvPr/>
-        </p:nvSpPr>
-        <p:spPr>
-          <a:xfrm>
-            <a:off x="1009402" y="403760"/>
-            <a:ext cx="10212780" cy="1200329"/>
-          </a:xfrm>
-          <a:prstGeom prst="rect">
-            <a:avLst/>
-          </a:prstGeom>
-          <a:noFill/>
-        </p:spPr>
-        <p:txBody>
-          <a:bodyPr wrap="square" rtlCol="0">
-            <a:spAutoFit/>
-          </a:bodyPr>
-          <a:lstStyle/>
-          <a:p>
-            <a:pPr algn="ctr"/>
-            <a:r>
-              <a:rPr lang="en-US" sz="7200" b="1" dirty="0" smtClean="0">
-                <a:solidFill>
-                  <a:schemeClr val="bg1"/>
-                </a:solidFill>
-              </a:rPr>
-              <a:t>Data Types</a:t>
-            </a:r>
-          </a:p>
-        </p:txBody>
-      </p:sp>
-      <p:sp>
-        <p:nvSpPr>
-          <p:cNvPr id="3" name="TextBox 2"/>
-          <p:cNvSpPr txBox="1"/>
-          <p:nvPr/>
-        </p:nvSpPr>
-        <p:spPr>
-          <a:xfrm>
-            <a:off x="5403096" y="4270594"/>
-            <a:ext cx="1076577" cy="646331"/>
-          </a:xfrm>
-          <a:prstGeom prst="rect">
-            <a:avLst/>
-          </a:prstGeom>
-          <a:noFill/>
-        </p:spPr>
-        <p:txBody>
-          <a:bodyPr wrap="none" rtlCol="0">
-            <a:spAutoFit/>
-          </a:bodyPr>
-          <a:lstStyle/>
-          <a:p>
-            <a:r>
-              <a:rPr lang="en-US" sz="3600" b="1" dirty="0" smtClean="0">
-                <a:solidFill>
-                  <a:schemeClr val="bg1"/>
-                </a:solidFill>
-              </a:rPr>
-              <a:t>float</a:t>
-            </a:r>
-            <a:endParaRPr lang="en-US" sz="3600" b="1" dirty="0">
-              <a:solidFill>
-                <a:schemeClr val="bg1"/>
-              </a:solidFill>
-            </a:endParaRPr>
-          </a:p>
-        </p:txBody>
-      </p:sp>
-      <p:sp>
-        <p:nvSpPr>
-          <p:cNvPr id="5" name="TextBox 4"/>
-          <p:cNvSpPr txBox="1"/>
-          <p:nvPr/>
-        </p:nvSpPr>
-        <p:spPr>
-          <a:xfrm>
-            <a:off x="2190502" y="3095625"/>
-            <a:ext cx="712696" cy="646331"/>
-          </a:xfrm>
-          <a:prstGeom prst="rect">
-            <a:avLst/>
-          </a:prstGeom>
-          <a:noFill/>
-        </p:spPr>
-        <p:txBody>
-          <a:bodyPr wrap="none" rtlCol="0">
-            <a:spAutoFit/>
-          </a:bodyPr>
-          <a:lstStyle/>
-          <a:p>
-            <a:r>
-              <a:rPr lang="en-US" sz="3600" b="1" smtClean="0">
-                <a:solidFill>
-                  <a:schemeClr val="bg1"/>
-                </a:solidFill>
-              </a:rPr>
-              <a:t>Int</a:t>
-            </a:r>
-            <a:endParaRPr lang="en-US" sz="3600" b="1" dirty="0">
-              <a:solidFill>
-                <a:schemeClr val="bg1"/>
-              </a:solidFill>
-            </a:endParaRPr>
-          </a:p>
-        </p:txBody>
-      </p:sp>
-      <p:sp>
-        <p:nvSpPr>
-          <p:cNvPr id="6" name="TextBox 5"/>
-          <p:cNvSpPr txBox="1"/>
-          <p:nvPr/>
-        </p:nvSpPr>
-        <p:spPr>
-          <a:xfrm>
-            <a:off x="9284534" y="2977932"/>
-            <a:ext cx="687752" cy="646331"/>
-          </a:xfrm>
-          <a:prstGeom prst="rect">
-            <a:avLst/>
-          </a:prstGeom>
-          <a:noFill/>
-        </p:spPr>
-        <p:txBody>
-          <a:bodyPr wrap="none" rtlCol="0">
-            <a:spAutoFit/>
-          </a:bodyPr>
-          <a:lstStyle/>
-          <a:p>
-            <a:r>
-              <a:rPr lang="en-US" sz="3600" b="1" dirty="0" err="1" smtClean="0">
-                <a:solidFill>
-                  <a:schemeClr val="bg1"/>
-                </a:solidFill>
-              </a:rPr>
-              <a:t>str</a:t>
-            </a:r>
-            <a:endParaRPr lang="en-US" sz="3600" b="1" dirty="0">
-              <a:solidFill>
-                <a:schemeClr val="bg1"/>
-              </a:solidFill>
-            </a:endParaRPr>
-          </a:p>
-        </p:txBody>
-      </p:sp>
-      <p:cxnSp>
-        <p:nvCxnSpPr>
-          <p:cNvPr id="8" name="Straight Arrow Connector 7"/>
-          <p:cNvCxnSpPr/>
-          <p:nvPr/>
-        </p:nvCxnSpPr>
-        <p:spPr>
-          <a:xfrm flipH="1">
-            <a:off x="2903198" y="1604089"/>
-            <a:ext cx="2126002" cy="1491536"/>
-          </a:xfrm>
-          <a:prstGeom prst="straightConnector1">
-            <a:avLst/>
-          </a:prstGeom>
-          <a:ln w="50800">
-            <a:solidFill>
-              <a:schemeClr val="bg1"/>
-            </a:solidFill>
-            <a:tailEnd type="triangle"/>
-          </a:ln>
-        </p:spPr>
-        <p:style>
-          <a:lnRef idx="1">
-            <a:schemeClr val="accent1"/>
-          </a:lnRef>
-          <a:fillRef idx="0">
-            <a:schemeClr val="accent1"/>
-          </a:fillRef>
-          <a:effectRef idx="0">
-            <a:schemeClr val="accent1"/>
-          </a:effectRef>
-          <a:fontRef idx="minor">
-            <a:schemeClr val="tx1"/>
-          </a:fontRef>
-        </p:style>
-      </p:cxnSp>
-      <p:cxnSp>
-        <p:nvCxnSpPr>
-          <p:cNvPr id="9" name="Straight Arrow Connector 8"/>
-          <p:cNvCxnSpPr>
-            <a:endCxn id="3" idx="0"/>
-          </p:cNvCxnSpPr>
-          <p:nvPr/>
-        </p:nvCxnSpPr>
-        <p:spPr>
-          <a:xfrm flipH="1">
-            <a:off x="5941385" y="1604089"/>
-            <a:ext cx="340352" cy="2666505"/>
-          </a:xfrm>
-          <a:prstGeom prst="straightConnector1">
-            <a:avLst/>
-          </a:prstGeom>
-          <a:ln w="50800">
-            <a:solidFill>
-              <a:schemeClr val="bg1"/>
-            </a:solidFill>
-            <a:tailEnd type="triangle"/>
-          </a:ln>
-        </p:spPr>
-        <p:style>
-          <a:lnRef idx="1">
-            <a:schemeClr val="accent1"/>
-          </a:lnRef>
-          <a:fillRef idx="0">
-            <a:schemeClr val="accent1"/>
-          </a:fillRef>
-          <a:effectRef idx="0">
-            <a:schemeClr val="accent1"/>
-          </a:effectRef>
-          <a:fontRef idx="minor">
-            <a:schemeClr val="tx1"/>
-          </a:fontRef>
-        </p:style>
-      </p:cxnSp>
-      <p:cxnSp>
-        <p:nvCxnSpPr>
-          <p:cNvPr id="11" name="Straight Arrow Connector 10"/>
-          <p:cNvCxnSpPr/>
-          <p:nvPr/>
-        </p:nvCxnSpPr>
-        <p:spPr>
-          <a:xfrm>
-            <a:off x="7783135" y="1542176"/>
-            <a:ext cx="1536789" cy="1435756"/>
-          </a:xfrm>
-          <a:prstGeom prst="straightConnector1">
-            <a:avLst/>
-          </a:prstGeom>
-          <a:ln w="50800">
-            <a:solidFill>
-              <a:schemeClr val="bg1"/>
-            </a:solidFill>
-            <a:tailEnd type="triangle"/>
-          </a:ln>
-        </p:spPr>
-        <p:style>
-          <a:lnRef idx="1">
-            <a:schemeClr val="accent1"/>
-          </a:lnRef>
-          <a:fillRef idx="0">
-            <a:schemeClr val="accent1"/>
-          </a:fillRef>
-          <a:effectRef idx="0">
-            <a:schemeClr val="accent1"/>
-          </a:effectRef>
-          <a:fontRef idx="minor">
-            <a:schemeClr val="tx1"/>
-          </a:fontRef>
-        </p:style>
-      </p:cxnSp>
-    </p:spTree>
-    <p:extLst>
-      <p:ext uri="{BB962C8B-B14F-4D97-AF65-F5344CB8AC3E}">
-        <p14:creationId xmlns:p14="http://schemas.microsoft.com/office/powerpoint/2010/main" val="486583754"/>
-      </p:ext>
-    </p:extLst>
-  </p:cSld>
-  <p:clrMapOvr>
-    <a:masterClrMapping/>
-  </p:clrMapOvr>
-</p:sld>
-</file>
-
-<file path=ppt/slides/slide9.xml><?xml version="1.0" encoding="utf-8"?>
-<p:sld xmlns:a="http://schemas.openxmlformats.org/drawingml/2006/main" xmlns:r="http://schemas.openxmlformats.org/officeDocument/2006/relationships" xmlns:p="http://schemas.openxmlformats.org/presentationml/2006/main">
-  <p:cSld>
-    <p:spTree>
-      <p:nvGrpSpPr>
-        <p:cNvPr id="1" name=""/>
-        <p:cNvGrpSpPr/>
-        <p:nvPr/>
-      </p:nvGrpSpPr>
-      <p:grpSpPr>
-        <a:xfrm>
-          <a:off x="0" y="0"/>
-          <a:ext cx="0" cy="0"/>
-          <a:chOff x="0" y="0"/>
-          <a:chExt cx="0" cy="0"/>
-        </a:xfrm>
-      </p:grpSpPr>
-      <p:sp>
-        <p:nvSpPr>
-          <p:cNvPr id="2" name="TextBox 1"/>
-          <p:cNvSpPr txBox="1"/>
-          <p:nvPr/>
-        </p:nvSpPr>
-        <p:spPr>
-          <a:xfrm>
-            <a:off x="1009402" y="403760"/>
-            <a:ext cx="10212780" cy="1200329"/>
-          </a:xfrm>
-          <a:prstGeom prst="rect">
-            <a:avLst/>
-          </a:prstGeom>
-          <a:noFill/>
-        </p:spPr>
-        <p:txBody>
-          <a:bodyPr wrap="square" rtlCol="0">
-            <a:spAutoFit/>
-          </a:bodyPr>
-          <a:lstStyle/>
-          <a:p>
-            <a:pPr algn="ctr"/>
-            <a:r>
-              <a:rPr lang="en-US" sz="7200" b="1" dirty="0" smtClean="0">
-                <a:solidFill>
-                  <a:schemeClr val="bg1"/>
-                </a:solidFill>
-              </a:rPr>
-              <a:t>Data Types</a:t>
-            </a:r>
-          </a:p>
-        </p:txBody>
-      </p:sp>
-      <p:sp>
-        <p:nvSpPr>
-          <p:cNvPr id="3" name="TextBox 2"/>
-          <p:cNvSpPr txBox="1"/>
-          <p:nvPr/>
-        </p:nvSpPr>
-        <p:spPr>
-          <a:xfrm>
-            <a:off x="5403096" y="4270594"/>
-            <a:ext cx="1076577" cy="646331"/>
-          </a:xfrm>
-          <a:prstGeom prst="rect">
-            <a:avLst/>
-          </a:prstGeom>
-          <a:noFill/>
-        </p:spPr>
-        <p:txBody>
-          <a:bodyPr wrap="none" rtlCol="0">
-            <a:spAutoFit/>
-          </a:bodyPr>
-          <a:lstStyle/>
-          <a:p>
-            <a:r>
-              <a:rPr lang="en-US" sz="3600" b="1" dirty="0" smtClean="0">
-                <a:solidFill>
-                  <a:schemeClr val="bg1"/>
-                </a:solidFill>
-              </a:rPr>
-              <a:t>float</a:t>
-            </a:r>
-            <a:endParaRPr lang="en-US" sz="3600" b="1" dirty="0">
-              <a:solidFill>
-                <a:schemeClr val="bg1"/>
-              </a:solidFill>
-            </a:endParaRPr>
-          </a:p>
-        </p:txBody>
-      </p:sp>
-      <p:sp>
-        <p:nvSpPr>
-          <p:cNvPr id="5" name="TextBox 4"/>
-          <p:cNvSpPr txBox="1"/>
-          <p:nvPr/>
-        </p:nvSpPr>
-        <p:spPr>
-          <a:xfrm>
-            <a:off x="2190502" y="3095625"/>
-            <a:ext cx="712696" cy="646331"/>
-          </a:xfrm>
-          <a:prstGeom prst="rect">
-            <a:avLst/>
-          </a:prstGeom>
-          <a:noFill/>
-        </p:spPr>
-        <p:txBody>
-          <a:bodyPr wrap="none" rtlCol="0">
-            <a:spAutoFit/>
-          </a:bodyPr>
-          <a:lstStyle/>
-          <a:p>
-            <a:r>
-              <a:rPr lang="en-US" sz="3600" b="1" smtClean="0">
-                <a:solidFill>
-                  <a:schemeClr val="bg1"/>
-                </a:solidFill>
-              </a:rPr>
-              <a:t>Int</a:t>
-            </a:r>
-            <a:endParaRPr lang="en-US" sz="3600" b="1" dirty="0">
-              <a:solidFill>
-                <a:schemeClr val="bg1"/>
-              </a:solidFill>
-            </a:endParaRPr>
-          </a:p>
-        </p:txBody>
-      </p:sp>
-      <p:sp>
-        <p:nvSpPr>
-          <p:cNvPr id="6" name="TextBox 5"/>
-          <p:cNvSpPr txBox="1"/>
-          <p:nvPr/>
-        </p:nvSpPr>
-        <p:spPr>
-          <a:xfrm>
-            <a:off x="9284534" y="2977932"/>
-            <a:ext cx="687752" cy="646331"/>
-          </a:xfrm>
-          <a:prstGeom prst="rect">
-            <a:avLst/>
-          </a:prstGeom>
-          <a:noFill/>
-        </p:spPr>
-        <p:txBody>
-          <a:bodyPr wrap="none" rtlCol="0">
-            <a:spAutoFit/>
-          </a:bodyPr>
-          <a:lstStyle/>
-          <a:p>
-            <a:r>
-              <a:rPr lang="en-US" sz="3600" b="1" dirty="0" err="1" smtClean="0">
-                <a:solidFill>
-                  <a:schemeClr val="bg1"/>
-                </a:solidFill>
-              </a:rPr>
-              <a:t>str</a:t>
-            </a:r>
-            <a:endParaRPr lang="en-US" sz="3600" b="1" dirty="0">
-              <a:solidFill>
-                <a:schemeClr val="bg1"/>
-              </a:solidFill>
-            </a:endParaRPr>
-          </a:p>
-        </p:txBody>
-      </p:sp>
-      <p:cxnSp>
-        <p:nvCxnSpPr>
-          <p:cNvPr id="8" name="Straight Arrow Connector 7"/>
-          <p:cNvCxnSpPr/>
-          <p:nvPr/>
-        </p:nvCxnSpPr>
-        <p:spPr>
-          <a:xfrm flipH="1">
-            <a:off x="2903198" y="1604089"/>
-            <a:ext cx="2126002" cy="1491536"/>
-          </a:xfrm>
-          <a:prstGeom prst="straightConnector1">
-            <a:avLst/>
-          </a:prstGeom>
-          <a:ln w="50800">
-            <a:solidFill>
-              <a:schemeClr val="bg1"/>
-            </a:solidFill>
-            <a:tailEnd type="triangle"/>
-          </a:ln>
-        </p:spPr>
-        <p:style>
-          <a:lnRef idx="1">
-            <a:schemeClr val="accent1"/>
-          </a:lnRef>
-          <a:fillRef idx="0">
-            <a:schemeClr val="accent1"/>
-          </a:fillRef>
-          <a:effectRef idx="0">
-            <a:schemeClr val="accent1"/>
-          </a:effectRef>
-          <a:fontRef idx="minor">
-            <a:schemeClr val="tx1"/>
-          </a:fontRef>
-        </p:style>
-      </p:cxnSp>
-      <p:cxnSp>
-        <p:nvCxnSpPr>
-          <p:cNvPr id="9" name="Straight Arrow Connector 8"/>
-          <p:cNvCxnSpPr>
-            <a:endCxn id="3" idx="0"/>
-          </p:cNvCxnSpPr>
-          <p:nvPr/>
-        </p:nvCxnSpPr>
-        <p:spPr>
-          <a:xfrm flipH="1">
-            <a:off x="5941385" y="1604089"/>
-            <a:ext cx="340352" cy="2666505"/>
-          </a:xfrm>
-          <a:prstGeom prst="straightConnector1">
-            <a:avLst/>
-          </a:prstGeom>
-          <a:ln w="50800">
-            <a:solidFill>
-              <a:schemeClr val="bg1"/>
-            </a:solidFill>
-            <a:tailEnd type="triangle"/>
-          </a:ln>
-        </p:spPr>
-        <p:style>
-          <a:lnRef idx="1">
-            <a:schemeClr val="accent1"/>
-          </a:lnRef>
-          <a:fillRef idx="0">
-            <a:schemeClr val="accent1"/>
-          </a:fillRef>
-          <a:effectRef idx="0">
-            <a:schemeClr val="accent1"/>
-          </a:effectRef>
-          <a:fontRef idx="minor">
-            <a:schemeClr val="tx1"/>
-          </a:fontRef>
-        </p:style>
-      </p:cxnSp>
-      <p:cxnSp>
-        <p:nvCxnSpPr>
-          <p:cNvPr id="11" name="Straight Arrow Connector 10"/>
-          <p:cNvCxnSpPr/>
-          <p:nvPr/>
-        </p:nvCxnSpPr>
-        <p:spPr>
-          <a:xfrm>
-            <a:off x="7783135" y="1542176"/>
-            <a:ext cx="1536789" cy="1435756"/>
-          </a:xfrm>
-          <a:prstGeom prst="straightConnector1">
-            <a:avLst/>
-          </a:prstGeom>
-          <a:ln w="50800">
-            <a:solidFill>
-              <a:schemeClr val="bg1"/>
-            </a:solidFill>
-            <a:tailEnd type="triangle"/>
-          </a:ln>
-        </p:spPr>
-        <p:style>
-          <a:lnRef idx="1">
-            <a:schemeClr val="accent1"/>
-          </a:lnRef>
-          <a:fillRef idx="0">
-            <a:schemeClr val="accent1"/>
-          </a:fillRef>
-          <a:effectRef idx="0">
-            <a:schemeClr val="accent1"/>
-          </a:effectRef>
-          <a:fontRef idx="minor">
-            <a:schemeClr val="tx1"/>
-          </a:fontRef>
-        </p:style>
-      </p:cxnSp>
-      <p:sp>
-        <p:nvSpPr>
-          <p:cNvPr id="4" name="Freeform 3"/>
-          <p:cNvSpPr/>
-          <p:nvPr/>
-        </p:nvSpPr>
-        <p:spPr>
-          <a:xfrm>
-            <a:off x="1485900" y="2814638"/>
-            <a:ext cx="5372100" cy="2514600"/>
-          </a:xfrm>
-          <a:custGeom>
-            <a:avLst/>
-            <a:gdLst>
-              <a:gd name="connsiteX0" fmla="*/ 0 w 5372100"/>
-              <a:gd name="connsiteY0" fmla="*/ 514350 h 2514600"/>
-              <a:gd name="connsiteX1" fmla="*/ 128588 w 5372100"/>
-              <a:gd name="connsiteY1" fmla="*/ 685800 h 2514600"/>
-              <a:gd name="connsiteX2" fmla="*/ 214313 w 5372100"/>
-              <a:gd name="connsiteY2" fmla="*/ 757237 h 2514600"/>
-              <a:gd name="connsiteX3" fmla="*/ 314325 w 5372100"/>
-              <a:gd name="connsiteY3" fmla="*/ 871537 h 2514600"/>
-              <a:gd name="connsiteX4" fmla="*/ 471488 w 5372100"/>
-              <a:gd name="connsiteY4" fmla="*/ 985837 h 2514600"/>
-              <a:gd name="connsiteX5" fmla="*/ 514350 w 5372100"/>
-              <a:gd name="connsiteY5" fmla="*/ 1042987 h 2514600"/>
-              <a:gd name="connsiteX6" fmla="*/ 785813 w 5372100"/>
-              <a:gd name="connsiteY6" fmla="*/ 1243012 h 2514600"/>
-              <a:gd name="connsiteX7" fmla="*/ 914400 w 5372100"/>
-              <a:gd name="connsiteY7" fmla="*/ 1343025 h 2514600"/>
-              <a:gd name="connsiteX8" fmla="*/ 1057275 w 5372100"/>
-              <a:gd name="connsiteY8" fmla="*/ 1414462 h 2514600"/>
-              <a:gd name="connsiteX9" fmla="*/ 1457325 w 5372100"/>
-              <a:gd name="connsiteY9" fmla="*/ 1657350 h 2514600"/>
-              <a:gd name="connsiteX10" fmla="*/ 1543050 w 5372100"/>
-              <a:gd name="connsiteY10" fmla="*/ 1671637 h 2514600"/>
-              <a:gd name="connsiteX11" fmla="*/ 2000250 w 5372100"/>
-              <a:gd name="connsiteY11" fmla="*/ 1857375 h 2514600"/>
-              <a:gd name="connsiteX12" fmla="*/ 2771775 w 5372100"/>
-              <a:gd name="connsiteY12" fmla="*/ 2157412 h 2514600"/>
-              <a:gd name="connsiteX13" fmla="*/ 3157538 w 5372100"/>
-              <a:gd name="connsiteY13" fmla="*/ 2328862 h 2514600"/>
-              <a:gd name="connsiteX14" fmla="*/ 3243263 w 5372100"/>
-              <a:gd name="connsiteY14" fmla="*/ 2357437 h 2514600"/>
-              <a:gd name="connsiteX15" fmla="*/ 3314700 w 5372100"/>
-              <a:gd name="connsiteY15" fmla="*/ 2386012 h 2514600"/>
-              <a:gd name="connsiteX16" fmla="*/ 3386138 w 5372100"/>
-              <a:gd name="connsiteY16" fmla="*/ 2400300 h 2514600"/>
-              <a:gd name="connsiteX17" fmla="*/ 3457575 w 5372100"/>
-              <a:gd name="connsiteY17" fmla="*/ 2428875 h 2514600"/>
-              <a:gd name="connsiteX18" fmla="*/ 3629025 w 5372100"/>
-              <a:gd name="connsiteY18" fmla="*/ 2457450 h 2514600"/>
-              <a:gd name="connsiteX19" fmla="*/ 3743325 w 5372100"/>
-              <a:gd name="connsiteY19" fmla="*/ 2486025 h 2514600"/>
-              <a:gd name="connsiteX20" fmla="*/ 3829050 w 5372100"/>
-              <a:gd name="connsiteY20" fmla="*/ 2500312 h 2514600"/>
-              <a:gd name="connsiteX21" fmla="*/ 3900488 w 5372100"/>
-              <a:gd name="connsiteY21" fmla="*/ 2514600 h 2514600"/>
-              <a:gd name="connsiteX22" fmla="*/ 4886325 w 5372100"/>
-              <a:gd name="connsiteY22" fmla="*/ 2500312 h 2514600"/>
-              <a:gd name="connsiteX23" fmla="*/ 5014913 w 5372100"/>
-              <a:gd name="connsiteY23" fmla="*/ 2457450 h 2514600"/>
-              <a:gd name="connsiteX24" fmla="*/ 5086350 w 5372100"/>
-              <a:gd name="connsiteY24" fmla="*/ 2428875 h 2514600"/>
-              <a:gd name="connsiteX25" fmla="*/ 5229225 w 5372100"/>
-              <a:gd name="connsiteY25" fmla="*/ 2371725 h 2514600"/>
-              <a:gd name="connsiteX26" fmla="*/ 5314950 w 5372100"/>
-              <a:gd name="connsiteY26" fmla="*/ 2286000 h 2514600"/>
-              <a:gd name="connsiteX27" fmla="*/ 5357813 w 5372100"/>
-              <a:gd name="connsiteY27" fmla="*/ 2243137 h 2514600"/>
-              <a:gd name="connsiteX28" fmla="*/ 5372100 w 5372100"/>
-              <a:gd name="connsiteY28" fmla="*/ 2200275 h 2514600"/>
-              <a:gd name="connsiteX29" fmla="*/ 5286375 w 5372100"/>
-              <a:gd name="connsiteY29" fmla="*/ 1928812 h 2514600"/>
-              <a:gd name="connsiteX30" fmla="*/ 5114925 w 5372100"/>
-              <a:gd name="connsiteY30" fmla="*/ 1657350 h 2514600"/>
-              <a:gd name="connsiteX31" fmla="*/ 5057775 w 5372100"/>
-              <a:gd name="connsiteY31" fmla="*/ 1557337 h 2514600"/>
-              <a:gd name="connsiteX32" fmla="*/ 4943475 w 5372100"/>
-              <a:gd name="connsiteY32" fmla="*/ 1414462 h 2514600"/>
-              <a:gd name="connsiteX33" fmla="*/ 4843463 w 5372100"/>
-              <a:gd name="connsiteY33" fmla="*/ 1228725 h 2514600"/>
-              <a:gd name="connsiteX34" fmla="*/ 4757738 w 5372100"/>
-              <a:gd name="connsiteY34" fmla="*/ 1114425 h 2514600"/>
-              <a:gd name="connsiteX35" fmla="*/ 4729163 w 5372100"/>
-              <a:gd name="connsiteY35" fmla="*/ 1057275 h 2514600"/>
-              <a:gd name="connsiteX36" fmla="*/ 4672013 w 5372100"/>
-              <a:gd name="connsiteY36" fmla="*/ 985837 h 2514600"/>
-              <a:gd name="connsiteX37" fmla="*/ 4629150 w 5372100"/>
-              <a:gd name="connsiteY37" fmla="*/ 900112 h 2514600"/>
-              <a:gd name="connsiteX38" fmla="*/ 4500563 w 5372100"/>
-              <a:gd name="connsiteY38" fmla="*/ 757237 h 2514600"/>
-              <a:gd name="connsiteX39" fmla="*/ 4457700 w 5372100"/>
-              <a:gd name="connsiteY39" fmla="*/ 714375 h 2514600"/>
-              <a:gd name="connsiteX40" fmla="*/ 4357688 w 5372100"/>
-              <a:gd name="connsiteY40" fmla="*/ 657225 h 2514600"/>
-              <a:gd name="connsiteX41" fmla="*/ 4229100 w 5372100"/>
-              <a:gd name="connsiteY41" fmla="*/ 628650 h 2514600"/>
-              <a:gd name="connsiteX42" fmla="*/ 4100513 w 5372100"/>
-              <a:gd name="connsiteY42" fmla="*/ 571500 h 2514600"/>
-              <a:gd name="connsiteX43" fmla="*/ 4014788 w 5372100"/>
-              <a:gd name="connsiteY43" fmla="*/ 557212 h 2514600"/>
-              <a:gd name="connsiteX44" fmla="*/ 3814763 w 5372100"/>
-              <a:gd name="connsiteY44" fmla="*/ 514350 h 2514600"/>
-              <a:gd name="connsiteX45" fmla="*/ 3500438 w 5372100"/>
-              <a:gd name="connsiteY45" fmla="*/ 457200 h 2514600"/>
-              <a:gd name="connsiteX46" fmla="*/ 3414713 w 5372100"/>
-              <a:gd name="connsiteY46" fmla="*/ 442912 h 2514600"/>
-              <a:gd name="connsiteX47" fmla="*/ 3086100 w 5372100"/>
-              <a:gd name="connsiteY47" fmla="*/ 414337 h 2514600"/>
-              <a:gd name="connsiteX48" fmla="*/ 2728913 w 5372100"/>
-              <a:gd name="connsiteY48" fmla="*/ 371475 h 2514600"/>
-              <a:gd name="connsiteX49" fmla="*/ 2371725 w 5372100"/>
-              <a:gd name="connsiteY49" fmla="*/ 328612 h 2514600"/>
-              <a:gd name="connsiteX50" fmla="*/ 2071688 w 5372100"/>
-              <a:gd name="connsiteY50" fmla="*/ 271462 h 2514600"/>
-              <a:gd name="connsiteX51" fmla="*/ 1943100 w 5372100"/>
-              <a:gd name="connsiteY51" fmla="*/ 257175 h 2514600"/>
-              <a:gd name="connsiteX52" fmla="*/ 1814513 w 5372100"/>
-              <a:gd name="connsiteY52" fmla="*/ 214312 h 2514600"/>
-              <a:gd name="connsiteX53" fmla="*/ 1714500 w 5372100"/>
-              <a:gd name="connsiteY53" fmla="*/ 200025 h 2514600"/>
-              <a:gd name="connsiteX54" fmla="*/ 1457325 w 5372100"/>
-              <a:gd name="connsiteY54" fmla="*/ 142875 h 2514600"/>
-              <a:gd name="connsiteX55" fmla="*/ 1243013 w 5372100"/>
-              <a:gd name="connsiteY55" fmla="*/ 100012 h 2514600"/>
-              <a:gd name="connsiteX56" fmla="*/ 1185863 w 5372100"/>
-              <a:gd name="connsiteY56" fmla="*/ 85725 h 2514600"/>
-              <a:gd name="connsiteX57" fmla="*/ 1100138 w 5372100"/>
-              <a:gd name="connsiteY57" fmla="*/ 57150 h 2514600"/>
-              <a:gd name="connsiteX58" fmla="*/ 971550 w 5372100"/>
-              <a:gd name="connsiteY58" fmla="*/ 42862 h 2514600"/>
-              <a:gd name="connsiteX59" fmla="*/ 914400 w 5372100"/>
-              <a:gd name="connsiteY59" fmla="*/ 28575 h 2514600"/>
-              <a:gd name="connsiteX60" fmla="*/ 871538 w 5372100"/>
-              <a:gd name="connsiteY60" fmla="*/ 14287 h 2514600"/>
-              <a:gd name="connsiteX61" fmla="*/ 800100 w 5372100"/>
-              <a:gd name="connsiteY61" fmla="*/ 0 h 2514600"/>
-              <a:gd name="connsiteX62" fmla="*/ 571500 w 5372100"/>
-              <a:gd name="connsiteY62" fmla="*/ 28575 h 2514600"/>
-              <a:gd name="connsiteX63" fmla="*/ 457200 w 5372100"/>
-              <a:gd name="connsiteY63" fmla="*/ 157162 h 2514600"/>
-              <a:gd name="connsiteX64" fmla="*/ 342900 w 5372100"/>
-              <a:gd name="connsiteY64" fmla="*/ 257175 h 2514600"/>
-              <a:gd name="connsiteX65" fmla="*/ 271463 w 5372100"/>
-              <a:gd name="connsiteY65" fmla="*/ 357187 h 2514600"/>
-              <a:gd name="connsiteX66" fmla="*/ 242888 w 5372100"/>
-              <a:gd name="connsiteY66" fmla="*/ 400050 h 2514600"/>
-              <a:gd name="connsiteX67" fmla="*/ 200025 w 5372100"/>
-              <a:gd name="connsiteY67" fmla="*/ 428625 h 2514600"/>
-              <a:gd name="connsiteX68" fmla="*/ 171450 w 5372100"/>
-              <a:gd name="connsiteY68" fmla="*/ 457200 h 2514600"/>
-            </a:gdLst>
-            <a:ahLst/>
-            <a:cxnLst>
-              <a:cxn ang="0">
-                <a:pos x="connsiteX0" y="connsiteY0"/>
-              </a:cxn>
-              <a:cxn ang="0">
-                <a:pos x="connsiteX1" y="connsiteY1"/>
-              </a:cxn>
-              <a:cxn ang="0">
-                <a:pos x="connsiteX2" y="connsiteY2"/>
-              </a:cxn>
-              <a:cxn ang="0">
-                <a:pos x="connsiteX3" y="connsiteY3"/>
-              </a:cxn>
-              <a:cxn ang="0">
-                <a:pos x="connsiteX4" y="connsiteY4"/>
-              </a:cxn>
-              <a:cxn ang="0">
-                <a:pos x="connsiteX5" y="connsiteY5"/>
-              </a:cxn>
-              <a:cxn ang="0">
-                <a:pos x="connsiteX6" y="connsiteY6"/>
-              </a:cxn>
-              <a:cxn ang="0">
-                <a:pos x="connsiteX7" y="connsiteY7"/>
-              </a:cxn>
-              <a:cxn ang="0">
-                <a:pos x="connsiteX8" y="connsiteY8"/>
-              </a:cxn>
-              <a:cxn ang="0">
-                <a:pos x="connsiteX9" y="connsiteY9"/>
-              </a:cxn>
-              <a:cxn ang="0">
-                <a:pos x="connsiteX10" y="connsiteY10"/>
-              </a:cxn>
-              <a:cxn ang="0">
-                <a:pos x="connsiteX11" y="connsiteY11"/>
-              </a:cxn>
-              <a:cxn ang="0">
-                <a:pos x="connsiteX12" y="connsiteY12"/>
-              </a:cxn>
-              <a:cxn ang="0">
-                <a:pos x="connsiteX13" y="connsiteY13"/>
-              </a:cxn>
-              <a:cxn ang="0">
-                <a:pos x="connsiteX14" y="connsiteY14"/>
-              </a:cxn>
-              <a:cxn ang="0">
-                <a:pos x="connsiteX15" y="connsiteY15"/>
-              </a:cxn>
-              <a:cxn ang="0">
-                <a:pos x="connsiteX16" y="connsiteY16"/>
-              </a:cxn>
-              <a:cxn ang="0">
-                <a:pos x="connsiteX17" y="connsiteY17"/>
-              </a:cxn>
-              <a:cxn ang="0">
-                <a:pos x="connsiteX18" y="connsiteY18"/>
-              </a:cxn>
-              <a:cxn ang="0">
-                <a:pos x="connsiteX19" y="connsiteY19"/>
-              </a:cxn>
-              <a:cxn ang="0">
-                <a:pos x="connsiteX20" y="connsiteY20"/>
-              </a:cxn>
-              <a:cxn ang="0">
-                <a:pos x="connsiteX21" y="connsiteY21"/>
-              </a:cxn>
-              <a:cxn ang="0">
-                <a:pos x="connsiteX22" y="connsiteY22"/>
-              </a:cxn>
-              <a:cxn ang="0">
-                <a:pos x="connsiteX23" y="connsiteY23"/>
-              </a:cxn>
-              <a:cxn ang="0">
-                <a:pos x="connsiteX24" y="connsiteY24"/>
-              </a:cxn>
-              <a:cxn ang="0">
-                <a:pos x="connsiteX25" y="connsiteY25"/>
-              </a:cxn>
-              <a:cxn ang="0">
-                <a:pos x="connsiteX26" y="connsiteY26"/>
-              </a:cxn>
-              <a:cxn ang="0">
-                <a:pos x="connsiteX27" y="connsiteY27"/>
-              </a:cxn>
-              <a:cxn ang="0">
-                <a:pos x="connsiteX28" y="connsiteY28"/>
-              </a:cxn>
-              <a:cxn ang="0">
-                <a:pos x="connsiteX29" y="connsiteY29"/>
-              </a:cxn>
-              <a:cxn ang="0">
-                <a:pos x="connsiteX30" y="connsiteY30"/>
-              </a:cxn>
-              <a:cxn ang="0">
-                <a:pos x="connsiteX31" y="connsiteY31"/>
-              </a:cxn>
-              <a:cxn ang="0">
-                <a:pos x="connsiteX32" y="connsiteY32"/>
-              </a:cxn>
-              <a:cxn ang="0">
-                <a:pos x="connsiteX33" y="connsiteY33"/>
-              </a:cxn>
-              <a:cxn ang="0">
-                <a:pos x="connsiteX34" y="connsiteY34"/>
-              </a:cxn>
-              <a:cxn ang="0">
-                <a:pos x="connsiteX35" y="connsiteY35"/>
-              </a:cxn>
-              <a:cxn ang="0">
-                <a:pos x="connsiteX36" y="connsiteY36"/>
-              </a:cxn>
-              <a:cxn ang="0">
-                <a:pos x="connsiteX37" y="connsiteY37"/>
-              </a:cxn>
-              <a:cxn ang="0">
-                <a:pos x="connsiteX38" y="connsiteY38"/>
-              </a:cxn>
-              <a:cxn ang="0">
-                <a:pos x="connsiteX39" y="connsiteY39"/>
-              </a:cxn>
-              <a:cxn ang="0">
-                <a:pos x="connsiteX40" y="connsiteY40"/>
-              </a:cxn>
-              <a:cxn ang="0">
-                <a:pos x="connsiteX41" y="connsiteY41"/>
-              </a:cxn>
-              <a:cxn ang="0">
-                <a:pos x="connsiteX42" y="connsiteY42"/>
-              </a:cxn>
-              <a:cxn ang="0">
-                <a:pos x="connsiteX43" y="connsiteY43"/>
-              </a:cxn>
-              <a:cxn ang="0">
-                <a:pos x="connsiteX44" y="connsiteY44"/>
-              </a:cxn>
-              <a:cxn ang="0">
-                <a:pos x="connsiteX45" y="connsiteY45"/>
-              </a:cxn>
-              <a:cxn ang="0">
-                <a:pos x="connsiteX46" y="connsiteY46"/>
-              </a:cxn>
-              <a:cxn ang="0">
-                <a:pos x="connsiteX47" y="connsiteY47"/>
-              </a:cxn>
-              <a:cxn ang="0">
-                <a:pos x="connsiteX48" y="connsiteY48"/>
-              </a:cxn>
-              <a:cxn ang="0">
-                <a:pos x="connsiteX49" y="connsiteY49"/>
-              </a:cxn>
-              <a:cxn ang="0">
-                <a:pos x="connsiteX50" y="connsiteY50"/>
-              </a:cxn>
-              <a:cxn ang="0">
-                <a:pos x="connsiteX51" y="connsiteY51"/>
-              </a:cxn>
-              <a:cxn ang="0">
-                <a:pos x="connsiteX52" y="connsiteY52"/>
-              </a:cxn>
-              <a:cxn ang="0">
-                <a:pos x="connsiteX53" y="connsiteY53"/>
-              </a:cxn>
-              <a:cxn ang="0">
-                <a:pos x="connsiteX54" y="connsiteY54"/>
-              </a:cxn>
-              <a:cxn ang="0">
-                <a:pos x="connsiteX55" y="connsiteY55"/>
-              </a:cxn>
-              <a:cxn ang="0">
-                <a:pos x="connsiteX56" y="connsiteY56"/>
-              </a:cxn>
-              <a:cxn ang="0">
-                <a:pos x="connsiteX57" y="connsiteY57"/>
-              </a:cxn>
-              <a:cxn ang="0">
-                <a:pos x="connsiteX58" y="connsiteY58"/>
-              </a:cxn>
-              <a:cxn ang="0">
-                <a:pos x="connsiteX59" y="connsiteY59"/>
-              </a:cxn>
-              <a:cxn ang="0">
-                <a:pos x="connsiteX60" y="connsiteY60"/>
-              </a:cxn>
-              <a:cxn ang="0">
-                <a:pos x="connsiteX61" y="connsiteY61"/>
-              </a:cxn>
-              <a:cxn ang="0">
-                <a:pos x="connsiteX62" y="connsiteY62"/>
-              </a:cxn>
-              <a:cxn ang="0">
-                <a:pos x="connsiteX63" y="connsiteY63"/>
-              </a:cxn>
-              <a:cxn ang="0">
-                <a:pos x="connsiteX64" y="connsiteY64"/>
-              </a:cxn>
-              <a:cxn ang="0">
-                <a:pos x="connsiteX65" y="connsiteY65"/>
-              </a:cxn>
-              <a:cxn ang="0">
-                <a:pos x="connsiteX66" y="connsiteY66"/>
-              </a:cxn>
-              <a:cxn ang="0">
-                <a:pos x="connsiteX67" y="connsiteY67"/>
-              </a:cxn>
-              <a:cxn ang="0">
-                <a:pos x="connsiteX68" y="connsiteY68"/>
-              </a:cxn>
-            </a:cxnLst>
-            <a:rect l="l" t="t" r="r" b="b"/>
-            <a:pathLst>
-              <a:path w="5372100" h="2514600">
-                <a:moveTo>
-                  <a:pt x="0" y="514350"/>
-                </a:moveTo>
-                <a:cubicBezTo>
-                  <a:pt x="43281" y="579271"/>
-                  <a:pt x="72533" y="629745"/>
-                  <a:pt x="128588" y="685800"/>
-                </a:cubicBezTo>
-                <a:cubicBezTo>
-                  <a:pt x="154890" y="712102"/>
-                  <a:pt x="188011" y="730935"/>
-                  <a:pt x="214313" y="757237"/>
-                </a:cubicBezTo>
-                <a:cubicBezTo>
-                  <a:pt x="250111" y="793035"/>
-                  <a:pt x="276487" y="837903"/>
-                  <a:pt x="314325" y="871537"/>
-                </a:cubicBezTo>
-                <a:cubicBezTo>
-                  <a:pt x="362740" y="914573"/>
-                  <a:pt x="422306" y="943681"/>
-                  <a:pt x="471488" y="985837"/>
-                </a:cubicBezTo>
-                <a:cubicBezTo>
-                  <a:pt x="489568" y="1001334"/>
-                  <a:pt x="496797" y="1026896"/>
-                  <a:pt x="514350" y="1042987"/>
-                </a:cubicBezTo>
-                <a:cubicBezTo>
-                  <a:pt x="589927" y="1112266"/>
-                  <a:pt x="704332" y="1182973"/>
-                  <a:pt x="785813" y="1243012"/>
-                </a:cubicBezTo>
-                <a:cubicBezTo>
-                  <a:pt x="829528" y="1275223"/>
-                  <a:pt x="868489" y="1314029"/>
-                  <a:pt x="914400" y="1343025"/>
-                </a:cubicBezTo>
-                <a:cubicBezTo>
-                  <a:pt x="959419" y="1371458"/>
-                  <a:pt x="1011194" y="1387784"/>
-                  <a:pt x="1057275" y="1414462"/>
-                </a:cubicBezTo>
-                <a:cubicBezTo>
-                  <a:pt x="1308271" y="1559775"/>
-                  <a:pt x="1069410" y="1471150"/>
-                  <a:pt x="1457325" y="1657350"/>
-                </a:cubicBezTo>
-                <a:cubicBezTo>
-                  <a:pt x="1483441" y="1669886"/>
-                  <a:pt x="1514475" y="1666875"/>
-                  <a:pt x="1543050" y="1671637"/>
-                </a:cubicBezTo>
-                <a:cubicBezTo>
-                  <a:pt x="1813656" y="1794640"/>
-                  <a:pt x="1616658" y="1709053"/>
-                  <a:pt x="2000250" y="1857375"/>
-                </a:cubicBezTo>
-                <a:lnTo>
-                  <a:pt x="2771775" y="2157412"/>
-                </a:lnTo>
-                <a:cubicBezTo>
-                  <a:pt x="3089315" y="2282504"/>
-                  <a:pt x="2793761" y="2172958"/>
-                  <a:pt x="3157538" y="2328862"/>
-                </a:cubicBezTo>
-                <a:cubicBezTo>
-                  <a:pt x="3185223" y="2340727"/>
-                  <a:pt x="3214956" y="2347143"/>
-                  <a:pt x="3243263" y="2357437"/>
-                </a:cubicBezTo>
-                <a:cubicBezTo>
-                  <a:pt x="3267366" y="2366202"/>
-                  <a:pt x="3290135" y="2378642"/>
-                  <a:pt x="3314700" y="2386012"/>
-                </a:cubicBezTo>
-                <a:cubicBezTo>
-                  <a:pt x="3337960" y="2392990"/>
-                  <a:pt x="3362878" y="2393322"/>
-                  <a:pt x="3386138" y="2400300"/>
-                </a:cubicBezTo>
-                <a:cubicBezTo>
-                  <a:pt x="3410703" y="2407670"/>
-                  <a:pt x="3433010" y="2421506"/>
-                  <a:pt x="3457575" y="2428875"/>
-                </a:cubicBezTo>
-                <a:cubicBezTo>
-                  <a:pt x="3508682" y="2444207"/>
-                  <a:pt x="3578960" y="2447437"/>
-                  <a:pt x="3629025" y="2457450"/>
-                </a:cubicBezTo>
-                <a:cubicBezTo>
-                  <a:pt x="3667535" y="2465152"/>
-                  <a:pt x="3704924" y="2477796"/>
-                  <a:pt x="3743325" y="2486025"/>
-                </a:cubicBezTo>
-                <a:cubicBezTo>
-                  <a:pt x="3771651" y="2492095"/>
-                  <a:pt x="3800548" y="2495130"/>
-                  <a:pt x="3829050" y="2500312"/>
-                </a:cubicBezTo>
-                <a:cubicBezTo>
-                  <a:pt x="3852943" y="2504656"/>
-                  <a:pt x="3876675" y="2509837"/>
-                  <a:pt x="3900488" y="2514600"/>
-                </a:cubicBezTo>
-                <a:cubicBezTo>
-                  <a:pt x="4229100" y="2509837"/>
-                  <a:pt x="4558109" y="2517144"/>
-                  <a:pt x="4886325" y="2500312"/>
-                </a:cubicBezTo>
-                <a:cubicBezTo>
-                  <a:pt x="4931447" y="2497998"/>
-                  <a:pt x="4972364" y="2472646"/>
-                  <a:pt x="5014913" y="2457450"/>
-                </a:cubicBezTo>
-                <a:cubicBezTo>
-                  <a:pt x="5039066" y="2448824"/>
-                  <a:pt x="5062247" y="2437640"/>
-                  <a:pt x="5086350" y="2428875"/>
-                </a:cubicBezTo>
-                <a:cubicBezTo>
-                  <a:pt x="5117878" y="2417410"/>
-                  <a:pt x="5197745" y="2396909"/>
-                  <a:pt x="5229225" y="2371725"/>
-                </a:cubicBezTo>
-                <a:cubicBezTo>
-                  <a:pt x="5260781" y="2346480"/>
-                  <a:pt x="5286375" y="2314575"/>
-                  <a:pt x="5314950" y="2286000"/>
-                </a:cubicBezTo>
-                <a:lnTo>
-                  <a:pt x="5357813" y="2243137"/>
-                </a:lnTo>
-                <a:cubicBezTo>
-                  <a:pt x="5362575" y="2228850"/>
-                  <a:pt x="5372100" y="2215335"/>
-                  <a:pt x="5372100" y="2200275"/>
-                </a:cubicBezTo>
-                <a:cubicBezTo>
-                  <a:pt x="5372100" y="2074780"/>
-                  <a:pt x="5352201" y="2041102"/>
-                  <a:pt x="5286375" y="1928812"/>
-                </a:cubicBezTo>
-                <a:cubicBezTo>
-                  <a:pt x="5232251" y="1836483"/>
-                  <a:pt x="5168023" y="1750273"/>
-                  <a:pt x="5114925" y="1657350"/>
-                </a:cubicBezTo>
-                <a:cubicBezTo>
-                  <a:pt x="5095875" y="1624012"/>
-                  <a:pt x="5079918" y="1588706"/>
-                  <a:pt x="5057775" y="1557337"/>
-                </a:cubicBezTo>
-                <a:cubicBezTo>
-                  <a:pt x="5022603" y="1507510"/>
-                  <a:pt x="4976792" y="1465548"/>
-                  <a:pt x="4943475" y="1414462"/>
-                </a:cubicBezTo>
-                <a:cubicBezTo>
-                  <a:pt x="4905063" y="1355564"/>
-                  <a:pt x="4880475" y="1288513"/>
-                  <a:pt x="4843463" y="1228725"/>
-                </a:cubicBezTo>
-                <a:cubicBezTo>
-                  <a:pt x="4818395" y="1188231"/>
-                  <a:pt x="4784156" y="1154051"/>
-                  <a:pt x="4757738" y="1114425"/>
-                </a:cubicBezTo>
-                <a:cubicBezTo>
-                  <a:pt x="4745924" y="1096704"/>
-                  <a:pt x="4740977" y="1074996"/>
-                  <a:pt x="4729163" y="1057275"/>
-                </a:cubicBezTo>
-                <a:cubicBezTo>
-                  <a:pt x="4712247" y="1031902"/>
-                  <a:pt x="4688385" y="1011564"/>
-                  <a:pt x="4672013" y="985837"/>
-                </a:cubicBezTo>
-                <a:cubicBezTo>
-                  <a:pt x="4654861" y="958884"/>
-                  <a:pt x="4645587" y="927507"/>
-                  <a:pt x="4629150" y="900112"/>
-                </a:cubicBezTo>
-                <a:cubicBezTo>
-                  <a:pt x="4595594" y="844186"/>
-                  <a:pt x="4546184" y="802858"/>
-                  <a:pt x="4500563" y="757237"/>
-                </a:cubicBezTo>
-                <a:cubicBezTo>
-                  <a:pt x="4486275" y="742950"/>
-                  <a:pt x="4474512" y="725583"/>
-                  <a:pt x="4457700" y="714375"/>
-                </a:cubicBezTo>
-                <a:cubicBezTo>
-                  <a:pt x="4422169" y="690687"/>
-                  <a:pt x="4399123" y="672763"/>
-                  <a:pt x="4357688" y="657225"/>
-                </a:cubicBezTo>
-                <a:cubicBezTo>
-                  <a:pt x="4334622" y="648575"/>
-                  <a:pt x="4248506" y="632531"/>
-                  <a:pt x="4229100" y="628650"/>
-                </a:cubicBezTo>
-                <a:cubicBezTo>
-                  <a:pt x="4191430" y="609815"/>
-                  <a:pt x="4140646" y="582446"/>
-                  <a:pt x="4100513" y="571500"/>
-                </a:cubicBezTo>
-                <a:cubicBezTo>
-                  <a:pt x="4072565" y="563878"/>
-                  <a:pt x="4042892" y="564238"/>
-                  <a:pt x="4014788" y="557212"/>
-                </a:cubicBezTo>
-                <a:cubicBezTo>
-                  <a:pt x="3811210" y="506317"/>
-                  <a:pt x="4062750" y="545347"/>
-                  <a:pt x="3814763" y="514350"/>
-                </a:cubicBezTo>
-                <a:cubicBezTo>
-                  <a:pt x="3637476" y="463697"/>
-                  <a:pt x="3765699" y="495095"/>
-                  <a:pt x="3500438" y="457200"/>
-                </a:cubicBezTo>
-                <a:cubicBezTo>
-                  <a:pt x="3471760" y="453103"/>
-                  <a:pt x="3443528" y="445893"/>
-                  <a:pt x="3414713" y="442912"/>
-                </a:cubicBezTo>
-                <a:cubicBezTo>
-                  <a:pt x="3305346" y="431598"/>
-                  <a:pt x="3194555" y="432413"/>
-                  <a:pt x="3086100" y="414337"/>
-                </a:cubicBezTo>
-                <a:cubicBezTo>
-                  <a:pt x="2853400" y="375554"/>
-                  <a:pt x="2972418" y="390206"/>
-                  <a:pt x="2728913" y="371475"/>
-                </a:cubicBezTo>
-                <a:cubicBezTo>
-                  <a:pt x="2286487" y="297737"/>
-                  <a:pt x="2840004" y="384806"/>
-                  <a:pt x="2371725" y="328612"/>
-                </a:cubicBezTo>
-                <a:cubicBezTo>
-                  <a:pt x="2080857" y="293708"/>
-                  <a:pt x="2314511" y="311932"/>
-                  <a:pt x="2071688" y="271462"/>
-                </a:cubicBezTo>
-                <a:cubicBezTo>
-                  <a:pt x="2029148" y="264372"/>
-                  <a:pt x="1985963" y="261937"/>
-                  <a:pt x="1943100" y="257175"/>
-                </a:cubicBezTo>
-                <a:cubicBezTo>
-                  <a:pt x="1900238" y="242887"/>
-                  <a:pt x="1858345" y="225270"/>
-                  <a:pt x="1814513" y="214312"/>
-                </a:cubicBezTo>
-                <a:cubicBezTo>
-                  <a:pt x="1781842" y="206144"/>
-                  <a:pt x="1747522" y="206629"/>
-                  <a:pt x="1714500" y="200025"/>
-                </a:cubicBezTo>
-                <a:cubicBezTo>
-                  <a:pt x="1628389" y="182803"/>
-                  <a:pt x="1542519" y="164174"/>
-                  <a:pt x="1457325" y="142875"/>
-                </a:cubicBezTo>
-                <a:cubicBezTo>
-                  <a:pt x="1217810" y="82996"/>
-                  <a:pt x="1461259" y="139693"/>
-                  <a:pt x="1243013" y="100012"/>
-                </a:cubicBezTo>
-                <a:cubicBezTo>
-                  <a:pt x="1223693" y="96499"/>
-                  <a:pt x="1204671" y="91367"/>
-                  <a:pt x="1185863" y="85725"/>
-                </a:cubicBezTo>
-                <a:cubicBezTo>
-                  <a:pt x="1157013" y="77070"/>
-                  <a:pt x="1129674" y="63057"/>
-                  <a:pt x="1100138" y="57150"/>
-                </a:cubicBezTo>
-                <a:cubicBezTo>
-                  <a:pt x="1057849" y="48692"/>
-                  <a:pt x="1014413" y="47625"/>
-                  <a:pt x="971550" y="42862"/>
-                </a:cubicBezTo>
-                <a:cubicBezTo>
-                  <a:pt x="952500" y="38100"/>
-                  <a:pt x="933281" y="33970"/>
-                  <a:pt x="914400" y="28575"/>
-                </a:cubicBezTo>
-                <a:cubicBezTo>
-                  <a:pt x="899919" y="24438"/>
-                  <a:pt x="886149" y="17940"/>
-                  <a:pt x="871538" y="14287"/>
-                </a:cubicBezTo>
-                <a:cubicBezTo>
-                  <a:pt x="847979" y="8397"/>
-                  <a:pt x="823913" y="4762"/>
-                  <a:pt x="800100" y="0"/>
-                </a:cubicBezTo>
-                <a:cubicBezTo>
-                  <a:pt x="723900" y="9525"/>
-                  <a:pt x="643670" y="2332"/>
-                  <a:pt x="571500" y="28575"/>
-                </a:cubicBezTo>
-                <a:cubicBezTo>
-                  <a:pt x="501377" y="54074"/>
-                  <a:pt x="496402" y="111426"/>
-                  <a:pt x="457200" y="157162"/>
-                </a:cubicBezTo>
-                <a:cubicBezTo>
-                  <a:pt x="412807" y="208953"/>
-                  <a:pt x="395444" y="217767"/>
-                  <a:pt x="342900" y="257175"/>
-                </a:cubicBezTo>
-                <a:cubicBezTo>
-                  <a:pt x="316648" y="335932"/>
-                  <a:pt x="345426" y="270897"/>
-                  <a:pt x="271463" y="357187"/>
-                </a:cubicBezTo>
-                <a:cubicBezTo>
-                  <a:pt x="260288" y="370225"/>
-                  <a:pt x="255030" y="387908"/>
-                  <a:pt x="242888" y="400050"/>
-                </a:cubicBezTo>
-                <a:cubicBezTo>
-                  <a:pt x="230746" y="412192"/>
-                  <a:pt x="213434" y="417898"/>
-                  <a:pt x="200025" y="428625"/>
-                </a:cubicBezTo>
-                <a:cubicBezTo>
-                  <a:pt x="189506" y="437040"/>
-                  <a:pt x="180975" y="447675"/>
-                  <a:pt x="171450" y="457200"/>
-                </a:cubicBezTo>
-              </a:path>
-            </a:pathLst>
-          </a:custGeom>
-          <a:noFill/>
-          <a:ln w="60325">
-            <a:solidFill>
-              <a:srgbClr val="FF0000"/>
-            </a:solidFill>
-          </a:ln>
-        </p:spPr>
-        <p:style>
-          <a:lnRef idx="2">
-            <a:schemeClr val="accent1">
-              <a:shade val="50000"/>
-            </a:schemeClr>
-          </a:lnRef>
-          <a:fillRef idx="1">
-            <a:schemeClr val="accent1"/>
-          </a:fillRef>
-          <a:effectRef idx="0">
-            <a:schemeClr val="accent1"/>
-          </a:effectRef>
-          <a:fontRef idx="minor">
-            <a:schemeClr val="lt1"/>
-          </a:fontRef>
-        </p:style>
-        <p:txBody>
-          <a:bodyPr rtlCol="0" anchor="ctr"/>
-          <a:lstStyle/>
-          <a:p>
-            <a:pPr algn="ctr"/>
-            <a:endParaRPr lang="en-US"/>
-          </a:p>
-        </p:txBody>
-      </p:sp>
-      <p:sp>
-        <p:nvSpPr>
-          <p:cNvPr id="12" name="TextBox 11"/>
-          <p:cNvSpPr txBox="1"/>
-          <p:nvPr/>
-        </p:nvSpPr>
-        <p:spPr>
-          <a:xfrm>
-            <a:off x="2243632" y="5329238"/>
-            <a:ext cx="2902398" cy="830997"/>
-          </a:xfrm>
-          <a:prstGeom prst="rect">
-            <a:avLst/>
-          </a:prstGeom>
-          <a:noFill/>
-        </p:spPr>
-        <p:txBody>
-          <a:bodyPr wrap="none" rtlCol="0">
-            <a:spAutoFit/>
-          </a:bodyPr>
-          <a:lstStyle/>
-          <a:p>
-            <a:r>
-              <a:rPr lang="en-US" sz="4800" b="1" dirty="0" smtClean="0">
-                <a:solidFill>
-                  <a:srgbClr val="FF0000"/>
-                </a:solidFill>
-              </a:rPr>
-              <a:t>(Numbers)</a:t>
-            </a:r>
-            <a:endParaRPr lang="en-US" sz="4800" b="1" dirty="0">
-              <a:solidFill>
-                <a:srgbClr val="FF0000"/>
-              </a:solidFill>
-            </a:endParaRPr>
-          </a:p>
-        </p:txBody>
-      </p:sp>
-    </p:spTree>
-    <p:extLst>
-      <p:ext uri="{BB962C8B-B14F-4D97-AF65-F5344CB8AC3E}">
-        <p14:creationId xmlns:p14="http://schemas.microsoft.com/office/powerpoint/2010/main" val="838255315"/>
       </p:ext>
     </p:extLst>
   </p:cSld>
